--- a/hakaton.pptx
+++ b/hakaton.pptx
@@ -5,7 +5,7 @@
     <p:sldMasterId id="2147483792" r:id="rId1"/>
   </p:sldMasterIdLst>
   <p:notesMasterIdLst>
-    <p:notesMasterId r:id="rId12"/>
+    <p:notesMasterId r:id="rId13"/>
   </p:notesMasterIdLst>
   <p:sldIdLst>
     <p:sldId id="256" r:id="rId2"/>
@@ -14,10 +14,11 @@
     <p:sldId id="258" r:id="rId5"/>
     <p:sldId id="259" r:id="rId6"/>
     <p:sldId id="260" r:id="rId7"/>
-    <p:sldId id="261" r:id="rId8"/>
-    <p:sldId id="262" r:id="rId9"/>
-    <p:sldId id="263" r:id="rId10"/>
-    <p:sldId id="264" r:id="rId11"/>
+    <p:sldId id="273" r:id="rId8"/>
+    <p:sldId id="274" r:id="rId9"/>
+    <p:sldId id="262" r:id="rId10"/>
+    <p:sldId id="263" r:id="rId11"/>
+    <p:sldId id="264" r:id="rId12"/>
   </p:sldIdLst>
   <p:sldSz cx="12192000" cy="6858000"/>
   <p:notesSz cx="6858000" cy="9144000"/>
@@ -118,7 +119,7 @@
   </p:defaultTextStyle>
   <p:extLst>
     <p:ext uri="{EFAFB233-063F-42B5-8137-9DF3F51BA10A}">
-      <p15:sldGuideLst xmlns="" xmlns:p15="http://schemas.microsoft.com/office/powerpoint/2012/main"/>
+      <p15:sldGuideLst xmlns:p15="http://schemas.microsoft.com/office/powerpoint/2012/main" xmlns=""/>
     </p:ext>
   </p:extLst>
 </p:presentation>
@@ -3603,7 +3604,7 @@
           <p:cNvPr id="35" name="Прямоугольник: скругленные углы 34">
             <a:extLst>
               <a:ext uri="{FF2B5EF4-FFF2-40B4-BE49-F238E27FC236}">
-                <a16:creationId xmlns="" xmlns:a16="http://schemas.microsoft.com/office/drawing/2014/main" id="{8FC79595-4EB3-E616-E1C3-9958F5CEE851}"/>
+                <a16:creationId xmlns:a16="http://schemas.microsoft.com/office/drawing/2014/main" xmlns="" id="{8FC79595-4EB3-E616-E1C3-9958F5CEE851}"/>
               </a:ext>
             </a:extLst>
           </p:cNvPr>
@@ -3657,7 +3658,7 @@
           <p:cNvPr id="33" name="Блок-схема: узел 32">
             <a:extLst>
               <a:ext uri="{FF2B5EF4-FFF2-40B4-BE49-F238E27FC236}">
-                <a16:creationId xmlns="" xmlns:a16="http://schemas.microsoft.com/office/drawing/2014/main" id="{C5C29EF6-0EC9-01E1-7B4D-8B40FD5266AA}"/>
+                <a16:creationId xmlns:a16="http://schemas.microsoft.com/office/drawing/2014/main" xmlns="" id="{C5C29EF6-0EC9-01E1-7B4D-8B40FD5266AA}"/>
               </a:ext>
             </a:extLst>
           </p:cNvPr>
@@ -3709,7 +3710,7 @@
           <p:cNvPr id="2" name="Заголовок 1">
             <a:extLst>
               <a:ext uri="{FF2B5EF4-FFF2-40B4-BE49-F238E27FC236}">
-                <a16:creationId xmlns="" xmlns:a16="http://schemas.microsoft.com/office/drawing/2014/main" id="{6A30D32F-0D3E-CD88-D867-34BD8FE85ABC}"/>
+                <a16:creationId xmlns:a16="http://schemas.microsoft.com/office/drawing/2014/main" xmlns="" id="{6A30D32F-0D3E-CD88-D867-34BD8FE85ABC}"/>
               </a:ext>
             </a:extLst>
           </p:cNvPr>
@@ -3755,7 +3756,7 @@
           <p:cNvPr id="36" name="Прямоугольник: скругленные углы 35">
             <a:extLst>
               <a:ext uri="{FF2B5EF4-FFF2-40B4-BE49-F238E27FC236}">
-                <a16:creationId xmlns="" xmlns:a16="http://schemas.microsoft.com/office/drawing/2014/main" id="{AE981CB6-9D52-5DB6-F219-751C92182FE0}"/>
+                <a16:creationId xmlns:a16="http://schemas.microsoft.com/office/drawing/2014/main" xmlns="" id="{AE981CB6-9D52-5DB6-F219-751C92182FE0}"/>
               </a:ext>
             </a:extLst>
           </p:cNvPr>
@@ -3809,7 +3810,7 @@
           <p:cNvPr id="37" name="Блок-схема: узел 36">
             <a:extLst>
               <a:ext uri="{FF2B5EF4-FFF2-40B4-BE49-F238E27FC236}">
-                <a16:creationId xmlns="" xmlns:a16="http://schemas.microsoft.com/office/drawing/2014/main" id="{CB917444-994B-2B80-FB33-5791BFDF5D19}"/>
+                <a16:creationId xmlns:a16="http://schemas.microsoft.com/office/drawing/2014/main" xmlns="" id="{CB917444-994B-2B80-FB33-5791BFDF5D19}"/>
               </a:ext>
             </a:extLst>
           </p:cNvPr>
@@ -3861,7 +3862,7 @@
           <p:cNvPr id="3" name="Подзаголовок 2">
             <a:extLst>
               <a:ext uri="{FF2B5EF4-FFF2-40B4-BE49-F238E27FC236}">
-                <a16:creationId xmlns="" xmlns:a16="http://schemas.microsoft.com/office/drawing/2014/main" id="{DA3DAC12-A30D-B875-B71A-20BE851238CA}"/>
+                <a16:creationId xmlns:a16="http://schemas.microsoft.com/office/drawing/2014/main" xmlns="" id="{DA3DAC12-A30D-B875-B71A-20BE851238CA}"/>
               </a:ext>
             </a:extLst>
           </p:cNvPr>
@@ -3909,7 +3910,7 @@
           <p:cNvPr id="44" name="Прямая соединительная линия 43">
             <a:extLst>
               <a:ext uri="{FF2B5EF4-FFF2-40B4-BE49-F238E27FC236}">
-                <a16:creationId xmlns="" xmlns:a16="http://schemas.microsoft.com/office/drawing/2014/main" id="{CF9243C7-BA34-3AD1-4C24-018A8BFA7398}"/>
+                <a16:creationId xmlns:a16="http://schemas.microsoft.com/office/drawing/2014/main" xmlns="" id="{CF9243C7-BA34-3AD1-4C24-018A8BFA7398}"/>
               </a:ext>
             </a:extLst>
           </p:cNvPr>
@@ -4074,12 +4075,829 @@
           <a:chExt cx="0" cy="0"/>
         </a:xfrm>
       </p:grpSpPr>
+      <p:grpSp>
+        <p:nvGrpSpPr>
+          <p:cNvPr id="38" name="Группа 37">
+            <a:extLst>
+              <a:ext uri="{FF2B5EF4-FFF2-40B4-BE49-F238E27FC236}">
+                <a16:creationId xmlns:a16="http://schemas.microsoft.com/office/drawing/2014/main" xmlns="" id="{2704BA95-4C2D-B8FE-188E-3DB42E79507B}"/>
+              </a:ext>
+            </a:extLst>
+          </p:cNvPr>
+          <p:cNvGrpSpPr/>
+          <p:nvPr/>
+        </p:nvGrpSpPr>
+        <p:grpSpPr>
+          <a:xfrm>
+            <a:off x="11436259" y="6120980"/>
+            <a:ext cx="343770" cy="582524"/>
+            <a:chOff x="11353797" y="6160456"/>
+            <a:chExt cx="343770" cy="582524"/>
+          </a:xfrm>
+        </p:grpSpPr>
+        <p:sp>
+          <p:nvSpPr>
+            <p:cNvPr id="39" name="Прямоугольник: скругленные углы 38">
+              <a:extLst>
+                <a:ext uri="{FF2B5EF4-FFF2-40B4-BE49-F238E27FC236}">
+                  <a16:creationId xmlns:a16="http://schemas.microsoft.com/office/drawing/2014/main" xmlns="" id="{95935479-7163-07D2-0D3E-E07798A517B3}"/>
+                </a:ext>
+              </a:extLst>
+            </p:cNvPr>
+            <p:cNvSpPr/>
+            <p:nvPr/>
+          </p:nvSpPr>
+          <p:spPr>
+            <a:xfrm>
+              <a:off x="11416933" y="6160456"/>
+              <a:ext cx="280634" cy="582524"/>
+            </a:xfrm>
+            <a:prstGeom prst="roundRect">
+              <a:avLst>
+                <a:gd name="adj" fmla="val 50000"/>
+              </a:avLst>
+            </a:prstGeom>
+            <a:solidFill>
+              <a:srgbClr val="5FD0E3"/>
+            </a:solidFill>
+            <a:ln>
+              <a:noFill/>
+            </a:ln>
+          </p:spPr>
+          <p:style>
+            <a:lnRef idx="2">
+              <a:schemeClr val="accent1">
+                <a:shade val="15000"/>
+              </a:schemeClr>
+            </a:lnRef>
+            <a:fillRef idx="1">
+              <a:schemeClr val="accent1"/>
+            </a:fillRef>
+            <a:effectRef idx="0">
+              <a:schemeClr val="accent1"/>
+            </a:effectRef>
+            <a:fontRef idx="minor">
+              <a:schemeClr val="lt1"/>
+            </a:fontRef>
+          </p:style>
+          <p:txBody>
+            <a:bodyPr rtlCol="0" anchor="ctr"/>
+            <a:lstStyle/>
+            <a:p>
+              <a:pPr algn="ctr"/>
+              <a:endParaRPr lang="en-GB"/>
+            </a:p>
+          </p:txBody>
+        </p:sp>
+        <p:sp>
+          <p:nvSpPr>
+            <p:cNvPr id="40" name="TextBox 39">
+              <a:extLst>
+                <a:ext uri="{FF2B5EF4-FFF2-40B4-BE49-F238E27FC236}">
+                  <a16:creationId xmlns:a16="http://schemas.microsoft.com/office/drawing/2014/main" xmlns="" id="{26FD9EFD-D215-03B5-BD04-A9E393E75425}"/>
+                </a:ext>
+              </a:extLst>
+            </p:cNvPr>
+            <p:cNvSpPr txBox="1"/>
+            <p:nvPr/>
+          </p:nvSpPr>
+          <p:spPr>
+            <a:xfrm>
+              <a:off x="11353797" y="6224241"/>
+              <a:ext cx="308376" cy="461665"/>
+            </a:xfrm>
+            <a:prstGeom prst="rect">
+              <a:avLst/>
+            </a:prstGeom>
+            <a:noFill/>
+          </p:spPr>
+          <p:txBody>
+            <a:bodyPr wrap="square" rtlCol="0">
+              <a:spAutoFit/>
+            </a:bodyPr>
+            <a:lstStyle/>
+            <a:p>
+              <a:r>
+                <a:rPr lang="ru-RU" sz="2400" dirty="0">
+                  <a:latin typeface="FRM325x8" panose="02000603000000000000" pitchFamily="2" charset="0"/>
+                  <a:ea typeface="FRM325x8" panose="02000603000000000000" pitchFamily="2" charset="0"/>
+                </a:rPr>
+                <a:t>8</a:t>
+              </a:r>
+              <a:endParaRPr lang="en-GB" dirty="0">
+                <a:latin typeface="FRM325x8" panose="02000603000000000000" pitchFamily="2" charset="0"/>
+                <a:ea typeface="FRM325x8" panose="02000603000000000000" pitchFamily="2" charset="0"/>
+              </a:endParaRPr>
+            </a:p>
+          </p:txBody>
+        </p:sp>
+      </p:grpSp>
+      <p:sp>
+        <p:nvSpPr>
+          <p:cNvPr id="6" name="Прямоугольник: скругленные углы 5">
+            <a:extLst>
+              <a:ext uri="{FF2B5EF4-FFF2-40B4-BE49-F238E27FC236}">
+                <a16:creationId xmlns:a16="http://schemas.microsoft.com/office/drawing/2014/main" xmlns="" id="{208813F8-FFF5-C2D3-3060-618FD450BAEF}"/>
+              </a:ext>
+            </a:extLst>
+          </p:cNvPr>
+          <p:cNvSpPr/>
+          <p:nvPr/>
+        </p:nvSpPr>
+        <p:spPr>
+          <a:xfrm>
+            <a:off x="755380" y="2352482"/>
+            <a:ext cx="10515601" cy="2554480"/>
+          </a:xfrm>
+          <a:prstGeom prst="roundRect">
+            <a:avLst>
+              <a:gd name="adj" fmla="val 7657"/>
+            </a:avLst>
+          </a:prstGeom>
+          <a:solidFill>
+            <a:schemeClr val="bg1"/>
+          </a:solidFill>
+        </p:spPr>
+        <p:style>
+          <a:lnRef idx="2">
+            <a:schemeClr val="accent1">
+              <a:shade val="15000"/>
+            </a:schemeClr>
+          </a:lnRef>
+          <a:fillRef idx="1">
+            <a:schemeClr val="accent1"/>
+          </a:fillRef>
+          <a:effectRef idx="0">
+            <a:schemeClr val="accent1"/>
+          </a:effectRef>
+          <a:fontRef idx="minor">
+            <a:schemeClr val="lt1"/>
+          </a:fontRef>
+        </p:style>
+        <p:txBody>
+          <a:bodyPr rtlCol="0" anchor="ctr"/>
+          <a:lstStyle/>
+          <a:p>
+            <a:pPr algn="ctr"/>
+            <a:endParaRPr lang="en-GB"/>
+          </a:p>
+        </p:txBody>
+      </p:sp>
+      <p:sp>
+        <p:nvSpPr>
+          <p:cNvPr id="5" name="Прямоугольник: скругленные углы 4">
+            <a:extLst>
+              <a:ext uri="{FF2B5EF4-FFF2-40B4-BE49-F238E27FC236}">
+                <a16:creationId xmlns:a16="http://schemas.microsoft.com/office/drawing/2014/main" xmlns="" id="{28D94567-D23F-4FDD-56D3-96946E39BE7E}"/>
+              </a:ext>
+            </a:extLst>
+          </p:cNvPr>
+          <p:cNvSpPr/>
+          <p:nvPr/>
+        </p:nvSpPr>
+        <p:spPr>
+          <a:xfrm>
+            <a:off x="755380" y="964272"/>
+            <a:ext cx="6876725" cy="1171958"/>
+          </a:xfrm>
+          <a:prstGeom prst="roundRect">
+            <a:avLst/>
+          </a:prstGeom>
+          <a:solidFill>
+            <a:srgbClr val="F1879B"/>
+          </a:solidFill>
+        </p:spPr>
+        <p:style>
+          <a:lnRef idx="2">
+            <a:schemeClr val="accent1">
+              <a:shade val="15000"/>
+            </a:schemeClr>
+          </a:lnRef>
+          <a:fillRef idx="1">
+            <a:schemeClr val="accent1"/>
+          </a:fillRef>
+          <a:effectRef idx="0">
+            <a:schemeClr val="accent1"/>
+          </a:effectRef>
+          <a:fontRef idx="minor">
+            <a:schemeClr val="lt1"/>
+          </a:fontRef>
+        </p:style>
+        <p:txBody>
+          <a:bodyPr rtlCol="0" anchor="ctr"/>
+          <a:lstStyle/>
+          <a:p>
+            <a:pPr algn="ctr"/>
+            <a:endParaRPr lang="en-GB"/>
+          </a:p>
+        </p:txBody>
+      </p:sp>
+      <p:sp>
+        <p:nvSpPr>
+          <p:cNvPr id="2" name="Заголовок 1">
+            <a:extLst>
+              <a:ext uri="{FF2B5EF4-FFF2-40B4-BE49-F238E27FC236}">
+                <a16:creationId xmlns:a16="http://schemas.microsoft.com/office/drawing/2014/main" xmlns="" id="{0F86EC91-B376-0676-CA1C-349BCE7CAD68}"/>
+              </a:ext>
+            </a:extLst>
+          </p:cNvPr>
+          <p:cNvSpPr>
+            <a:spLocks noGrp="1"/>
+          </p:cNvSpPr>
+          <p:nvPr>
+            <p:ph type="title"/>
+          </p:nvPr>
+        </p:nvSpPr>
+        <p:spPr>
+          <a:xfrm>
+            <a:off x="798458" y="1087797"/>
+            <a:ext cx="6790567" cy="931671"/>
+          </a:xfrm>
+        </p:spPr>
+        <p:txBody>
+          <a:bodyPr/>
+          <a:lstStyle/>
+          <a:p>
+            <a:r>
+              <a:rPr lang="ru-RU" dirty="0">
+                <a:latin typeface="FRM325x8" panose="02000603000000000000" pitchFamily="2" charset="0"/>
+                <a:ea typeface="FRM325x8" panose="02000603000000000000" pitchFamily="2" charset="0"/>
+              </a:rPr>
+              <a:t>Масштабирование:</a:t>
+            </a:r>
+            <a:endParaRPr lang="en-GB" dirty="0">
+              <a:latin typeface="FRM325x8" panose="02000603000000000000" pitchFamily="2" charset="0"/>
+              <a:ea typeface="FRM325x8" panose="02000603000000000000" pitchFamily="2" charset="0"/>
+            </a:endParaRPr>
+          </a:p>
+        </p:txBody>
+      </p:sp>
+      <p:sp>
+        <p:nvSpPr>
+          <p:cNvPr id="3" name="Объект 2">
+            <a:extLst>
+              <a:ext uri="{FF2B5EF4-FFF2-40B4-BE49-F238E27FC236}">
+                <a16:creationId xmlns:a16="http://schemas.microsoft.com/office/drawing/2014/main" xmlns="" id="{4B1EF3BA-69B0-34FE-7B5E-92F8A4C29B93}"/>
+              </a:ext>
+            </a:extLst>
+          </p:cNvPr>
+          <p:cNvSpPr>
+            <a:spLocks noGrp="1"/>
+          </p:cNvSpPr>
+          <p:nvPr>
+            <p:ph idx="1"/>
+          </p:nvPr>
+        </p:nvSpPr>
+        <p:spPr>
+          <a:xfrm>
+            <a:off x="841538" y="2517798"/>
+            <a:ext cx="10282084" cy="2264594"/>
+          </a:xfrm>
+        </p:spPr>
+        <p:txBody>
+          <a:bodyPr/>
+          <a:lstStyle/>
+          <a:p>
+            <a:pPr marL="0" indent="0">
+              <a:buNone/>
+            </a:pPr>
+            <a:endParaRPr lang="ru-RU" dirty="0" smtClean="0"/>
+          </a:p>
+          <a:p>
+            <a:pPr marL="0" indent="0">
+              <a:buNone/>
+            </a:pPr>
+            <a:endParaRPr lang="ru-RU" dirty="0"/>
+          </a:p>
+        </p:txBody>
+      </p:sp>
+      <p:grpSp>
+        <p:nvGrpSpPr>
+          <p:cNvPr id="37" name="Группа 36">
+            <a:extLst>
+              <a:ext uri="{FF2B5EF4-FFF2-40B4-BE49-F238E27FC236}">
+                <a16:creationId xmlns:a16="http://schemas.microsoft.com/office/drawing/2014/main" xmlns="" id="{5CDA5659-8227-8C07-F76C-71F970CEC76E}"/>
+              </a:ext>
+            </a:extLst>
+          </p:cNvPr>
+          <p:cNvGrpSpPr/>
+          <p:nvPr/>
+        </p:nvGrpSpPr>
+        <p:grpSpPr>
+          <a:xfrm>
+            <a:off x="11436259" y="6127533"/>
+            <a:ext cx="343770" cy="582524"/>
+            <a:chOff x="11353800" y="6164966"/>
+            <a:chExt cx="343770" cy="582524"/>
+          </a:xfrm>
+        </p:grpSpPr>
+        <p:sp>
+          <p:nvSpPr>
+            <p:cNvPr id="7" name="Прямоугольник: скругленные углы 6">
+              <a:extLst>
+                <a:ext uri="{FF2B5EF4-FFF2-40B4-BE49-F238E27FC236}">
+                  <a16:creationId xmlns:a16="http://schemas.microsoft.com/office/drawing/2014/main" xmlns="" id="{A77BE67F-C71D-AFE6-238A-7CB28FA59BC1}"/>
+                </a:ext>
+              </a:extLst>
+            </p:cNvPr>
+            <p:cNvSpPr/>
+            <p:nvPr/>
+          </p:nvSpPr>
+          <p:spPr>
+            <a:xfrm>
+              <a:off x="11416936" y="6164966"/>
+              <a:ext cx="280634" cy="582524"/>
+            </a:xfrm>
+            <a:prstGeom prst="roundRect">
+              <a:avLst>
+                <a:gd name="adj" fmla="val 50000"/>
+              </a:avLst>
+            </a:prstGeom>
+            <a:solidFill>
+              <a:srgbClr val="F1879B"/>
+            </a:solidFill>
+            <a:ln>
+              <a:noFill/>
+            </a:ln>
+          </p:spPr>
+          <p:style>
+            <a:lnRef idx="2">
+              <a:schemeClr val="accent1">
+                <a:shade val="15000"/>
+              </a:schemeClr>
+            </a:lnRef>
+            <a:fillRef idx="1">
+              <a:schemeClr val="accent1"/>
+            </a:fillRef>
+            <a:effectRef idx="0">
+              <a:schemeClr val="accent1"/>
+            </a:effectRef>
+            <a:fontRef idx="minor">
+              <a:schemeClr val="lt1"/>
+            </a:fontRef>
+          </p:style>
+          <p:txBody>
+            <a:bodyPr rtlCol="0" anchor="ctr"/>
+            <a:lstStyle/>
+            <a:p>
+              <a:pPr algn="ctr"/>
+              <a:endParaRPr lang="en-GB"/>
+            </a:p>
+          </p:txBody>
+        </p:sp>
+        <p:sp>
+          <p:nvSpPr>
+            <p:cNvPr id="8" name="TextBox 7">
+              <a:extLst>
+                <a:ext uri="{FF2B5EF4-FFF2-40B4-BE49-F238E27FC236}">
+                  <a16:creationId xmlns:a16="http://schemas.microsoft.com/office/drawing/2014/main" xmlns="" id="{CE76C7FA-2A65-E921-E3E5-6B7B24B747C8}"/>
+                </a:ext>
+              </a:extLst>
+            </p:cNvPr>
+            <p:cNvSpPr txBox="1"/>
+            <p:nvPr/>
+          </p:nvSpPr>
+          <p:spPr>
+            <a:xfrm>
+              <a:off x="11353800" y="6228751"/>
+              <a:ext cx="308376" cy="461665"/>
+            </a:xfrm>
+            <a:prstGeom prst="rect">
+              <a:avLst/>
+            </a:prstGeom>
+            <a:noFill/>
+          </p:spPr>
+          <p:txBody>
+            <a:bodyPr wrap="square" rtlCol="0">
+              <a:spAutoFit/>
+            </a:bodyPr>
+            <a:lstStyle/>
+            <a:p>
+              <a:r>
+                <a:rPr lang="ru-RU" sz="2400" dirty="0">
+                  <a:latin typeface="FRM325x8" panose="02000603000000000000" pitchFamily="2" charset="0"/>
+                  <a:ea typeface="FRM325x8" panose="02000603000000000000" pitchFamily="2" charset="0"/>
+                </a:rPr>
+                <a:t>9</a:t>
+              </a:r>
+              <a:endParaRPr lang="en-GB" dirty="0">
+                <a:latin typeface="FRM325x8" panose="02000603000000000000" pitchFamily="2" charset="0"/>
+                <a:ea typeface="FRM325x8" panose="02000603000000000000" pitchFamily="2" charset="0"/>
+              </a:endParaRPr>
+            </a:p>
+          </p:txBody>
+        </p:sp>
+      </p:grpSp>
+      <p:cxnSp>
+        <p:nvCxnSpPr>
+          <p:cNvPr id="27" name="Прямая соединительная линия 26">
+            <a:extLst>
+              <a:ext uri="{FF2B5EF4-FFF2-40B4-BE49-F238E27FC236}">
+                <a16:creationId xmlns:a16="http://schemas.microsoft.com/office/drawing/2014/main" xmlns="" id="{2269C903-7FD6-EE72-2DC1-B7F5700F8CAB}"/>
+              </a:ext>
+            </a:extLst>
+          </p:cNvPr>
+          <p:cNvCxnSpPr>
+            <a:cxnSpLocks/>
+          </p:cNvCxnSpPr>
+          <p:nvPr/>
+        </p:nvCxnSpPr>
+        <p:spPr>
+          <a:xfrm>
+            <a:off x="196645" y="5973720"/>
+            <a:ext cx="11757936" cy="0"/>
+          </a:xfrm>
+          <a:prstGeom prst="line">
+            <a:avLst/>
+          </a:prstGeom>
+          <a:ln>
+            <a:solidFill>
+              <a:srgbClr val="F1879B"/>
+            </a:solidFill>
+          </a:ln>
+        </p:spPr>
+        <p:style>
+          <a:lnRef idx="1">
+            <a:schemeClr val="accent1"/>
+          </a:lnRef>
+          <a:fillRef idx="0">
+            <a:schemeClr val="accent1"/>
+          </a:fillRef>
+          <a:effectRef idx="0">
+            <a:schemeClr val="accent1"/>
+          </a:effectRef>
+          <a:fontRef idx="minor">
+            <a:schemeClr val="tx1"/>
+          </a:fontRef>
+        </p:style>
+      </p:cxnSp>
+      <p:pic>
+        <p:nvPicPr>
+          <p:cNvPr id="22" name="Рисунок 21"/>
+          <p:cNvPicPr>
+            <a:picLocks noChangeAspect="1"/>
+          </p:cNvPicPr>
+          <p:nvPr/>
+        </p:nvPicPr>
+        <p:blipFill>
+          <a:blip r:embed="rId2">
+            <a:extLst>
+              <a:ext uri="{28A0092B-C50C-407E-A947-70E740481C1C}">
+                <a14:useLocalDpi xmlns:a14="http://schemas.microsoft.com/office/drawing/2010/main" val="0"/>
+              </a:ext>
+            </a:extLst>
+          </a:blip>
+          <a:stretch>
+            <a:fillRect/>
+          </a:stretch>
+        </p:blipFill>
+        <p:spPr>
+          <a:xfrm>
+            <a:off x="632714" y="6041218"/>
+            <a:ext cx="2059211" cy="816782"/>
+          </a:xfrm>
+          <a:prstGeom prst="rect">
+            <a:avLst/>
+          </a:prstGeom>
+        </p:spPr>
+      </p:pic>
+      <p:pic>
+        <p:nvPicPr>
+          <p:cNvPr id="23" name="Рисунок 22"/>
+          <p:cNvPicPr>
+            <a:picLocks noChangeAspect="1"/>
+          </p:cNvPicPr>
+          <p:nvPr/>
+        </p:nvPicPr>
+        <p:blipFill>
+          <a:blip r:embed="rId3" cstate="print">
+            <a:extLst>
+              <a:ext uri="{28A0092B-C50C-407E-A947-70E740481C1C}">
+                <a14:useLocalDpi xmlns:a14="http://schemas.microsoft.com/office/drawing/2010/main" val="0"/>
+              </a:ext>
+            </a:extLst>
+          </a:blip>
+          <a:stretch>
+            <a:fillRect/>
+          </a:stretch>
+        </p:blipFill>
+        <p:spPr>
+          <a:xfrm>
+            <a:off x="9402464" y="6108340"/>
+            <a:ext cx="695728" cy="695728"/>
+          </a:xfrm>
+          <a:prstGeom prst="rect">
+            <a:avLst/>
+          </a:prstGeom>
+        </p:spPr>
+      </p:pic>
+      <p:sp>
+        <p:nvSpPr>
+          <p:cNvPr id="24" name="TextBox 23">
+            <a:extLst>
+              <a:ext uri="{FF2B5EF4-FFF2-40B4-BE49-F238E27FC236}">
+                <a16:creationId xmlns:a16="http://schemas.microsoft.com/office/drawing/2014/main" xmlns="" id="{F6EA0B60-FDC8-1E62-6192-E1695B3DAFE4}"/>
+              </a:ext>
+            </a:extLst>
+          </p:cNvPr>
+          <p:cNvSpPr txBox="1"/>
+          <p:nvPr/>
+        </p:nvSpPr>
+        <p:spPr>
+          <a:xfrm>
+            <a:off x="10098192" y="6260783"/>
+            <a:ext cx="3098862" cy="369332"/>
+          </a:xfrm>
+          <a:prstGeom prst="rect">
+            <a:avLst/>
+          </a:prstGeom>
+          <a:noFill/>
+        </p:spPr>
+        <p:txBody>
+          <a:bodyPr wrap="square" rtlCol="0">
+            <a:spAutoFit/>
+          </a:bodyPr>
+          <a:lstStyle/>
+          <a:p>
+            <a:r>
+              <a:rPr lang="en-US" b="1" dirty="0" err="1" smtClean="0">
+                <a:solidFill>
+                  <a:schemeClr val="bg1"/>
+                </a:solidFill>
+                <a:latin typeface="Roboto" panose="02000000000000000000" pitchFamily="2" charset="0"/>
+                <a:ea typeface="Roboto" panose="02000000000000000000" pitchFamily="2" charset="0"/>
+              </a:rPr>
+              <a:t>KillNet</a:t>
+            </a:r>
+            <a:endParaRPr lang="en-GB" b="1" dirty="0">
+              <a:solidFill>
+                <a:schemeClr val="bg1"/>
+              </a:solidFill>
+              <a:latin typeface="Roboto" panose="02000000000000000000" pitchFamily="2" charset="0"/>
+              <a:ea typeface="Roboto" panose="02000000000000000000" pitchFamily="2" charset="0"/>
+            </a:endParaRPr>
+          </a:p>
+        </p:txBody>
+      </p:sp>
+      <p:pic>
+        <p:nvPicPr>
+          <p:cNvPr id="4098" name="Picture 2" descr="https://basetop.ru/wp-content/uploads/2021/06/kvarantinskij-krab.png"/>
+          <p:cNvPicPr>
+            <a:picLocks noChangeAspect="1" noChangeArrowheads="1"/>
+          </p:cNvPicPr>
+          <p:nvPr/>
+        </p:nvPicPr>
+        <p:blipFill>
+          <a:blip r:embed="rId4">
+            <a:extLst>
+              <a:ext uri="{28A0092B-C50C-407E-A947-70E740481C1C}">
+                <a14:useLocalDpi xmlns:a14="http://schemas.microsoft.com/office/drawing/2010/main" val="0"/>
+              </a:ext>
+            </a:extLst>
+          </a:blip>
+          <a:srcRect/>
+          <a:stretch>
+            <a:fillRect/>
+          </a:stretch>
+        </p:blipFill>
+        <p:spPr bwMode="auto">
+          <a:xfrm>
+            <a:off x="4758631" y="1445023"/>
+            <a:ext cx="4512690" cy="3621110"/>
+          </a:xfrm>
+          <a:prstGeom prst="rect">
+            <a:avLst/>
+          </a:prstGeom>
+          <a:noFill/>
+          <a:extLst>
+            <a:ext uri="{909E8E84-426E-40DD-AFC4-6F175D3DCCD1}">
+              <a14:hiddenFill xmlns:a14="http://schemas.microsoft.com/office/drawing/2010/main">
+                <a:solidFill>
+                  <a:srgbClr val="FFFFFF"/>
+                </a:solidFill>
+              </a14:hiddenFill>
+            </a:ext>
+          </a:extLst>
+        </p:spPr>
+      </p:pic>
+    </p:spTree>
+    <p:extLst>
+      <p:ext uri="{BB962C8B-B14F-4D97-AF65-F5344CB8AC3E}">
+        <p14:creationId xmlns:p14="http://schemas.microsoft.com/office/powerpoint/2010/main" val="3302259962"/>
+      </p:ext>
+    </p:extLst>
+  </p:cSld>
+  <p:clrMapOvr>
+    <a:masterClrMapping/>
+  </p:clrMapOvr>
+  <p:timing>
+    <p:tnLst>
+      <p:par>
+        <p:cTn id="1" dur="indefinite" restart="never" nodeType="tmRoot">
+          <p:childTnLst>
+            <p:seq concurrent="1" nextAc="seek">
+              <p:cTn id="2" dur="indefinite" nodeType="mainSeq">
+                <p:childTnLst>
+                  <p:par>
+                    <p:cTn id="3" fill="hold">
+                      <p:stCondLst>
+                        <p:cond delay="indefinite"/>
+                      </p:stCondLst>
+                      <p:childTnLst>
+                        <p:par>
+                          <p:cTn id="4" fill="hold">
+                            <p:stCondLst>
+                              <p:cond delay="0"/>
+                            </p:stCondLst>
+                            <p:childTnLst>
+                              <p:par>
+                                <p:cTn id="5" presetID="2" presetClass="entr" presetSubtype="8" fill="hold" grpId="0" nodeType="clickEffect">
+                                  <p:stCondLst>
+                                    <p:cond delay="0"/>
+                                  </p:stCondLst>
+                                  <p:childTnLst>
+                                    <p:set>
+                                      <p:cBhvr>
+                                        <p:cTn id="6" dur="1" fill="hold">
+                                          <p:stCondLst>
+                                            <p:cond delay="0"/>
+                                          </p:stCondLst>
+                                        </p:cTn>
+                                        <p:tgtEl>
+                                          <p:spTgt spid="6"/>
+                                        </p:tgtEl>
+                                        <p:attrNameLst>
+                                          <p:attrName>style.visibility</p:attrName>
+                                        </p:attrNameLst>
+                                      </p:cBhvr>
+                                      <p:to>
+                                        <p:strVal val="visible"/>
+                                      </p:to>
+                                    </p:set>
+                                    <p:anim calcmode="lin" valueType="num">
+                                      <p:cBhvr additive="base">
+                                        <p:cTn id="7" dur="500" fill="hold"/>
+                                        <p:tgtEl>
+                                          <p:spTgt spid="6"/>
+                                        </p:tgtEl>
+                                        <p:attrNameLst>
+                                          <p:attrName>ppt_x</p:attrName>
+                                        </p:attrNameLst>
+                                      </p:cBhvr>
+                                      <p:tavLst>
+                                        <p:tav tm="0">
+                                          <p:val>
+                                            <p:strVal val="0-#ppt_w/2"/>
+                                          </p:val>
+                                        </p:tav>
+                                        <p:tav tm="100000">
+                                          <p:val>
+                                            <p:strVal val="#ppt_x"/>
+                                          </p:val>
+                                        </p:tav>
+                                      </p:tavLst>
+                                    </p:anim>
+                                    <p:anim calcmode="lin" valueType="num">
+                                      <p:cBhvr additive="base">
+                                        <p:cTn id="8" dur="500" fill="hold"/>
+                                        <p:tgtEl>
+                                          <p:spTgt spid="6"/>
+                                        </p:tgtEl>
+                                        <p:attrNameLst>
+                                          <p:attrName>ppt_y</p:attrName>
+                                        </p:attrNameLst>
+                                      </p:cBhvr>
+                                      <p:tavLst>
+                                        <p:tav tm="0">
+                                          <p:val>
+                                            <p:strVal val="#ppt_y"/>
+                                          </p:val>
+                                        </p:tav>
+                                        <p:tav tm="100000">
+                                          <p:val>
+                                            <p:strVal val="#ppt_y"/>
+                                          </p:val>
+                                        </p:tav>
+                                      </p:tavLst>
+                                    </p:anim>
+                                  </p:childTnLst>
+                                </p:cTn>
+                              </p:par>
+                            </p:childTnLst>
+                          </p:cTn>
+                        </p:par>
+                        <p:par>
+                          <p:cTn id="9" fill="hold">
+                            <p:stCondLst>
+                              <p:cond delay="500"/>
+                            </p:stCondLst>
+                            <p:childTnLst>
+                              <p:par>
+                                <p:cTn id="10" presetID="22" presetClass="entr" presetSubtype="1" fill="hold" grpId="0" nodeType="afterEffect" nodePh="1">
+                                  <p:stCondLst>
+                                    <p:cond delay="0"/>
+                                  </p:stCondLst>
+                                  <p:endCondLst>
+                                    <p:cond evt="begin" delay="0">
+                                      <p:tn val="10"/>
+                                    </p:cond>
+                                  </p:endCondLst>
+                                  <p:childTnLst>
+                                    <p:set>
+                                      <p:cBhvr>
+                                        <p:cTn id="11" dur="1" fill="hold">
+                                          <p:stCondLst>
+                                            <p:cond delay="0"/>
+                                          </p:stCondLst>
+                                        </p:cTn>
+                                        <p:tgtEl>
+                                          <p:spTgt spid="3">
+                                            <p:txEl>
+                                              <p:pRg st="0" end="0"/>
+                                            </p:txEl>
+                                          </p:spTgt>
+                                        </p:tgtEl>
+                                        <p:attrNameLst>
+                                          <p:attrName>style.visibility</p:attrName>
+                                        </p:attrNameLst>
+                                      </p:cBhvr>
+                                      <p:to>
+                                        <p:strVal val="visible"/>
+                                      </p:to>
+                                    </p:set>
+                                    <p:animEffect transition="in" filter="wipe(up)">
+                                      <p:cBhvr>
+                                        <p:cTn id="12" dur="200"/>
+                                        <p:tgtEl>
+                                          <p:spTgt spid="3">
+                                            <p:txEl>
+                                              <p:pRg st="0" end="0"/>
+                                            </p:txEl>
+                                          </p:spTgt>
+                                        </p:tgtEl>
+                                      </p:cBhvr>
+                                    </p:animEffect>
+                                  </p:childTnLst>
+                                </p:cTn>
+                              </p:par>
+                            </p:childTnLst>
+                          </p:cTn>
+                        </p:par>
+                      </p:childTnLst>
+                    </p:cTn>
+                  </p:par>
+                </p:childTnLst>
+              </p:cTn>
+              <p:prevCondLst>
+                <p:cond evt="onPrev" delay="0">
+                  <p:tgtEl>
+                    <p:sldTgt/>
+                  </p:tgtEl>
+                </p:cond>
+              </p:prevCondLst>
+              <p:nextCondLst>
+                <p:cond evt="onNext" delay="0">
+                  <p:tgtEl>
+                    <p:sldTgt/>
+                  </p:tgtEl>
+                </p:cond>
+              </p:nextCondLst>
+            </p:seq>
+          </p:childTnLst>
+        </p:cTn>
+      </p:par>
+    </p:tnLst>
+    <p:bldLst>
+      <p:bldP spid="6" grpId="0" animBg="1"/>
+      <p:bldP spid="3" grpId="0" build="p"/>
+    </p:bldLst>
+  </p:timing>
+</p:sld>
+</file>
+
+<file path=ppt/slides/slide11.xml><?xml version="1.0" encoding="utf-8"?>
+<p:sld xmlns:a="http://schemas.openxmlformats.org/drawingml/2006/main" xmlns:r="http://schemas.openxmlformats.org/officeDocument/2006/relationships" xmlns:p="http://schemas.openxmlformats.org/presentationml/2006/main">
+  <p:cSld>
+    <p:spTree>
+      <p:nvGrpSpPr>
+        <p:cNvPr id="1" name=""/>
+        <p:cNvGrpSpPr/>
+        <p:nvPr/>
+      </p:nvGrpSpPr>
+      <p:grpSpPr>
+        <a:xfrm>
+          <a:off x="0" y="0"/>
+          <a:ext cx="0" cy="0"/>
+          <a:chOff x="0" y="0"/>
+          <a:chExt cx="0" cy="0"/>
+        </a:xfrm>
+      </p:grpSpPr>
       <p:sp>
         <p:nvSpPr>
           <p:cNvPr id="21" name="Полилиния: фигура 20">
             <a:extLst>
               <a:ext uri="{FF2B5EF4-FFF2-40B4-BE49-F238E27FC236}">
-                <a16:creationId xmlns="" xmlns:a16="http://schemas.microsoft.com/office/drawing/2014/main" id="{2155CC63-92A7-91FB-C247-4B25B83F4BDF}"/>
+                <a16:creationId xmlns:a16="http://schemas.microsoft.com/office/drawing/2014/main" xmlns="" id="{2155CC63-92A7-91FB-C247-4B25B83F4BDF}"/>
               </a:ext>
             </a:extLst>
           </p:cNvPr>
@@ -4196,7 +5014,7 @@
           <p:cNvPr id="2" name="Заголовок 1">
             <a:extLst>
               <a:ext uri="{FF2B5EF4-FFF2-40B4-BE49-F238E27FC236}">
-                <a16:creationId xmlns="" xmlns:a16="http://schemas.microsoft.com/office/drawing/2014/main" id="{72BAAF3D-68DC-DE50-B329-5BE85664D634}"/>
+                <a16:creationId xmlns:a16="http://schemas.microsoft.com/office/drawing/2014/main" xmlns="" id="{72BAAF3D-68DC-DE50-B329-5BE85664D634}"/>
               </a:ext>
             </a:extLst>
           </p:cNvPr>
@@ -4243,7 +5061,7 @@
           <p:cNvPr id="14" name="Прямая соединительная линия 13">
             <a:extLst>
               <a:ext uri="{FF2B5EF4-FFF2-40B4-BE49-F238E27FC236}">
-                <a16:creationId xmlns="" xmlns:a16="http://schemas.microsoft.com/office/drawing/2014/main" id="{7081A5F3-63A6-7FAD-5BB9-ADD0F31660F2}"/>
+                <a16:creationId xmlns:a16="http://schemas.microsoft.com/office/drawing/2014/main" xmlns="" id="{7081A5F3-63A6-7FAD-5BB9-ADD0F31660F2}"/>
               </a:ext>
             </a:extLst>
           </p:cNvPr>
@@ -4286,7 +5104,7 @@
           <p:cNvPr id="15" name="Прямая соединительная линия 14">
             <a:extLst>
               <a:ext uri="{FF2B5EF4-FFF2-40B4-BE49-F238E27FC236}">
-                <a16:creationId xmlns="" xmlns:a16="http://schemas.microsoft.com/office/drawing/2014/main" id="{FB814017-12A4-D8B5-F508-D5C3080C60B2}"/>
+                <a16:creationId xmlns:a16="http://schemas.microsoft.com/office/drawing/2014/main" xmlns="" id="{FB814017-12A4-D8B5-F508-D5C3080C60B2}"/>
               </a:ext>
             </a:extLst>
           </p:cNvPr>
@@ -4329,7 +5147,7 @@
           <p:cNvPr id="22" name="Блок-схема: узел 21">
             <a:extLst>
               <a:ext uri="{FF2B5EF4-FFF2-40B4-BE49-F238E27FC236}">
-                <a16:creationId xmlns="" xmlns:a16="http://schemas.microsoft.com/office/drawing/2014/main" id="{E422E33D-6D8C-7ECD-3ECC-EE64FD013763}"/>
+                <a16:creationId xmlns:a16="http://schemas.microsoft.com/office/drawing/2014/main" xmlns="" id="{E422E33D-6D8C-7ECD-3ECC-EE64FD013763}"/>
               </a:ext>
             </a:extLst>
           </p:cNvPr>
@@ -4550,7 +5368,7 @@
           <p:cNvPr id="22" name="Прямоугольник: скругленные углы 21">
             <a:extLst>
               <a:ext uri="{FF2B5EF4-FFF2-40B4-BE49-F238E27FC236}">
-                <a16:creationId xmlns="" xmlns:a16="http://schemas.microsoft.com/office/drawing/2014/main" id="{4C53DBEB-AE73-CCBA-1974-87A61D305C44}"/>
+                <a16:creationId xmlns:a16="http://schemas.microsoft.com/office/drawing/2014/main" xmlns="" id="{4C53DBEB-AE73-CCBA-1974-87A61D305C44}"/>
               </a:ext>
             </a:extLst>
           </p:cNvPr>
@@ -4606,7 +5424,7 @@
           <p:cNvPr id="24" name="Прямоугольник: скругленные углы 23">
             <a:extLst>
               <a:ext uri="{FF2B5EF4-FFF2-40B4-BE49-F238E27FC236}">
-                <a16:creationId xmlns="" xmlns:a16="http://schemas.microsoft.com/office/drawing/2014/main" id="{355F90DF-CCA5-6EA6-D096-A24D5935ED9C}"/>
+                <a16:creationId xmlns:a16="http://schemas.microsoft.com/office/drawing/2014/main" xmlns="" id="{355F90DF-CCA5-6EA6-D096-A24D5935ED9C}"/>
               </a:ext>
             </a:extLst>
           </p:cNvPr>
@@ -4682,7 +5500,7 @@
           <p:cNvPr id="19" name="Прямоугольник: скругленные углы 18">
             <a:extLst>
               <a:ext uri="{FF2B5EF4-FFF2-40B4-BE49-F238E27FC236}">
-                <a16:creationId xmlns="" xmlns:a16="http://schemas.microsoft.com/office/drawing/2014/main" id="{D0808DD4-0FE7-755D-5313-B90B285A36C0}"/>
+                <a16:creationId xmlns:a16="http://schemas.microsoft.com/office/drawing/2014/main" xmlns="" id="{D0808DD4-0FE7-755D-5313-B90B285A36C0}"/>
               </a:ext>
             </a:extLst>
           </p:cNvPr>
@@ -4740,7 +5558,7 @@
           <p:cNvPr id="20" name="Прямоугольник: скругленные углы 19">
             <a:extLst>
               <a:ext uri="{FF2B5EF4-FFF2-40B4-BE49-F238E27FC236}">
-                <a16:creationId xmlns="" xmlns:a16="http://schemas.microsoft.com/office/drawing/2014/main" id="{B0D60FA6-3113-67F0-040B-802E1A691FC2}"/>
+                <a16:creationId xmlns:a16="http://schemas.microsoft.com/office/drawing/2014/main" xmlns="" id="{B0D60FA6-3113-67F0-040B-802E1A691FC2}"/>
               </a:ext>
             </a:extLst>
           </p:cNvPr>
@@ -4810,7 +5628,7 @@
           <p:cNvPr id="15" name="Прямоугольник: скругленные углы 14">
             <a:extLst>
               <a:ext uri="{FF2B5EF4-FFF2-40B4-BE49-F238E27FC236}">
-                <a16:creationId xmlns="" xmlns:a16="http://schemas.microsoft.com/office/drawing/2014/main" id="{0257382C-9005-C9B1-36DC-403BD5FE49F6}"/>
+                <a16:creationId xmlns:a16="http://schemas.microsoft.com/office/drawing/2014/main" xmlns="" id="{0257382C-9005-C9B1-36DC-403BD5FE49F6}"/>
               </a:ext>
             </a:extLst>
           </p:cNvPr>
@@ -4868,7 +5686,7 @@
           <p:cNvPr id="1038" name="Блок-схема: узел 1037">
             <a:extLst>
               <a:ext uri="{FF2B5EF4-FFF2-40B4-BE49-F238E27FC236}">
-                <a16:creationId xmlns="" xmlns:a16="http://schemas.microsoft.com/office/drawing/2014/main" id="{ED2DE76D-732E-C6AE-3C0D-D88D9484A90C}"/>
+                <a16:creationId xmlns:a16="http://schemas.microsoft.com/office/drawing/2014/main" xmlns="" id="{ED2DE76D-732E-C6AE-3C0D-D88D9484A90C}"/>
               </a:ext>
             </a:extLst>
           </p:cNvPr>
@@ -4922,7 +5740,7 @@
           <p:cNvPr id="1037" name="Прямоугольник: скругленные углы 1036">
             <a:extLst>
               <a:ext uri="{FF2B5EF4-FFF2-40B4-BE49-F238E27FC236}">
-                <a16:creationId xmlns="" xmlns:a16="http://schemas.microsoft.com/office/drawing/2014/main" id="{897422F3-0EC0-71AB-831F-E4278BB85D4B}"/>
+                <a16:creationId xmlns:a16="http://schemas.microsoft.com/office/drawing/2014/main" xmlns="" id="{897422F3-0EC0-71AB-831F-E4278BB85D4B}"/>
               </a:ext>
             </a:extLst>
           </p:cNvPr>
@@ -4980,7 +5798,7 @@
           <p:cNvPr id="1036" name="Блок-схема: узел 1035">
             <a:extLst>
               <a:ext uri="{FF2B5EF4-FFF2-40B4-BE49-F238E27FC236}">
-                <a16:creationId xmlns="" xmlns:a16="http://schemas.microsoft.com/office/drawing/2014/main" id="{F26CFDE8-0675-5BFA-3689-34C5EA360880}"/>
+                <a16:creationId xmlns:a16="http://schemas.microsoft.com/office/drawing/2014/main" xmlns="" id="{F26CFDE8-0675-5BFA-3689-34C5EA360880}"/>
               </a:ext>
             </a:extLst>
           </p:cNvPr>
@@ -5032,7 +5850,7 @@
           <p:cNvPr id="1035" name="Прямоугольник: скругленные углы 1034">
             <a:extLst>
               <a:ext uri="{FF2B5EF4-FFF2-40B4-BE49-F238E27FC236}">
-                <a16:creationId xmlns="" xmlns:a16="http://schemas.microsoft.com/office/drawing/2014/main" id="{4A7158BC-41E7-7EC1-98EC-0E83132213F0}"/>
+                <a16:creationId xmlns:a16="http://schemas.microsoft.com/office/drawing/2014/main" xmlns="" id="{4A7158BC-41E7-7EC1-98EC-0E83132213F0}"/>
               </a:ext>
             </a:extLst>
           </p:cNvPr>
@@ -5088,7 +5906,7 @@
           <p:cNvPr id="1034" name="Блок-схема: узел 1033">
             <a:extLst>
               <a:ext uri="{FF2B5EF4-FFF2-40B4-BE49-F238E27FC236}">
-                <a16:creationId xmlns="" xmlns:a16="http://schemas.microsoft.com/office/drawing/2014/main" id="{6924CBE0-3F0A-454E-7737-FE1B0A8B5C34}"/>
+                <a16:creationId xmlns:a16="http://schemas.microsoft.com/office/drawing/2014/main" xmlns="" id="{6924CBE0-3F0A-454E-7737-FE1B0A8B5C34}"/>
               </a:ext>
             </a:extLst>
           </p:cNvPr>
@@ -5142,7 +5960,7 @@
           <p:cNvPr id="1033" name="Прямоугольник: скругленные углы 1032">
             <a:extLst>
               <a:ext uri="{FF2B5EF4-FFF2-40B4-BE49-F238E27FC236}">
-                <a16:creationId xmlns="" xmlns:a16="http://schemas.microsoft.com/office/drawing/2014/main" id="{B87BCEC4-D8B0-E61F-1AD4-F87B399ECACC}"/>
+                <a16:creationId xmlns:a16="http://schemas.microsoft.com/office/drawing/2014/main" xmlns="" id="{B87BCEC4-D8B0-E61F-1AD4-F87B399ECACC}"/>
               </a:ext>
             </a:extLst>
           </p:cNvPr>
@@ -5200,7 +6018,7 @@
           <p:cNvPr id="1032" name="Блок-схема: узел 1031">
             <a:extLst>
               <a:ext uri="{FF2B5EF4-FFF2-40B4-BE49-F238E27FC236}">
-                <a16:creationId xmlns="" xmlns:a16="http://schemas.microsoft.com/office/drawing/2014/main" id="{1124450B-AD5F-4BD1-35B9-FB3DB2E25BEF}"/>
+                <a16:creationId xmlns:a16="http://schemas.microsoft.com/office/drawing/2014/main" xmlns="" id="{1124450B-AD5F-4BD1-35B9-FB3DB2E25BEF}"/>
               </a:ext>
             </a:extLst>
           </p:cNvPr>
@@ -5252,7 +6070,7 @@
           <p:cNvPr id="1031" name="Прямоугольник: скругленные углы 1030">
             <a:extLst>
               <a:ext uri="{FF2B5EF4-FFF2-40B4-BE49-F238E27FC236}">
-                <a16:creationId xmlns="" xmlns:a16="http://schemas.microsoft.com/office/drawing/2014/main" id="{32417627-CAD4-88B8-1E0D-9CF06281F597}"/>
+                <a16:creationId xmlns:a16="http://schemas.microsoft.com/office/drawing/2014/main" xmlns="" id="{32417627-CAD4-88B8-1E0D-9CF06281F597}"/>
               </a:ext>
             </a:extLst>
           </p:cNvPr>
@@ -5308,7 +6126,7 @@
           <p:cNvPr id="1029" name="Блок-схема: узел 1028">
             <a:extLst>
               <a:ext uri="{FF2B5EF4-FFF2-40B4-BE49-F238E27FC236}">
-                <a16:creationId xmlns="" xmlns:a16="http://schemas.microsoft.com/office/drawing/2014/main" id="{F6E642C5-7623-0380-155C-419414B3B2E3}"/>
+                <a16:creationId xmlns:a16="http://schemas.microsoft.com/office/drawing/2014/main" xmlns="" id="{F6E642C5-7623-0380-155C-419414B3B2E3}"/>
               </a:ext>
             </a:extLst>
           </p:cNvPr>
@@ -5362,7 +6180,7 @@
           <p:cNvPr id="1027" name="Прямоугольник: скругленные углы 1026">
             <a:extLst>
               <a:ext uri="{FF2B5EF4-FFF2-40B4-BE49-F238E27FC236}">
-                <a16:creationId xmlns="" xmlns:a16="http://schemas.microsoft.com/office/drawing/2014/main" id="{07B8FD26-CF51-CB16-F458-AD3F1A8143D0}"/>
+                <a16:creationId xmlns:a16="http://schemas.microsoft.com/office/drawing/2014/main" xmlns="" id="{07B8FD26-CF51-CB16-F458-AD3F1A8143D0}"/>
               </a:ext>
             </a:extLst>
           </p:cNvPr>
@@ -5420,7 +6238,7 @@
           <p:cNvPr id="1024" name="Прямоугольник: скругленные углы 1023">
             <a:extLst>
               <a:ext uri="{FF2B5EF4-FFF2-40B4-BE49-F238E27FC236}">
-                <a16:creationId xmlns="" xmlns:a16="http://schemas.microsoft.com/office/drawing/2014/main" id="{A4A31DF8-2AF6-8965-3144-5B95C5284965}"/>
+                <a16:creationId xmlns:a16="http://schemas.microsoft.com/office/drawing/2014/main" xmlns="" id="{A4A31DF8-2AF6-8965-3144-5B95C5284965}"/>
               </a:ext>
             </a:extLst>
           </p:cNvPr>
@@ -5474,7 +6292,7 @@
           <p:cNvPr id="2" name="Заголовок 1">
             <a:extLst>
               <a:ext uri="{FF2B5EF4-FFF2-40B4-BE49-F238E27FC236}">
-                <a16:creationId xmlns="" xmlns:a16="http://schemas.microsoft.com/office/drawing/2014/main" id="{79D7AAF1-4171-BB57-0A15-25F83C0F2A23}"/>
+                <a16:creationId xmlns:a16="http://schemas.microsoft.com/office/drawing/2014/main" xmlns="" id="{79D7AAF1-4171-BB57-0A15-25F83C0F2A23}"/>
               </a:ext>
             </a:extLst>
           </p:cNvPr>
@@ -5516,7 +6334,7 @@
           <p:cNvPr id="5" name="TextBox 4">
             <a:extLst>
               <a:ext uri="{FF2B5EF4-FFF2-40B4-BE49-F238E27FC236}">
-                <a16:creationId xmlns="" xmlns:a16="http://schemas.microsoft.com/office/drawing/2014/main" id="{DD294C35-3CA0-3B9F-ADEC-2E72A7452540}"/>
+                <a16:creationId xmlns:a16="http://schemas.microsoft.com/office/drawing/2014/main" xmlns="" id="{DD294C35-3CA0-3B9F-ADEC-2E72A7452540}"/>
               </a:ext>
             </a:extLst>
           </p:cNvPr>
@@ -5559,7 +6377,7 @@
           <p:cNvPr id="7" name="TextBox 6">
             <a:extLst>
               <a:ext uri="{FF2B5EF4-FFF2-40B4-BE49-F238E27FC236}">
-                <a16:creationId xmlns="" xmlns:a16="http://schemas.microsoft.com/office/drawing/2014/main" id="{8F8241E2-45BC-3B0C-78F2-2D90228D0F03}"/>
+                <a16:creationId xmlns:a16="http://schemas.microsoft.com/office/drawing/2014/main" xmlns="" id="{8F8241E2-45BC-3B0C-78F2-2D90228D0F03}"/>
               </a:ext>
             </a:extLst>
           </p:cNvPr>
@@ -5602,7 +6420,7 @@
           <p:cNvPr id="11" name="TextBox 10">
             <a:extLst>
               <a:ext uri="{FF2B5EF4-FFF2-40B4-BE49-F238E27FC236}">
-                <a16:creationId xmlns="" xmlns:a16="http://schemas.microsoft.com/office/drawing/2014/main" id="{E22E351C-EA15-E11B-9DAE-33BAEF242091}"/>
+                <a16:creationId xmlns:a16="http://schemas.microsoft.com/office/drawing/2014/main" xmlns="" id="{E22E351C-EA15-E11B-9DAE-33BAEF242091}"/>
               </a:ext>
             </a:extLst>
           </p:cNvPr>
@@ -5659,7 +6477,7 @@
           <p:cNvPr id="12" name="TextBox 11">
             <a:extLst>
               <a:ext uri="{FF2B5EF4-FFF2-40B4-BE49-F238E27FC236}">
-                <a16:creationId xmlns="" xmlns:a16="http://schemas.microsoft.com/office/drawing/2014/main" id="{A624429E-921C-8DEB-9E9C-749645432682}"/>
+                <a16:creationId xmlns:a16="http://schemas.microsoft.com/office/drawing/2014/main" xmlns="" id="{A624429E-921C-8DEB-9E9C-749645432682}"/>
               </a:ext>
             </a:extLst>
           </p:cNvPr>
@@ -5702,7 +6520,7 @@
           <p:cNvPr id="13" name="TextBox 12">
             <a:extLst>
               <a:ext uri="{FF2B5EF4-FFF2-40B4-BE49-F238E27FC236}">
-                <a16:creationId xmlns="" xmlns:a16="http://schemas.microsoft.com/office/drawing/2014/main" id="{199705F2-70DA-5223-1BAE-F09F114256C8}"/>
+                <a16:creationId xmlns:a16="http://schemas.microsoft.com/office/drawing/2014/main" xmlns="" id="{199705F2-70DA-5223-1BAE-F09F114256C8}"/>
               </a:ext>
             </a:extLst>
           </p:cNvPr>
@@ -5745,7 +6563,7 @@
           <p:cNvPr id="60" name="Группа 59">
             <a:extLst>
               <a:ext uri="{FF2B5EF4-FFF2-40B4-BE49-F238E27FC236}">
-                <a16:creationId xmlns="" xmlns:a16="http://schemas.microsoft.com/office/drawing/2014/main" id="{C4F4F33C-FBF0-58B3-FA50-6B4A63256270}"/>
+                <a16:creationId xmlns:a16="http://schemas.microsoft.com/office/drawing/2014/main" xmlns="" id="{C4F4F33C-FBF0-58B3-FA50-6B4A63256270}"/>
               </a:ext>
             </a:extLst>
           </p:cNvPr>
@@ -5765,7 +6583,7 @@
             <p:cNvPr id="53" name="Блок-схема: узел 52">
               <a:extLst>
                 <a:ext uri="{FF2B5EF4-FFF2-40B4-BE49-F238E27FC236}">
-                  <a16:creationId xmlns="" xmlns:a16="http://schemas.microsoft.com/office/drawing/2014/main" id="{416F50D3-1678-6C02-AAEA-13076107B4C4}"/>
+                  <a16:creationId xmlns:a16="http://schemas.microsoft.com/office/drawing/2014/main" xmlns="" id="{416F50D3-1678-6C02-AAEA-13076107B4C4}"/>
                 </a:ext>
               </a:extLst>
             </p:cNvPr>
@@ -5817,7 +6635,7 @@
             <p:cNvPr id="55" name="TextBox 54">
               <a:extLst>
                 <a:ext uri="{FF2B5EF4-FFF2-40B4-BE49-F238E27FC236}">
-                  <a16:creationId xmlns="" xmlns:a16="http://schemas.microsoft.com/office/drawing/2014/main" id="{ABD3BCBB-CEAA-9824-35BC-1FE044F75763}"/>
+                  <a16:creationId xmlns:a16="http://schemas.microsoft.com/office/drawing/2014/main" xmlns="" id="{ABD3BCBB-CEAA-9824-35BC-1FE044F75763}"/>
                 </a:ext>
               </a:extLst>
             </p:cNvPr>
@@ -5860,7 +6678,7 @@
           <p:cNvPr id="1042" name="Прямоугольник: скругленные углы 1041">
             <a:extLst>
               <a:ext uri="{FF2B5EF4-FFF2-40B4-BE49-F238E27FC236}">
-                <a16:creationId xmlns="" xmlns:a16="http://schemas.microsoft.com/office/drawing/2014/main" id="{61E8D7F1-FA18-6377-9470-1FAF2929538B}"/>
+                <a16:creationId xmlns:a16="http://schemas.microsoft.com/office/drawing/2014/main" xmlns="" id="{61E8D7F1-FA18-6377-9470-1FAF2929538B}"/>
               </a:ext>
             </a:extLst>
           </p:cNvPr>
@@ -5914,7 +6732,7 @@
           <p:cNvPr id="1043" name="TextBox 1042">
             <a:extLst>
               <a:ext uri="{FF2B5EF4-FFF2-40B4-BE49-F238E27FC236}">
-                <a16:creationId xmlns="" xmlns:a16="http://schemas.microsoft.com/office/drawing/2014/main" id="{948542B3-41C8-69C7-86DD-9F96D69C4A55}"/>
+                <a16:creationId xmlns:a16="http://schemas.microsoft.com/office/drawing/2014/main" xmlns="" id="{948542B3-41C8-69C7-86DD-9F96D69C4A55}"/>
               </a:ext>
             </a:extLst>
           </p:cNvPr>
@@ -5956,7 +6774,7 @@
           <p:cNvPr id="17" name="Рисунок 16" descr="Изображение выглядит как человек, на открытом воздухе, одежда, небо&#10;&#10;Автоматически созданное описание">
             <a:extLst>
               <a:ext uri="{FF2B5EF4-FFF2-40B4-BE49-F238E27FC236}">
-                <a16:creationId xmlns="" xmlns:a16="http://schemas.microsoft.com/office/drawing/2014/main" id="{865485D0-BCFF-327C-2FC5-D8F9FE256AC5}"/>
+                <a16:creationId xmlns:a16="http://schemas.microsoft.com/office/drawing/2014/main" xmlns="" id="{865485D0-BCFF-327C-2FC5-D8F9FE256AC5}"/>
               </a:ext>
             </a:extLst>
           </p:cNvPr>
@@ -5991,7 +6809,7 @@
           <p:cNvPr id="1026" name="Picture 2">
             <a:extLst>
               <a:ext uri="{FF2B5EF4-FFF2-40B4-BE49-F238E27FC236}">
-                <a16:creationId xmlns="" xmlns:a16="http://schemas.microsoft.com/office/drawing/2014/main" id="{7E24EA1A-6C2E-80EF-7FE9-4298D1099B38}"/>
+                <a16:creationId xmlns:a16="http://schemas.microsoft.com/office/drawing/2014/main" xmlns="" id="{7E24EA1A-6C2E-80EF-7FE9-4298D1099B38}"/>
               </a:ext>
             </a:extLst>
           </p:cNvPr>
@@ -6055,7 +6873,7 @@
           <p:cNvPr id="23" name="Рисунок 22" descr="Изображение выглядит как человек, Человеческое лицо, одежда, стена&#10;&#10;Автоматически созданное описание">
             <a:extLst>
               <a:ext uri="{FF2B5EF4-FFF2-40B4-BE49-F238E27FC236}">
-                <a16:creationId xmlns="" xmlns:a16="http://schemas.microsoft.com/office/drawing/2014/main" id="{E35397FE-FD78-9DC0-95F1-E9E3BD2A40A2}"/>
+                <a16:creationId xmlns:a16="http://schemas.microsoft.com/office/drawing/2014/main" xmlns="" id="{E35397FE-FD78-9DC0-95F1-E9E3BD2A40A2}"/>
               </a:ext>
             </a:extLst>
           </p:cNvPr>
@@ -6090,7 +6908,7 @@
           <p:cNvPr id="14" name="Рисунок 13">
             <a:extLst>
               <a:ext uri="{FF2B5EF4-FFF2-40B4-BE49-F238E27FC236}">
-                <a16:creationId xmlns="" xmlns:a16="http://schemas.microsoft.com/office/drawing/2014/main" id="{73B6207F-5A48-DBA2-C2F7-0B4C505C841D}"/>
+                <a16:creationId xmlns:a16="http://schemas.microsoft.com/office/drawing/2014/main" xmlns="" id="{73B6207F-5A48-DBA2-C2F7-0B4C505C841D}"/>
               </a:ext>
             </a:extLst>
           </p:cNvPr>
@@ -6144,7 +6962,7 @@
           <p:cNvPr id="31" name="Прямая соединительная линия 30">
             <a:extLst>
               <a:ext uri="{FF2B5EF4-FFF2-40B4-BE49-F238E27FC236}">
-                <a16:creationId xmlns="" xmlns:a16="http://schemas.microsoft.com/office/drawing/2014/main" id="{EF30B10D-E465-8595-552F-445B360F0705}"/>
+                <a16:creationId xmlns:a16="http://schemas.microsoft.com/office/drawing/2014/main" xmlns="" id="{EF30B10D-E465-8595-552F-445B360F0705}"/>
               </a:ext>
             </a:extLst>
           </p:cNvPr>
@@ -6187,7 +7005,7 @@
           <p:cNvPr id="4" name="TextBox 3">
             <a:extLst>
               <a:ext uri="{FF2B5EF4-FFF2-40B4-BE49-F238E27FC236}">
-                <a16:creationId xmlns="" xmlns:a16="http://schemas.microsoft.com/office/drawing/2014/main" id="{BA7CCD44-7A9D-9603-68E8-09C91D37EA90}"/>
+                <a16:creationId xmlns:a16="http://schemas.microsoft.com/office/drawing/2014/main" xmlns="" id="{BA7CCD44-7A9D-9603-68E8-09C91D37EA90}"/>
               </a:ext>
             </a:extLst>
           </p:cNvPr>
@@ -6227,12 +7045,12 @@
               <a:t>Backend </a:t>
             </a:r>
             <a:r>
-              <a:rPr lang="ru-RU" dirty="0" smtClean="0"/>
-              <a:t>Разработчик</a:t>
+              <a:rPr lang="ru-RU" dirty="0"/>
+              <a:t>р</a:t>
             </a:r>
             <a:r>
               <a:rPr lang="ru-RU" dirty="0" smtClean="0"/>
-              <a:t> </a:t>
+              <a:t>азработчик </a:t>
             </a:r>
             <a:endParaRPr lang="en-GB" dirty="0"/>
           </a:p>
@@ -6243,7 +7061,7 @@
           <p:cNvPr id="8" name="TextBox 7">
             <a:extLst>
               <a:ext uri="{FF2B5EF4-FFF2-40B4-BE49-F238E27FC236}">
-                <a16:creationId xmlns="" xmlns:a16="http://schemas.microsoft.com/office/drawing/2014/main" id="{B093E9B8-17F2-D52D-EA58-87E3DBA4F73B}"/>
+                <a16:creationId xmlns:a16="http://schemas.microsoft.com/office/drawing/2014/main" xmlns="" id="{B093E9B8-17F2-D52D-EA58-87E3DBA4F73B}"/>
               </a:ext>
             </a:extLst>
           </p:cNvPr>
@@ -6292,7 +7110,7 @@
           <p:cNvPr id="9" name="TextBox 8">
             <a:extLst>
               <a:ext uri="{FF2B5EF4-FFF2-40B4-BE49-F238E27FC236}">
-                <a16:creationId xmlns="" xmlns:a16="http://schemas.microsoft.com/office/drawing/2014/main" id="{B646EE09-ADB1-1325-A76D-BA4F6FB83123}"/>
+                <a16:creationId xmlns:a16="http://schemas.microsoft.com/office/drawing/2014/main" xmlns="" id="{B646EE09-ADB1-1325-A76D-BA4F6FB83123}"/>
               </a:ext>
             </a:extLst>
           </p:cNvPr>
@@ -6329,7 +7147,7 @@
           <p:cNvPr id="10" name="TextBox 9">
             <a:extLst>
               <a:ext uri="{FF2B5EF4-FFF2-40B4-BE49-F238E27FC236}">
-                <a16:creationId xmlns="" xmlns:a16="http://schemas.microsoft.com/office/drawing/2014/main" id="{4B3F8240-4E84-B893-3F05-6F3C28F13D5F}"/>
+                <a16:creationId xmlns:a16="http://schemas.microsoft.com/office/drawing/2014/main" xmlns="" id="{4B3F8240-4E84-B893-3F05-6F3C28F13D5F}"/>
               </a:ext>
             </a:extLst>
           </p:cNvPr>
@@ -6452,7 +7270,7 @@
           <p:cNvPr id="51" name="TextBox 50">
             <a:extLst>
               <a:ext uri="{FF2B5EF4-FFF2-40B4-BE49-F238E27FC236}">
-                <a16:creationId xmlns="" xmlns:a16="http://schemas.microsoft.com/office/drawing/2014/main" id="{4B3F8240-4E84-B893-3F05-6F3C28F13D5F}"/>
+                <a16:creationId xmlns:a16="http://schemas.microsoft.com/office/drawing/2014/main" xmlns="" id="{4B3F8240-4E84-B893-3F05-6F3C28F13D5F}"/>
               </a:ext>
             </a:extLst>
           </p:cNvPr>
@@ -6519,7 +7337,7 @@
           <p:cNvPr id="1028" name="Picture 4">
             <a:extLst>
               <a:ext uri="{FF2B5EF4-FFF2-40B4-BE49-F238E27FC236}">
-                <a16:creationId xmlns="" xmlns:a16="http://schemas.microsoft.com/office/drawing/2014/main" id="{920ECF95-E1C1-E964-5A18-432920B4CCC8}"/>
+                <a16:creationId xmlns:a16="http://schemas.microsoft.com/office/drawing/2014/main" xmlns="" id="{920ECF95-E1C1-E964-5A18-432920B4CCC8}"/>
               </a:ext>
             </a:extLst>
           </p:cNvPr>
@@ -6661,7 +7479,7 @@
           <p:cNvPr id="1030" name="Picture 6">
             <a:extLst>
               <a:ext uri="{FF2B5EF4-FFF2-40B4-BE49-F238E27FC236}">
-                <a16:creationId xmlns="" xmlns:a16="http://schemas.microsoft.com/office/drawing/2014/main" id="{FFF4693D-9CDF-B800-D76A-E5531DF8C6CD}"/>
+                <a16:creationId xmlns:a16="http://schemas.microsoft.com/office/drawing/2014/main" xmlns="" id="{FFF4693D-9CDF-B800-D76A-E5531DF8C6CD}"/>
               </a:ext>
             </a:extLst>
           </p:cNvPr>
@@ -6718,7 +7536,7 @@
           <p:cNvPr id="16" name="Рисунок 15" descr="Изображение выглядит как пиксель, символ, желтый&#10;&#10;Автоматически созданное описание">
             <a:extLst>
               <a:ext uri="{FF2B5EF4-FFF2-40B4-BE49-F238E27FC236}">
-                <a16:creationId xmlns="" xmlns:a16="http://schemas.microsoft.com/office/drawing/2014/main" id="{2B6FACBA-5B8D-2C7E-3BD8-F1AF6069B93D}"/>
+                <a16:creationId xmlns:a16="http://schemas.microsoft.com/office/drawing/2014/main" xmlns="" id="{2B6FACBA-5B8D-2C7E-3BD8-F1AF6069B93D}"/>
               </a:ext>
             </a:extLst>
           </p:cNvPr>
@@ -6810,7 +7628,7 @@
           <p:cNvPr id="1038" name="Блок-схема: узел 1037">
             <a:extLst>
               <a:ext uri="{FF2B5EF4-FFF2-40B4-BE49-F238E27FC236}">
-                <a16:creationId xmlns="" xmlns:a16="http://schemas.microsoft.com/office/drawing/2014/main" id="{ED2DE76D-732E-C6AE-3C0D-D88D9484A90C}"/>
+                <a16:creationId xmlns:a16="http://schemas.microsoft.com/office/drawing/2014/main" xmlns="" id="{ED2DE76D-732E-C6AE-3C0D-D88D9484A90C}"/>
               </a:ext>
             </a:extLst>
           </p:cNvPr>
@@ -6864,7 +7682,7 @@
           <p:cNvPr id="1037" name="Прямоугольник: скругленные углы 1036">
             <a:extLst>
               <a:ext uri="{FF2B5EF4-FFF2-40B4-BE49-F238E27FC236}">
-                <a16:creationId xmlns="" xmlns:a16="http://schemas.microsoft.com/office/drawing/2014/main" id="{897422F3-0EC0-71AB-831F-E4278BB85D4B}"/>
+                <a16:creationId xmlns:a16="http://schemas.microsoft.com/office/drawing/2014/main" xmlns="" id="{897422F3-0EC0-71AB-831F-E4278BB85D4B}"/>
               </a:ext>
             </a:extLst>
           </p:cNvPr>
@@ -6952,7 +7770,7 @@
           <p:cNvPr id="1036" name="Блок-схема: узел 1035">
             <a:extLst>
               <a:ext uri="{FF2B5EF4-FFF2-40B4-BE49-F238E27FC236}">
-                <a16:creationId xmlns="" xmlns:a16="http://schemas.microsoft.com/office/drawing/2014/main" id="{F26CFDE8-0675-5BFA-3689-34C5EA360880}"/>
+                <a16:creationId xmlns:a16="http://schemas.microsoft.com/office/drawing/2014/main" xmlns="" id="{F26CFDE8-0675-5BFA-3689-34C5EA360880}"/>
               </a:ext>
             </a:extLst>
           </p:cNvPr>
@@ -7006,7 +7824,7 @@
           <p:cNvPr id="1035" name="Прямоугольник: скругленные углы 1034">
             <a:extLst>
               <a:ext uri="{FF2B5EF4-FFF2-40B4-BE49-F238E27FC236}">
-                <a16:creationId xmlns="" xmlns:a16="http://schemas.microsoft.com/office/drawing/2014/main" id="{4A7158BC-41E7-7EC1-98EC-0E83132213F0}"/>
+                <a16:creationId xmlns:a16="http://schemas.microsoft.com/office/drawing/2014/main" xmlns="" id="{4A7158BC-41E7-7EC1-98EC-0E83132213F0}"/>
               </a:ext>
             </a:extLst>
           </p:cNvPr>
@@ -7092,7 +7910,7 @@
           <p:cNvPr id="1032" name="Блок-схема: узел 1031">
             <a:extLst>
               <a:ext uri="{FF2B5EF4-FFF2-40B4-BE49-F238E27FC236}">
-                <a16:creationId xmlns="" xmlns:a16="http://schemas.microsoft.com/office/drawing/2014/main" id="{1124450B-AD5F-4BD1-35B9-FB3DB2E25BEF}"/>
+                <a16:creationId xmlns:a16="http://schemas.microsoft.com/office/drawing/2014/main" xmlns="" id="{1124450B-AD5F-4BD1-35B9-FB3DB2E25BEF}"/>
               </a:ext>
             </a:extLst>
           </p:cNvPr>
@@ -7144,7 +7962,7 @@
           <p:cNvPr id="1031" name="Прямоугольник: скругленные углы 1030">
             <a:extLst>
               <a:ext uri="{FF2B5EF4-FFF2-40B4-BE49-F238E27FC236}">
-                <a16:creationId xmlns="" xmlns:a16="http://schemas.microsoft.com/office/drawing/2014/main" id="{32417627-CAD4-88B8-1E0D-9CF06281F597}"/>
+                <a16:creationId xmlns:a16="http://schemas.microsoft.com/office/drawing/2014/main" xmlns="" id="{32417627-CAD4-88B8-1E0D-9CF06281F597}"/>
               </a:ext>
             </a:extLst>
           </p:cNvPr>
@@ -7230,7 +8048,7 @@
           <p:cNvPr id="22" name="Прямоугольник: скругленные углы 21">
             <a:extLst>
               <a:ext uri="{FF2B5EF4-FFF2-40B4-BE49-F238E27FC236}">
-                <a16:creationId xmlns="" xmlns:a16="http://schemas.microsoft.com/office/drawing/2014/main" id="{4C53DBEB-AE73-CCBA-1974-87A61D305C44}"/>
+                <a16:creationId xmlns:a16="http://schemas.microsoft.com/office/drawing/2014/main" xmlns="" id="{4C53DBEB-AE73-CCBA-1974-87A61D305C44}"/>
               </a:ext>
             </a:extLst>
           </p:cNvPr>
@@ -7286,7 +8104,7 @@
           <p:cNvPr id="24" name="Прямоугольник: скругленные углы 23">
             <a:extLst>
               <a:ext uri="{FF2B5EF4-FFF2-40B4-BE49-F238E27FC236}">
-                <a16:creationId xmlns="" xmlns:a16="http://schemas.microsoft.com/office/drawing/2014/main" id="{355F90DF-CCA5-6EA6-D096-A24D5935ED9C}"/>
+                <a16:creationId xmlns:a16="http://schemas.microsoft.com/office/drawing/2014/main" xmlns="" id="{355F90DF-CCA5-6EA6-D096-A24D5935ED9C}"/>
               </a:ext>
             </a:extLst>
           </p:cNvPr>
@@ -7362,7 +8180,7 @@
           <p:cNvPr id="19" name="Прямоугольник: скругленные углы 18">
             <a:extLst>
               <a:ext uri="{FF2B5EF4-FFF2-40B4-BE49-F238E27FC236}">
-                <a16:creationId xmlns="" xmlns:a16="http://schemas.microsoft.com/office/drawing/2014/main" id="{D0808DD4-0FE7-755D-5313-B90B285A36C0}"/>
+                <a16:creationId xmlns:a16="http://schemas.microsoft.com/office/drawing/2014/main" xmlns="" id="{D0808DD4-0FE7-755D-5313-B90B285A36C0}"/>
               </a:ext>
             </a:extLst>
           </p:cNvPr>
@@ -7420,7 +8238,7 @@
           <p:cNvPr id="20" name="Прямоугольник: скругленные углы 19">
             <a:extLst>
               <a:ext uri="{FF2B5EF4-FFF2-40B4-BE49-F238E27FC236}">
-                <a16:creationId xmlns="" xmlns:a16="http://schemas.microsoft.com/office/drawing/2014/main" id="{B0D60FA6-3113-67F0-040B-802E1A691FC2}"/>
+                <a16:creationId xmlns:a16="http://schemas.microsoft.com/office/drawing/2014/main" xmlns="" id="{B0D60FA6-3113-67F0-040B-802E1A691FC2}"/>
               </a:ext>
             </a:extLst>
           </p:cNvPr>
@@ -7490,7 +8308,7 @@
           <p:cNvPr id="15" name="Прямоугольник: скругленные углы 14">
             <a:extLst>
               <a:ext uri="{FF2B5EF4-FFF2-40B4-BE49-F238E27FC236}">
-                <a16:creationId xmlns="" xmlns:a16="http://schemas.microsoft.com/office/drawing/2014/main" id="{0257382C-9005-C9B1-36DC-403BD5FE49F6}"/>
+                <a16:creationId xmlns:a16="http://schemas.microsoft.com/office/drawing/2014/main" xmlns="" id="{0257382C-9005-C9B1-36DC-403BD5FE49F6}"/>
               </a:ext>
             </a:extLst>
           </p:cNvPr>
@@ -7548,7 +8366,7 @@
           <p:cNvPr id="1034" name="Блок-схема: узел 1033">
             <a:extLst>
               <a:ext uri="{FF2B5EF4-FFF2-40B4-BE49-F238E27FC236}">
-                <a16:creationId xmlns="" xmlns:a16="http://schemas.microsoft.com/office/drawing/2014/main" id="{6924CBE0-3F0A-454E-7737-FE1B0A8B5C34}"/>
+                <a16:creationId xmlns:a16="http://schemas.microsoft.com/office/drawing/2014/main" xmlns="" id="{6924CBE0-3F0A-454E-7737-FE1B0A8B5C34}"/>
               </a:ext>
             </a:extLst>
           </p:cNvPr>
@@ -7602,7 +8420,7 @@
           <p:cNvPr id="1033" name="Прямоугольник: скругленные углы 1032">
             <a:extLst>
               <a:ext uri="{FF2B5EF4-FFF2-40B4-BE49-F238E27FC236}">
-                <a16:creationId xmlns="" xmlns:a16="http://schemas.microsoft.com/office/drawing/2014/main" id="{B87BCEC4-D8B0-E61F-1AD4-F87B399ECACC}"/>
+                <a16:creationId xmlns:a16="http://schemas.microsoft.com/office/drawing/2014/main" xmlns="" id="{B87BCEC4-D8B0-E61F-1AD4-F87B399ECACC}"/>
               </a:ext>
             </a:extLst>
           </p:cNvPr>
@@ -7660,7 +8478,7 @@
           <p:cNvPr id="1029" name="Блок-схема: узел 1028">
             <a:extLst>
               <a:ext uri="{FF2B5EF4-FFF2-40B4-BE49-F238E27FC236}">
-                <a16:creationId xmlns="" xmlns:a16="http://schemas.microsoft.com/office/drawing/2014/main" id="{F6E642C5-7623-0380-155C-419414B3B2E3}"/>
+                <a16:creationId xmlns:a16="http://schemas.microsoft.com/office/drawing/2014/main" xmlns="" id="{F6E642C5-7623-0380-155C-419414B3B2E3}"/>
               </a:ext>
             </a:extLst>
           </p:cNvPr>
@@ -7714,7 +8532,7 @@
           <p:cNvPr id="1027" name="Прямоугольник: скругленные углы 1026">
             <a:extLst>
               <a:ext uri="{FF2B5EF4-FFF2-40B4-BE49-F238E27FC236}">
-                <a16:creationId xmlns="" xmlns:a16="http://schemas.microsoft.com/office/drawing/2014/main" id="{07B8FD26-CF51-CB16-F458-AD3F1A8143D0}"/>
+                <a16:creationId xmlns:a16="http://schemas.microsoft.com/office/drawing/2014/main" xmlns="" id="{07B8FD26-CF51-CB16-F458-AD3F1A8143D0}"/>
               </a:ext>
             </a:extLst>
           </p:cNvPr>
@@ -7772,7 +8590,7 @@
           <p:cNvPr id="1024" name="Прямоугольник: скругленные углы 1023">
             <a:extLst>
               <a:ext uri="{FF2B5EF4-FFF2-40B4-BE49-F238E27FC236}">
-                <a16:creationId xmlns="" xmlns:a16="http://schemas.microsoft.com/office/drawing/2014/main" id="{A4A31DF8-2AF6-8965-3144-5B95C5284965}"/>
+                <a16:creationId xmlns:a16="http://schemas.microsoft.com/office/drawing/2014/main" xmlns="" id="{A4A31DF8-2AF6-8965-3144-5B95C5284965}"/>
               </a:ext>
             </a:extLst>
           </p:cNvPr>
@@ -7826,7 +8644,7 @@
           <p:cNvPr id="2" name="Заголовок 1">
             <a:extLst>
               <a:ext uri="{FF2B5EF4-FFF2-40B4-BE49-F238E27FC236}">
-                <a16:creationId xmlns="" xmlns:a16="http://schemas.microsoft.com/office/drawing/2014/main" id="{79D7AAF1-4171-BB57-0A15-25F83C0F2A23}"/>
+                <a16:creationId xmlns:a16="http://schemas.microsoft.com/office/drawing/2014/main" xmlns="" id="{79D7AAF1-4171-BB57-0A15-25F83C0F2A23}"/>
               </a:ext>
             </a:extLst>
           </p:cNvPr>
@@ -7868,7 +8686,7 @@
           <p:cNvPr id="5" name="TextBox 4">
             <a:extLst>
               <a:ext uri="{FF2B5EF4-FFF2-40B4-BE49-F238E27FC236}">
-                <a16:creationId xmlns="" xmlns:a16="http://schemas.microsoft.com/office/drawing/2014/main" id="{DD294C35-3CA0-3B9F-ADEC-2E72A7452540}"/>
+                <a16:creationId xmlns:a16="http://schemas.microsoft.com/office/drawing/2014/main" xmlns="" id="{DD294C35-3CA0-3B9F-ADEC-2E72A7452540}"/>
               </a:ext>
             </a:extLst>
           </p:cNvPr>
@@ -7911,7 +8729,7 @@
           <p:cNvPr id="7" name="TextBox 6">
             <a:extLst>
               <a:ext uri="{FF2B5EF4-FFF2-40B4-BE49-F238E27FC236}">
-                <a16:creationId xmlns="" xmlns:a16="http://schemas.microsoft.com/office/drawing/2014/main" id="{8F8241E2-45BC-3B0C-78F2-2D90228D0F03}"/>
+                <a16:creationId xmlns:a16="http://schemas.microsoft.com/office/drawing/2014/main" xmlns="" id="{8F8241E2-45BC-3B0C-78F2-2D90228D0F03}"/>
               </a:ext>
             </a:extLst>
           </p:cNvPr>
@@ -7954,7 +8772,7 @@
           <p:cNvPr id="13" name="TextBox 12">
             <a:extLst>
               <a:ext uri="{FF2B5EF4-FFF2-40B4-BE49-F238E27FC236}">
-                <a16:creationId xmlns="" xmlns:a16="http://schemas.microsoft.com/office/drawing/2014/main" id="{199705F2-70DA-5223-1BAE-F09F114256C8}"/>
+                <a16:creationId xmlns:a16="http://schemas.microsoft.com/office/drawing/2014/main" xmlns="" id="{199705F2-70DA-5223-1BAE-F09F114256C8}"/>
               </a:ext>
             </a:extLst>
           </p:cNvPr>
@@ -7997,7 +8815,7 @@
           <p:cNvPr id="60" name="Группа 59">
             <a:extLst>
               <a:ext uri="{FF2B5EF4-FFF2-40B4-BE49-F238E27FC236}">
-                <a16:creationId xmlns="" xmlns:a16="http://schemas.microsoft.com/office/drawing/2014/main" id="{C4F4F33C-FBF0-58B3-FA50-6B4A63256270}"/>
+                <a16:creationId xmlns:a16="http://schemas.microsoft.com/office/drawing/2014/main" xmlns="" id="{C4F4F33C-FBF0-58B3-FA50-6B4A63256270}"/>
               </a:ext>
             </a:extLst>
           </p:cNvPr>
@@ -8017,7 +8835,7 @@
             <p:cNvPr id="53" name="Блок-схема: узел 52">
               <a:extLst>
                 <a:ext uri="{FF2B5EF4-FFF2-40B4-BE49-F238E27FC236}">
-                  <a16:creationId xmlns="" xmlns:a16="http://schemas.microsoft.com/office/drawing/2014/main" id="{416F50D3-1678-6C02-AAEA-13076107B4C4}"/>
+                  <a16:creationId xmlns:a16="http://schemas.microsoft.com/office/drawing/2014/main" xmlns="" id="{416F50D3-1678-6C02-AAEA-13076107B4C4}"/>
                 </a:ext>
               </a:extLst>
             </p:cNvPr>
@@ -8069,7 +8887,7 @@
             <p:cNvPr id="55" name="TextBox 54">
               <a:extLst>
                 <a:ext uri="{FF2B5EF4-FFF2-40B4-BE49-F238E27FC236}">
-                  <a16:creationId xmlns="" xmlns:a16="http://schemas.microsoft.com/office/drawing/2014/main" id="{ABD3BCBB-CEAA-9824-35BC-1FE044F75763}"/>
+                  <a16:creationId xmlns:a16="http://schemas.microsoft.com/office/drawing/2014/main" xmlns="" id="{ABD3BCBB-CEAA-9824-35BC-1FE044F75763}"/>
                 </a:ext>
               </a:extLst>
             </p:cNvPr>
@@ -8112,7 +8930,7 @@
           <p:cNvPr id="1042" name="Прямоугольник: скругленные углы 1041">
             <a:extLst>
               <a:ext uri="{FF2B5EF4-FFF2-40B4-BE49-F238E27FC236}">
-                <a16:creationId xmlns="" xmlns:a16="http://schemas.microsoft.com/office/drawing/2014/main" id="{61E8D7F1-FA18-6377-9470-1FAF2929538B}"/>
+                <a16:creationId xmlns:a16="http://schemas.microsoft.com/office/drawing/2014/main" xmlns="" id="{61E8D7F1-FA18-6377-9470-1FAF2929538B}"/>
               </a:ext>
             </a:extLst>
           </p:cNvPr>
@@ -8168,7 +8986,7 @@
           <p:cNvPr id="1043" name="TextBox 1042">
             <a:extLst>
               <a:ext uri="{FF2B5EF4-FFF2-40B4-BE49-F238E27FC236}">
-                <a16:creationId xmlns="" xmlns:a16="http://schemas.microsoft.com/office/drawing/2014/main" id="{948542B3-41C8-69C7-86DD-9F96D69C4A55}"/>
+                <a16:creationId xmlns:a16="http://schemas.microsoft.com/office/drawing/2014/main" xmlns="" id="{948542B3-41C8-69C7-86DD-9F96D69C4A55}"/>
               </a:ext>
             </a:extLst>
           </p:cNvPr>
@@ -8210,7 +9028,7 @@
           <p:cNvPr id="17" name="Рисунок 16" descr="Изображение выглядит как человек, на открытом воздухе, одежда, небо&#10;&#10;Автоматически созданное описание">
             <a:extLst>
               <a:ext uri="{FF2B5EF4-FFF2-40B4-BE49-F238E27FC236}">
-                <a16:creationId xmlns="" xmlns:a16="http://schemas.microsoft.com/office/drawing/2014/main" id="{865485D0-BCFF-327C-2FC5-D8F9FE256AC5}"/>
+                <a16:creationId xmlns:a16="http://schemas.microsoft.com/office/drawing/2014/main" xmlns="" id="{865485D0-BCFF-327C-2FC5-D8F9FE256AC5}"/>
               </a:ext>
             </a:extLst>
           </p:cNvPr>
@@ -8245,7 +9063,7 @@
           <p:cNvPr id="1026" name="Picture 2">
             <a:extLst>
               <a:ext uri="{FF2B5EF4-FFF2-40B4-BE49-F238E27FC236}">
-                <a16:creationId xmlns="" xmlns:a16="http://schemas.microsoft.com/office/drawing/2014/main" id="{7E24EA1A-6C2E-80EF-7FE9-4298D1099B38}"/>
+                <a16:creationId xmlns:a16="http://schemas.microsoft.com/office/drawing/2014/main" xmlns="" id="{7E24EA1A-6C2E-80EF-7FE9-4298D1099B38}"/>
               </a:ext>
             </a:extLst>
           </p:cNvPr>
@@ -8309,7 +9127,7 @@
           <p:cNvPr id="23" name="Рисунок 22" descr="Изображение выглядит как человек, Человеческое лицо, одежда, стена&#10;&#10;Автоматически созданное описание">
             <a:extLst>
               <a:ext uri="{FF2B5EF4-FFF2-40B4-BE49-F238E27FC236}">
-                <a16:creationId xmlns="" xmlns:a16="http://schemas.microsoft.com/office/drawing/2014/main" id="{E35397FE-FD78-9DC0-95F1-E9E3BD2A40A2}"/>
+                <a16:creationId xmlns:a16="http://schemas.microsoft.com/office/drawing/2014/main" xmlns="" id="{E35397FE-FD78-9DC0-95F1-E9E3BD2A40A2}"/>
               </a:ext>
             </a:extLst>
           </p:cNvPr>
@@ -8344,7 +9162,7 @@
           <p:cNvPr id="14" name="Рисунок 13">
             <a:extLst>
               <a:ext uri="{FF2B5EF4-FFF2-40B4-BE49-F238E27FC236}">
-                <a16:creationId xmlns="" xmlns:a16="http://schemas.microsoft.com/office/drawing/2014/main" id="{73B6207F-5A48-DBA2-C2F7-0B4C505C841D}"/>
+                <a16:creationId xmlns:a16="http://schemas.microsoft.com/office/drawing/2014/main" xmlns="" id="{73B6207F-5A48-DBA2-C2F7-0B4C505C841D}"/>
               </a:ext>
             </a:extLst>
           </p:cNvPr>
@@ -8398,7 +9216,7 @@
           <p:cNvPr id="31" name="Прямая соединительная линия 30">
             <a:extLst>
               <a:ext uri="{FF2B5EF4-FFF2-40B4-BE49-F238E27FC236}">
-                <a16:creationId xmlns="" xmlns:a16="http://schemas.microsoft.com/office/drawing/2014/main" id="{EF30B10D-E465-8595-552F-445B360F0705}"/>
+                <a16:creationId xmlns:a16="http://schemas.microsoft.com/office/drawing/2014/main" xmlns="" id="{EF30B10D-E465-8595-552F-445B360F0705}"/>
               </a:ext>
             </a:extLst>
           </p:cNvPr>
@@ -8531,7 +9349,7 @@
           <p:cNvPr id="51" name="TextBox 50">
             <a:extLst>
               <a:ext uri="{FF2B5EF4-FFF2-40B4-BE49-F238E27FC236}">
-                <a16:creationId xmlns="" xmlns:a16="http://schemas.microsoft.com/office/drawing/2014/main" id="{4B3F8240-4E84-B893-3F05-6F3C28F13D5F}"/>
+                <a16:creationId xmlns:a16="http://schemas.microsoft.com/office/drawing/2014/main" xmlns="" id="{4B3F8240-4E84-B893-3F05-6F3C28F13D5F}"/>
               </a:ext>
             </a:extLst>
           </p:cNvPr>
@@ -8568,7 +9386,7 @@
           <p:cNvPr id="1028" name="Picture 4">
             <a:extLst>
               <a:ext uri="{FF2B5EF4-FFF2-40B4-BE49-F238E27FC236}">
-                <a16:creationId xmlns="" xmlns:a16="http://schemas.microsoft.com/office/drawing/2014/main" id="{920ECF95-E1C1-E964-5A18-432920B4CCC8}"/>
+                <a16:creationId xmlns:a16="http://schemas.microsoft.com/office/drawing/2014/main" xmlns="" id="{920ECF95-E1C1-E964-5A18-432920B4CCC8}"/>
               </a:ext>
             </a:extLst>
           </p:cNvPr>
@@ -8650,7 +9468,7 @@
           <p:cNvPr id="54" name="TextBox 53">
             <a:extLst>
               <a:ext uri="{FF2B5EF4-FFF2-40B4-BE49-F238E27FC236}">
-                <a16:creationId xmlns="" xmlns:a16="http://schemas.microsoft.com/office/drawing/2014/main" id="{BA7CCD44-7A9D-9603-68E8-09C91D37EA90}"/>
+                <a16:creationId xmlns:a16="http://schemas.microsoft.com/office/drawing/2014/main" xmlns="" id="{BA7CCD44-7A9D-9603-68E8-09C91D37EA90}"/>
               </a:ext>
             </a:extLst>
           </p:cNvPr>
@@ -8706,7 +9524,7 @@
           <p:cNvPr id="56" name="TextBox 55">
             <a:extLst>
               <a:ext uri="{FF2B5EF4-FFF2-40B4-BE49-F238E27FC236}">
-                <a16:creationId xmlns="" xmlns:a16="http://schemas.microsoft.com/office/drawing/2014/main" id="{B093E9B8-17F2-D52D-EA58-87E3DBA4F73B}"/>
+                <a16:creationId xmlns:a16="http://schemas.microsoft.com/office/drawing/2014/main" xmlns="" id="{B093E9B8-17F2-D52D-EA58-87E3DBA4F73B}"/>
               </a:ext>
             </a:extLst>
           </p:cNvPr>
@@ -8755,7 +9573,7 @@
           <p:cNvPr id="57" name="TextBox 56">
             <a:extLst>
               <a:ext uri="{FF2B5EF4-FFF2-40B4-BE49-F238E27FC236}">
-                <a16:creationId xmlns="" xmlns:a16="http://schemas.microsoft.com/office/drawing/2014/main" id="{E22E351C-EA15-E11B-9DAE-33BAEF242091}"/>
+                <a16:creationId xmlns:a16="http://schemas.microsoft.com/office/drawing/2014/main" xmlns="" id="{E22E351C-EA15-E11B-9DAE-33BAEF242091}"/>
               </a:ext>
             </a:extLst>
           </p:cNvPr>
@@ -8812,7 +9630,7 @@
           <p:cNvPr id="1030" name="Picture 6">
             <a:extLst>
               <a:ext uri="{FF2B5EF4-FFF2-40B4-BE49-F238E27FC236}">
-                <a16:creationId xmlns="" xmlns:a16="http://schemas.microsoft.com/office/drawing/2014/main" id="{FFF4693D-9CDF-B800-D76A-E5531DF8C6CD}"/>
+                <a16:creationId xmlns:a16="http://schemas.microsoft.com/office/drawing/2014/main" xmlns="" id="{FFF4693D-9CDF-B800-D76A-E5531DF8C6CD}"/>
               </a:ext>
             </a:extLst>
           </p:cNvPr>
@@ -8869,7 +9687,7 @@
           <p:cNvPr id="59" name="TextBox 58">
             <a:extLst>
               <a:ext uri="{FF2B5EF4-FFF2-40B4-BE49-F238E27FC236}">
-                <a16:creationId xmlns="" xmlns:a16="http://schemas.microsoft.com/office/drawing/2014/main" id="{A624429E-921C-8DEB-9E9C-749645432682}"/>
+                <a16:creationId xmlns:a16="http://schemas.microsoft.com/office/drawing/2014/main" xmlns="" id="{A624429E-921C-8DEB-9E9C-749645432682}"/>
               </a:ext>
             </a:extLst>
           </p:cNvPr>
@@ -8912,7 +9730,7 @@
           <p:cNvPr id="16" name="Рисунок 15" descr="Изображение выглядит как пиксель, символ, желтый&#10;&#10;Автоматически созданное описание">
             <a:extLst>
               <a:ext uri="{FF2B5EF4-FFF2-40B4-BE49-F238E27FC236}">
-                <a16:creationId xmlns="" xmlns:a16="http://schemas.microsoft.com/office/drawing/2014/main" id="{2B6FACBA-5B8D-2C7E-3BD8-F1AF6069B93D}"/>
+                <a16:creationId xmlns:a16="http://schemas.microsoft.com/office/drawing/2014/main" xmlns="" id="{2B6FACBA-5B8D-2C7E-3BD8-F1AF6069B93D}"/>
               </a:ext>
             </a:extLst>
           </p:cNvPr>
@@ -9007,7 +9825,7 @@
           <p:cNvPr id="23" name="Прямая соединительная линия 22">
             <a:extLst>
               <a:ext uri="{FF2B5EF4-FFF2-40B4-BE49-F238E27FC236}">
-                <a16:creationId xmlns="" xmlns:a16="http://schemas.microsoft.com/office/drawing/2014/main" id="{E00AE498-D30D-C43B-2B54-51EBFEF56582}"/>
+                <a16:creationId xmlns:a16="http://schemas.microsoft.com/office/drawing/2014/main" xmlns="" id="{E00AE498-D30D-C43B-2B54-51EBFEF56582}"/>
               </a:ext>
             </a:extLst>
           </p:cNvPr>
@@ -9050,7 +9868,7 @@
           <p:cNvPr id="5" name="Прямоугольник: скругленные углы 4">
             <a:extLst>
               <a:ext uri="{FF2B5EF4-FFF2-40B4-BE49-F238E27FC236}">
-                <a16:creationId xmlns="" xmlns:a16="http://schemas.microsoft.com/office/drawing/2014/main" id="{16E3663A-5487-2E60-8812-0A81C32CB3F8}"/>
+                <a16:creationId xmlns:a16="http://schemas.microsoft.com/office/drawing/2014/main" xmlns="" id="{16E3663A-5487-2E60-8812-0A81C32CB3F8}"/>
               </a:ext>
             </a:extLst>
           </p:cNvPr>
@@ -9099,7 +9917,7 @@
           <p:cNvPr id="4" name="Прямоугольник: скругленные углы 3">
             <a:extLst>
               <a:ext uri="{FF2B5EF4-FFF2-40B4-BE49-F238E27FC236}">
-                <a16:creationId xmlns="" xmlns:a16="http://schemas.microsoft.com/office/drawing/2014/main" id="{F6FAFBE5-C30C-229C-AB39-1BE631EDE47C}"/>
+                <a16:creationId xmlns:a16="http://schemas.microsoft.com/office/drawing/2014/main" xmlns="" id="{F6FAFBE5-C30C-229C-AB39-1BE631EDE47C}"/>
               </a:ext>
             </a:extLst>
           </p:cNvPr>
@@ -9150,7 +9968,7 @@
           <p:cNvPr id="2" name="Заголовок 1">
             <a:extLst>
               <a:ext uri="{FF2B5EF4-FFF2-40B4-BE49-F238E27FC236}">
-                <a16:creationId xmlns="" xmlns:a16="http://schemas.microsoft.com/office/drawing/2014/main" id="{EFC9B914-28B6-3089-4171-F6461C07F90E}"/>
+                <a16:creationId xmlns:a16="http://schemas.microsoft.com/office/drawing/2014/main" xmlns="" id="{EFC9B914-28B6-3089-4171-F6461C07F90E}"/>
               </a:ext>
             </a:extLst>
           </p:cNvPr>
@@ -9197,7 +10015,7 @@
           <p:cNvPr id="3" name="Объект 2">
             <a:extLst>
               <a:ext uri="{FF2B5EF4-FFF2-40B4-BE49-F238E27FC236}">
-                <a16:creationId xmlns="" xmlns:a16="http://schemas.microsoft.com/office/drawing/2014/main" id="{4C12BD85-363E-AAB1-A425-F6BF7BC727EA}"/>
+                <a16:creationId xmlns:a16="http://schemas.microsoft.com/office/drawing/2014/main" xmlns="" id="{4C12BD85-363E-AAB1-A425-F6BF7BC727EA}"/>
               </a:ext>
             </a:extLst>
           </p:cNvPr>
@@ -9332,7 +10150,7 @@
           <p:cNvPr id="13" name="TextBox 12">
             <a:extLst>
               <a:ext uri="{FF2B5EF4-FFF2-40B4-BE49-F238E27FC236}">
-                <a16:creationId xmlns="" xmlns:a16="http://schemas.microsoft.com/office/drawing/2014/main" id="{F6EA0B60-FDC8-1E62-6192-E1695B3DAFE4}"/>
+                <a16:creationId xmlns:a16="http://schemas.microsoft.com/office/drawing/2014/main" xmlns="" id="{F6EA0B60-FDC8-1E62-6192-E1695B3DAFE4}"/>
               </a:ext>
             </a:extLst>
           </p:cNvPr>
@@ -9380,7 +10198,7 @@
           <p:cNvPr id="30" name="TextBox 29">
             <a:extLst>
               <a:ext uri="{FF2B5EF4-FFF2-40B4-BE49-F238E27FC236}">
-                <a16:creationId xmlns="" xmlns:a16="http://schemas.microsoft.com/office/drawing/2014/main" id="{D5748F7F-D40D-A6E1-1611-7B69C8918377}"/>
+                <a16:creationId xmlns:a16="http://schemas.microsoft.com/office/drawing/2014/main" xmlns="" id="{D5748F7F-D40D-A6E1-1611-7B69C8918377}"/>
               </a:ext>
             </a:extLst>
           </p:cNvPr>
@@ -9422,7 +10240,7 @@
           <p:cNvPr id="28" name="Группа 27">
             <a:extLst>
               <a:ext uri="{FF2B5EF4-FFF2-40B4-BE49-F238E27FC236}">
-                <a16:creationId xmlns="" xmlns:a16="http://schemas.microsoft.com/office/drawing/2014/main" id="{64989A67-C592-D8F3-B1B5-B434E04B4A12}"/>
+                <a16:creationId xmlns:a16="http://schemas.microsoft.com/office/drawing/2014/main" xmlns="" id="{64989A67-C592-D8F3-B1B5-B434E04B4A12}"/>
               </a:ext>
             </a:extLst>
           </p:cNvPr>
@@ -9442,7 +10260,7 @@
             <p:cNvPr id="20" name="Прямоугольник: скругленные углы 19">
               <a:extLst>
                 <a:ext uri="{FF2B5EF4-FFF2-40B4-BE49-F238E27FC236}">
-                  <a16:creationId xmlns="" xmlns:a16="http://schemas.microsoft.com/office/drawing/2014/main" id="{F6EA09B1-A55B-B7CE-87B2-B6FCC51556EC}"/>
+                  <a16:creationId xmlns:a16="http://schemas.microsoft.com/office/drawing/2014/main" xmlns="" id="{F6EA09B1-A55B-B7CE-87B2-B6FCC51556EC}"/>
                 </a:ext>
               </a:extLst>
             </p:cNvPr>
@@ -9496,7 +10314,7 @@
             <p:cNvPr id="21" name="TextBox 20">
               <a:extLst>
                 <a:ext uri="{FF2B5EF4-FFF2-40B4-BE49-F238E27FC236}">
-                  <a16:creationId xmlns="" xmlns:a16="http://schemas.microsoft.com/office/drawing/2014/main" id="{97D19AE1-DFC6-9D9F-3648-1533F7C4DFB2}"/>
+                  <a16:creationId xmlns:a16="http://schemas.microsoft.com/office/drawing/2014/main" xmlns="" id="{97D19AE1-DFC6-9D9F-3648-1533F7C4DFB2}"/>
                 </a:ext>
               </a:extLst>
             </p:cNvPr>
@@ -10023,7 +10841,7 @@
           <p:cNvPr id="22" name="Прямая соединительная линия 21">
             <a:extLst>
               <a:ext uri="{FF2B5EF4-FFF2-40B4-BE49-F238E27FC236}">
-                <a16:creationId xmlns="" xmlns:a16="http://schemas.microsoft.com/office/drawing/2014/main" id="{86E477D8-7E31-78AF-DEF6-F4FACA2D5C63}"/>
+                <a16:creationId xmlns:a16="http://schemas.microsoft.com/office/drawing/2014/main" xmlns="" id="{86E477D8-7E31-78AF-DEF6-F4FACA2D5C63}"/>
               </a:ext>
             </a:extLst>
           </p:cNvPr>
@@ -10066,7 +10884,7 @@
           <p:cNvPr id="2" name="Заголовок 1">
             <a:extLst>
               <a:ext uri="{FF2B5EF4-FFF2-40B4-BE49-F238E27FC236}">
-                <a16:creationId xmlns="" xmlns:a16="http://schemas.microsoft.com/office/drawing/2014/main" id="{809594AE-6393-CB3B-E82E-89629B334CCA}"/>
+                <a16:creationId xmlns:a16="http://schemas.microsoft.com/office/drawing/2014/main" xmlns="" id="{809594AE-6393-CB3B-E82E-89629B334CCA}"/>
               </a:ext>
             </a:extLst>
           </p:cNvPr>
@@ -10112,7 +10930,7 @@
           <p:cNvPr id="33" name="Группа 32">
             <a:extLst>
               <a:ext uri="{FF2B5EF4-FFF2-40B4-BE49-F238E27FC236}">
-                <a16:creationId xmlns="" xmlns:a16="http://schemas.microsoft.com/office/drawing/2014/main" id="{65D2726D-1A35-FEA3-735A-99BD88AC960F}"/>
+                <a16:creationId xmlns:a16="http://schemas.microsoft.com/office/drawing/2014/main" xmlns="" id="{65D2726D-1A35-FEA3-735A-99BD88AC960F}"/>
               </a:ext>
             </a:extLst>
           </p:cNvPr>
@@ -10132,7 +10950,7 @@
             <p:cNvPr id="20" name="Прямоугольник: скругленные углы 19">
               <a:extLst>
                 <a:ext uri="{FF2B5EF4-FFF2-40B4-BE49-F238E27FC236}">
-                  <a16:creationId xmlns="" xmlns:a16="http://schemas.microsoft.com/office/drawing/2014/main" id="{B4231800-669E-DE3A-30D2-6C4B1347267A}"/>
+                  <a16:creationId xmlns:a16="http://schemas.microsoft.com/office/drawing/2014/main" xmlns="" id="{B4231800-669E-DE3A-30D2-6C4B1347267A}"/>
                 </a:ext>
               </a:extLst>
             </p:cNvPr>
@@ -10186,7 +11004,7 @@
             <p:cNvPr id="21" name="TextBox 20">
               <a:extLst>
                 <a:ext uri="{FF2B5EF4-FFF2-40B4-BE49-F238E27FC236}">
-                  <a16:creationId xmlns="" xmlns:a16="http://schemas.microsoft.com/office/drawing/2014/main" id="{72EB1CA3-AADC-5FE8-1312-EB15C4EA256C}"/>
+                  <a16:creationId xmlns:a16="http://schemas.microsoft.com/office/drawing/2014/main" xmlns="" id="{72EB1CA3-AADC-5FE8-1312-EB15C4EA256C}"/>
                 </a:ext>
               </a:extLst>
             </p:cNvPr>
@@ -10229,7 +11047,7 @@
           <p:cNvPr id="5" name="Прямоугольник: скругленные углы 4">
             <a:extLst>
               <a:ext uri="{FF2B5EF4-FFF2-40B4-BE49-F238E27FC236}">
-                <a16:creationId xmlns="" xmlns:a16="http://schemas.microsoft.com/office/drawing/2014/main" id="{27797507-305B-6CF1-8262-6E9074C569EE}"/>
+                <a16:creationId xmlns:a16="http://schemas.microsoft.com/office/drawing/2014/main" xmlns="" id="{27797507-305B-6CF1-8262-6E9074C569EE}"/>
               </a:ext>
             </a:extLst>
           </p:cNvPr>
@@ -10296,7 +11114,7 @@
           <p:cNvPr id="7" name="Прямоугольник: скругленные углы 6">
             <a:extLst>
               <a:ext uri="{FF2B5EF4-FFF2-40B4-BE49-F238E27FC236}">
-                <a16:creationId xmlns="" xmlns:a16="http://schemas.microsoft.com/office/drawing/2014/main" id="{0EEBA8C9-C5CF-9344-23B4-0062791B3C7D}"/>
+                <a16:creationId xmlns:a16="http://schemas.microsoft.com/office/drawing/2014/main" xmlns="" id="{0EEBA8C9-C5CF-9344-23B4-0062791B3C7D}"/>
               </a:ext>
             </a:extLst>
           </p:cNvPr>
@@ -10382,7 +11200,7 @@
           <p:cNvPr id="8" name="Прямоугольник: скругленные углы 7">
             <a:extLst>
               <a:ext uri="{FF2B5EF4-FFF2-40B4-BE49-F238E27FC236}">
-                <a16:creationId xmlns="" xmlns:a16="http://schemas.microsoft.com/office/drawing/2014/main" id="{4D45FB51-B182-460E-88DC-6940B893DF00}"/>
+                <a16:creationId xmlns:a16="http://schemas.microsoft.com/office/drawing/2014/main" xmlns="" id="{4D45FB51-B182-460E-88DC-6940B893DF00}"/>
               </a:ext>
             </a:extLst>
           </p:cNvPr>
@@ -10449,7 +11267,7 @@
           <p:cNvPr id="1026" name="Picture 2">
             <a:extLst>
               <a:ext uri="{FF2B5EF4-FFF2-40B4-BE49-F238E27FC236}">
-                <a16:creationId xmlns="" xmlns:a16="http://schemas.microsoft.com/office/drawing/2014/main" id="{C87B00E0-C8F0-BFE6-387C-F54AF15A0078}"/>
+                <a16:creationId xmlns:a16="http://schemas.microsoft.com/office/drawing/2014/main" xmlns="" id="{C87B00E0-C8F0-BFE6-387C-F54AF15A0078}"/>
               </a:ext>
             </a:extLst>
           </p:cNvPr>
@@ -10539,7 +11357,7 @@
           <p:cNvPr id="11" name="Picture 2">
             <a:extLst>
               <a:ext uri="{FF2B5EF4-FFF2-40B4-BE49-F238E27FC236}">
-                <a16:creationId xmlns="" xmlns:a16="http://schemas.microsoft.com/office/drawing/2014/main" id="{59A31428-7FA8-C0F6-606D-B80FE96C1AC6}"/>
+                <a16:creationId xmlns:a16="http://schemas.microsoft.com/office/drawing/2014/main" xmlns="" id="{59A31428-7FA8-C0F6-606D-B80FE96C1AC6}"/>
               </a:ext>
             </a:extLst>
           </p:cNvPr>
@@ -10629,7 +11447,7 @@
           <p:cNvPr id="19" name="TextBox 18">
             <a:extLst>
               <a:ext uri="{FF2B5EF4-FFF2-40B4-BE49-F238E27FC236}">
-                <a16:creationId xmlns="" xmlns:a16="http://schemas.microsoft.com/office/drawing/2014/main" id="{8D179D4A-9EC3-B953-1650-CBF195C3CAEB}"/>
+                <a16:creationId xmlns:a16="http://schemas.microsoft.com/office/drawing/2014/main" xmlns="" id="{8D179D4A-9EC3-B953-1650-CBF195C3CAEB}"/>
               </a:ext>
             </a:extLst>
           </p:cNvPr>
@@ -10678,7 +11496,7 @@
           <p:cNvPr id="18" name="TextBox 17">
             <a:extLst>
               <a:ext uri="{FF2B5EF4-FFF2-40B4-BE49-F238E27FC236}">
-                <a16:creationId xmlns="" xmlns:a16="http://schemas.microsoft.com/office/drawing/2014/main" id="{39957454-551F-105E-93F4-3F0219B67442}"/>
+                <a16:creationId xmlns:a16="http://schemas.microsoft.com/office/drawing/2014/main" xmlns="" id="{39957454-551F-105E-93F4-3F0219B67442}"/>
               </a:ext>
             </a:extLst>
           </p:cNvPr>
@@ -10781,7 +11599,7 @@
           <p:cNvPr id="27" name="TextBox 26">
             <a:extLst>
               <a:ext uri="{FF2B5EF4-FFF2-40B4-BE49-F238E27FC236}">
-                <a16:creationId xmlns="" xmlns:a16="http://schemas.microsoft.com/office/drawing/2014/main" id="{F6EA0B60-FDC8-1E62-6192-E1695B3DAFE4}"/>
+                <a16:creationId xmlns:a16="http://schemas.microsoft.com/office/drawing/2014/main" xmlns="" id="{F6EA0B60-FDC8-1E62-6192-E1695B3DAFE4}"/>
               </a:ext>
             </a:extLst>
           </p:cNvPr>
@@ -11269,7 +12087,7 @@
           <p:cNvPr id="24" name="Прямая соединительная линия 23">
             <a:extLst>
               <a:ext uri="{FF2B5EF4-FFF2-40B4-BE49-F238E27FC236}">
-                <a16:creationId xmlns="" xmlns:a16="http://schemas.microsoft.com/office/drawing/2014/main" id="{A1B15326-EE2B-35D0-38E2-525871A98291}"/>
+                <a16:creationId xmlns:a16="http://schemas.microsoft.com/office/drawing/2014/main" xmlns="" id="{A1B15326-EE2B-35D0-38E2-525871A98291}"/>
               </a:ext>
             </a:extLst>
           </p:cNvPr>
@@ -11312,7 +12130,7 @@
           <p:cNvPr id="20" name="Прямоугольник: скругленные углы 19">
             <a:extLst>
               <a:ext uri="{FF2B5EF4-FFF2-40B4-BE49-F238E27FC236}">
-                <a16:creationId xmlns="" xmlns:a16="http://schemas.microsoft.com/office/drawing/2014/main" id="{7200DFFF-91FA-508E-9108-5AEF5B743FDE}"/>
+                <a16:creationId xmlns:a16="http://schemas.microsoft.com/office/drawing/2014/main" xmlns="" id="{7200DFFF-91FA-508E-9108-5AEF5B743FDE}"/>
               </a:ext>
             </a:extLst>
           </p:cNvPr>
@@ -11389,7 +12207,7 @@
           <p:cNvPr id="35" name="Группа 34">
             <a:extLst>
               <a:ext uri="{FF2B5EF4-FFF2-40B4-BE49-F238E27FC236}">
-                <a16:creationId xmlns="" xmlns:a16="http://schemas.microsoft.com/office/drawing/2014/main" id="{980679B7-9301-3C4D-279E-56AAABE5633D}"/>
+                <a16:creationId xmlns:a16="http://schemas.microsoft.com/office/drawing/2014/main" xmlns="" id="{980679B7-9301-3C4D-279E-56AAABE5633D}"/>
               </a:ext>
             </a:extLst>
           </p:cNvPr>
@@ -11409,7 +12227,7 @@
             <p:cNvPr id="16" name="Прямоугольник: скругленные углы 15">
               <a:extLst>
                 <a:ext uri="{FF2B5EF4-FFF2-40B4-BE49-F238E27FC236}">
-                  <a16:creationId xmlns="" xmlns:a16="http://schemas.microsoft.com/office/drawing/2014/main" id="{17DEE24E-AE5C-6060-1E4F-31183803773B}"/>
+                  <a16:creationId xmlns:a16="http://schemas.microsoft.com/office/drawing/2014/main" xmlns="" id="{17DEE24E-AE5C-6060-1E4F-31183803773B}"/>
                 </a:ext>
               </a:extLst>
             </p:cNvPr>
@@ -11463,7 +12281,7 @@
             <p:cNvPr id="17" name="TextBox 16">
               <a:extLst>
                 <a:ext uri="{FF2B5EF4-FFF2-40B4-BE49-F238E27FC236}">
-                  <a16:creationId xmlns="" xmlns:a16="http://schemas.microsoft.com/office/drawing/2014/main" id="{B5A30E27-64DB-DB16-9268-DE079C27C899}"/>
+                  <a16:creationId xmlns:a16="http://schemas.microsoft.com/office/drawing/2014/main" xmlns="" id="{B5A30E27-64DB-DB16-9268-DE079C27C899}"/>
                 </a:ext>
               </a:extLst>
             </p:cNvPr>
@@ -11506,7 +12324,7 @@
           <p:cNvPr id="21" name="Прямоугольник: скругленные углы 20">
             <a:extLst>
               <a:ext uri="{FF2B5EF4-FFF2-40B4-BE49-F238E27FC236}">
-                <a16:creationId xmlns="" xmlns:a16="http://schemas.microsoft.com/office/drawing/2014/main" id="{9E830177-FE7F-A014-F618-A1B53BCB47AC}"/>
+                <a16:creationId xmlns:a16="http://schemas.microsoft.com/office/drawing/2014/main" xmlns="" id="{9E830177-FE7F-A014-F618-A1B53BCB47AC}"/>
               </a:ext>
             </a:extLst>
           </p:cNvPr>
@@ -11573,7 +12391,7 @@
           <p:cNvPr id="23" name="Picture 2">
             <a:extLst>
               <a:ext uri="{FF2B5EF4-FFF2-40B4-BE49-F238E27FC236}">
-                <a16:creationId xmlns="" xmlns:a16="http://schemas.microsoft.com/office/drawing/2014/main" id="{AB3CC263-3D6C-D0C5-45BE-2320ED5D5460}"/>
+                <a16:creationId xmlns:a16="http://schemas.microsoft.com/office/drawing/2014/main" xmlns="" id="{AB3CC263-3D6C-D0C5-45BE-2320ED5D5460}"/>
               </a:ext>
             </a:extLst>
           </p:cNvPr>
@@ -11663,7 +12481,7 @@
           <p:cNvPr id="28" name="TextBox 27">
             <a:extLst>
               <a:ext uri="{FF2B5EF4-FFF2-40B4-BE49-F238E27FC236}">
-                <a16:creationId xmlns="" xmlns:a16="http://schemas.microsoft.com/office/drawing/2014/main" id="{72E7B982-4345-633F-713F-085BA4AFB56D}"/>
+                <a16:creationId xmlns:a16="http://schemas.microsoft.com/office/drawing/2014/main" xmlns="" id="{72E7B982-4345-633F-713F-085BA4AFB56D}"/>
               </a:ext>
             </a:extLst>
           </p:cNvPr>
@@ -11699,7 +12517,7 @@
           <p:cNvPr id="37" name="Прямоугольник: скругленные углы 36">
             <a:extLst>
               <a:ext uri="{FF2B5EF4-FFF2-40B4-BE49-F238E27FC236}">
-                <a16:creationId xmlns="" xmlns:a16="http://schemas.microsoft.com/office/drawing/2014/main" id="{D57B2660-CFA6-C2FA-8D53-64FF3BC2BC97}"/>
+                <a16:creationId xmlns:a16="http://schemas.microsoft.com/office/drawing/2014/main" xmlns="" id="{D57B2660-CFA6-C2FA-8D53-64FF3BC2BC97}"/>
               </a:ext>
             </a:extLst>
           </p:cNvPr>
@@ -11751,7 +12569,7 @@
           <p:cNvPr id="2" name="Заголовок 1">
             <a:extLst>
               <a:ext uri="{FF2B5EF4-FFF2-40B4-BE49-F238E27FC236}">
-                <a16:creationId xmlns="" xmlns:a16="http://schemas.microsoft.com/office/drawing/2014/main" id="{8FBE95CB-4884-EED8-34D3-41282E64547D}"/>
+                <a16:creationId xmlns:a16="http://schemas.microsoft.com/office/drawing/2014/main" xmlns="" id="{8FBE95CB-4884-EED8-34D3-41282E64547D}"/>
               </a:ext>
             </a:extLst>
           </p:cNvPr>
@@ -11804,7 +12622,7 @@
           <p:cNvPr id="22" name="Picture 2">
             <a:extLst>
               <a:ext uri="{FF2B5EF4-FFF2-40B4-BE49-F238E27FC236}">
-                <a16:creationId xmlns="" xmlns:a16="http://schemas.microsoft.com/office/drawing/2014/main" id="{385033C9-4BBA-89ED-5670-C4EB8B41176B}"/>
+                <a16:creationId xmlns:a16="http://schemas.microsoft.com/office/drawing/2014/main" xmlns="" id="{385033C9-4BBA-89ED-5670-C4EB8B41176B}"/>
               </a:ext>
             </a:extLst>
           </p:cNvPr>
@@ -11894,7 +12712,7 @@
           <p:cNvPr id="39" name="Прямая соединительная линия 38">
             <a:extLst>
               <a:ext uri="{FF2B5EF4-FFF2-40B4-BE49-F238E27FC236}">
-                <a16:creationId xmlns="" xmlns:a16="http://schemas.microsoft.com/office/drawing/2014/main" id="{799E04E1-3E30-42C4-FE2E-7A4526498DDF}"/>
+                <a16:creationId xmlns:a16="http://schemas.microsoft.com/office/drawing/2014/main" xmlns="" id="{799E04E1-3E30-42C4-FE2E-7A4526498DDF}"/>
               </a:ext>
             </a:extLst>
           </p:cNvPr>
@@ -11937,7 +12755,7 @@
           <p:cNvPr id="10" name="TextBox 9">
             <a:extLst>
               <a:ext uri="{FF2B5EF4-FFF2-40B4-BE49-F238E27FC236}">
-                <a16:creationId xmlns="" xmlns:a16="http://schemas.microsoft.com/office/drawing/2014/main" id="{C7A62AEC-CA6F-EB09-5C07-129DD8CC78ED}"/>
+                <a16:creationId xmlns:a16="http://schemas.microsoft.com/office/drawing/2014/main" xmlns="" id="{C7A62AEC-CA6F-EB09-5C07-129DD8CC78ED}"/>
               </a:ext>
             </a:extLst>
           </p:cNvPr>
@@ -11974,305 +12792,6 @@
           </a:p>
         </p:txBody>
       </p:sp>
-      <p:sp>
-        <p:nvSpPr>
-          <p:cNvPr id="11" name="Объект 2">
-            <a:extLst>
-              <a:ext uri="{FF2B5EF4-FFF2-40B4-BE49-F238E27FC236}">
-                <a16:creationId xmlns="" xmlns:a16="http://schemas.microsoft.com/office/drawing/2014/main" id="{7A100C38-C72D-F1E1-9C66-87B247FC31D7}"/>
-              </a:ext>
-            </a:extLst>
-          </p:cNvPr>
-          <p:cNvSpPr txBox="1">
-            <a:spLocks/>
-          </p:cNvSpPr>
-          <p:nvPr/>
-        </p:nvSpPr>
-        <p:spPr>
-          <a:xfrm>
-            <a:off x="603124" y="1588339"/>
-            <a:ext cx="6515431" cy="2146607"/>
-          </a:xfrm>
-          <a:prstGeom prst="rect">
-            <a:avLst/>
-          </a:prstGeom>
-        </p:spPr>
-        <p:txBody>
-          <a:bodyPr vert="horz" lIns="91440" tIns="45720" rIns="91440" bIns="45720" rtlCol="0">
-            <a:normAutofit/>
-          </a:bodyPr>
-          <a:lstStyle>
-            <a:lvl1pPr marL="228600" indent="-228600" algn="l" defTabSz="914400" rtl="0" eaLnBrk="1" latinLnBrk="0" hangingPunct="1">
-              <a:lnSpc>
-                <a:spcPct val="90000"/>
-              </a:lnSpc>
-              <a:spcBef>
-                <a:spcPts val="1000"/>
-              </a:spcBef>
-              <a:buFont typeface="Arial" panose="020B0604020202020204" pitchFamily="34" charset="0"/>
-              <a:buChar char="•"/>
-              <a:defRPr sz="2800" kern="1200">
-                <a:solidFill>
-                  <a:schemeClr val="tx1"/>
-                </a:solidFill>
-                <a:latin typeface="+mn-lt"/>
-                <a:ea typeface="+mn-ea"/>
-                <a:cs typeface="+mn-cs"/>
-              </a:defRPr>
-            </a:lvl1pPr>
-            <a:lvl2pPr marL="685800" indent="-228600" algn="l" defTabSz="914400" rtl="0" eaLnBrk="1" latinLnBrk="0" hangingPunct="1">
-              <a:lnSpc>
-                <a:spcPct val="90000"/>
-              </a:lnSpc>
-              <a:spcBef>
-                <a:spcPts val="500"/>
-              </a:spcBef>
-              <a:buFont typeface="Arial" panose="020B0604020202020204" pitchFamily="34" charset="0"/>
-              <a:buChar char="•"/>
-              <a:defRPr sz="2400" kern="1200">
-                <a:solidFill>
-                  <a:schemeClr val="tx1"/>
-                </a:solidFill>
-                <a:latin typeface="+mn-lt"/>
-                <a:ea typeface="+mn-ea"/>
-                <a:cs typeface="+mn-cs"/>
-              </a:defRPr>
-            </a:lvl2pPr>
-            <a:lvl3pPr marL="1143000" indent="-228600" algn="l" defTabSz="914400" rtl="0" eaLnBrk="1" latinLnBrk="0" hangingPunct="1">
-              <a:lnSpc>
-                <a:spcPct val="90000"/>
-              </a:lnSpc>
-              <a:spcBef>
-                <a:spcPts val="500"/>
-              </a:spcBef>
-              <a:buFont typeface="Arial" panose="020B0604020202020204" pitchFamily="34" charset="0"/>
-              <a:buChar char="•"/>
-              <a:defRPr sz="2000" kern="1200">
-                <a:solidFill>
-                  <a:schemeClr val="tx1"/>
-                </a:solidFill>
-                <a:latin typeface="+mn-lt"/>
-                <a:ea typeface="+mn-ea"/>
-                <a:cs typeface="+mn-cs"/>
-              </a:defRPr>
-            </a:lvl3pPr>
-            <a:lvl4pPr marL="1600200" indent="-228600" algn="l" defTabSz="914400" rtl="0" eaLnBrk="1" latinLnBrk="0" hangingPunct="1">
-              <a:lnSpc>
-                <a:spcPct val="90000"/>
-              </a:lnSpc>
-              <a:spcBef>
-                <a:spcPts val="500"/>
-              </a:spcBef>
-              <a:buFont typeface="Arial" panose="020B0604020202020204" pitchFamily="34" charset="0"/>
-              <a:buChar char="•"/>
-              <a:defRPr sz="1800" kern="1200">
-                <a:solidFill>
-                  <a:schemeClr val="tx1"/>
-                </a:solidFill>
-                <a:latin typeface="+mn-lt"/>
-                <a:ea typeface="+mn-ea"/>
-                <a:cs typeface="+mn-cs"/>
-              </a:defRPr>
-            </a:lvl4pPr>
-            <a:lvl5pPr marL="2057400" indent="-228600" algn="l" defTabSz="914400" rtl="0" eaLnBrk="1" latinLnBrk="0" hangingPunct="1">
-              <a:lnSpc>
-                <a:spcPct val="90000"/>
-              </a:lnSpc>
-              <a:spcBef>
-                <a:spcPts val="500"/>
-              </a:spcBef>
-              <a:buFont typeface="Arial" panose="020B0604020202020204" pitchFamily="34" charset="0"/>
-              <a:buChar char="•"/>
-              <a:defRPr sz="1800" kern="1200">
-                <a:solidFill>
-                  <a:schemeClr val="tx1"/>
-                </a:solidFill>
-                <a:latin typeface="+mn-lt"/>
-                <a:ea typeface="+mn-ea"/>
-                <a:cs typeface="+mn-cs"/>
-              </a:defRPr>
-            </a:lvl5pPr>
-            <a:lvl6pPr marL="2514600" indent="-228600" algn="l" defTabSz="914400" rtl="0" eaLnBrk="1" latinLnBrk="0" hangingPunct="1">
-              <a:lnSpc>
-                <a:spcPct val="90000"/>
-              </a:lnSpc>
-              <a:spcBef>
-                <a:spcPts val="500"/>
-              </a:spcBef>
-              <a:buFont typeface="Arial" panose="020B0604020202020204" pitchFamily="34" charset="0"/>
-              <a:buChar char="•"/>
-              <a:defRPr sz="1800" kern="1200">
-                <a:solidFill>
-                  <a:schemeClr val="tx1"/>
-                </a:solidFill>
-                <a:latin typeface="+mn-lt"/>
-                <a:ea typeface="+mn-ea"/>
-                <a:cs typeface="+mn-cs"/>
-              </a:defRPr>
-            </a:lvl6pPr>
-            <a:lvl7pPr marL="2971800" indent="-228600" algn="l" defTabSz="914400" rtl="0" eaLnBrk="1" latinLnBrk="0" hangingPunct="1">
-              <a:lnSpc>
-                <a:spcPct val="90000"/>
-              </a:lnSpc>
-              <a:spcBef>
-                <a:spcPts val="500"/>
-              </a:spcBef>
-              <a:buFont typeface="Arial" panose="020B0604020202020204" pitchFamily="34" charset="0"/>
-              <a:buChar char="•"/>
-              <a:defRPr sz="1800" kern="1200">
-                <a:solidFill>
-                  <a:schemeClr val="tx1"/>
-                </a:solidFill>
-                <a:latin typeface="+mn-lt"/>
-                <a:ea typeface="+mn-ea"/>
-                <a:cs typeface="+mn-cs"/>
-              </a:defRPr>
-            </a:lvl7pPr>
-            <a:lvl8pPr marL="3429000" indent="-228600" algn="l" defTabSz="914400" rtl="0" eaLnBrk="1" latinLnBrk="0" hangingPunct="1">
-              <a:lnSpc>
-                <a:spcPct val="90000"/>
-              </a:lnSpc>
-              <a:spcBef>
-                <a:spcPts val="500"/>
-              </a:spcBef>
-              <a:buFont typeface="Arial" panose="020B0604020202020204" pitchFamily="34" charset="0"/>
-              <a:buChar char="•"/>
-              <a:defRPr sz="1800" kern="1200">
-                <a:solidFill>
-                  <a:schemeClr val="tx1"/>
-                </a:solidFill>
-                <a:latin typeface="+mn-lt"/>
-                <a:ea typeface="+mn-ea"/>
-                <a:cs typeface="+mn-cs"/>
-              </a:defRPr>
-            </a:lvl8pPr>
-            <a:lvl9pPr marL="3886200" indent="-228600" algn="l" defTabSz="914400" rtl="0" eaLnBrk="1" latinLnBrk="0" hangingPunct="1">
-              <a:lnSpc>
-                <a:spcPct val="90000"/>
-              </a:lnSpc>
-              <a:spcBef>
-                <a:spcPts val="500"/>
-              </a:spcBef>
-              <a:buFont typeface="Arial" panose="020B0604020202020204" pitchFamily="34" charset="0"/>
-              <a:buChar char="•"/>
-              <a:defRPr sz="1800" kern="1200">
-                <a:solidFill>
-                  <a:schemeClr val="tx1"/>
-                </a:solidFill>
-                <a:latin typeface="+mn-lt"/>
-                <a:ea typeface="+mn-ea"/>
-                <a:cs typeface="+mn-cs"/>
-              </a:defRPr>
-            </a:lvl9pPr>
-          </a:lstStyle>
-          <a:p>
-            <a:pPr marL="0" indent="0">
-              <a:buFont typeface="Arial" panose="020B0604020202020204" pitchFamily="34" charset="0"/>
-              <a:buNone/>
-            </a:pPr>
-            <a:r>
-              <a:rPr lang="ru-RU" sz="2000" dirty="0" smtClean="0">
-                <a:solidFill>
-                  <a:srgbClr val="F56F9F"/>
-                </a:solidFill>
-              </a:rPr>
-              <a:t>Нахождение </a:t>
-            </a:r>
-            <a:endParaRPr lang="en-GB" sz="2000" dirty="0">
-              <a:solidFill>
-                <a:srgbClr val="F56F9F"/>
-              </a:solidFill>
-            </a:endParaRPr>
-          </a:p>
-        </p:txBody>
-      </p:sp>
-      <p:pic>
-        <p:nvPicPr>
-          <p:cNvPr id="15" name="Рисунок 14">
-            <a:extLst>
-              <a:ext uri="{FF2B5EF4-FFF2-40B4-BE49-F238E27FC236}">
-                <a16:creationId xmlns="" xmlns:a16="http://schemas.microsoft.com/office/drawing/2014/main" id="{05129A22-7DDC-7F84-7DDE-BFDF5701D300}"/>
-              </a:ext>
-            </a:extLst>
-          </p:cNvPr>
-          <p:cNvPicPr>
-            <a:picLocks noChangeAspect="1"/>
-          </p:cNvPicPr>
-          <p:nvPr/>
-        </p:nvPicPr>
-        <p:blipFill>
-          <a:blip r:embed="rId4"/>
-          <a:stretch>
-            <a:fillRect/>
-          </a:stretch>
-        </p:blipFill>
-        <p:spPr>
-          <a:xfrm>
-            <a:off x="1668474" y="2453878"/>
-            <a:ext cx="7848997" cy="2932096"/>
-          </a:xfrm>
-          <a:prstGeom prst="rect">
-            <a:avLst/>
-          </a:prstGeom>
-        </p:spPr>
-      </p:pic>
-      <p:pic>
-        <p:nvPicPr>
-          <p:cNvPr id="19" name="Рисунок 18">
-            <a:extLst>
-              <a:ext uri="{FF2B5EF4-FFF2-40B4-BE49-F238E27FC236}">
-                <a16:creationId xmlns="" xmlns:a16="http://schemas.microsoft.com/office/drawing/2014/main" id="{F9672CD5-CEB3-7B77-D74A-C68928940720}"/>
-              </a:ext>
-            </a:extLst>
-          </p:cNvPr>
-          <p:cNvPicPr>
-            <a:picLocks noChangeAspect="1"/>
-          </p:cNvPicPr>
-          <p:nvPr/>
-        </p:nvPicPr>
-        <p:blipFill>
-          <a:blip r:embed="rId5">
-            <a:extLst>
-              <a:ext uri="{BEBA8EAE-BF5A-486C-A8C5-ECC9F3942E4B}">
-                <a14:imgProps xmlns:a14="http://schemas.microsoft.com/office/drawing/2010/main">
-                  <a14:imgLayer r:embed="rId6">
-                    <a14:imgEffect>
-                      <a14:backgroundRemoval t="1556" b="98778" l="10000" r="90000">
-                        <a14:foregroundMark x1="27889" y1="5111" x2="33667" y2="9222"/>
-                        <a14:foregroundMark x1="33667" y1="9222" x2="45111" y2="10889"/>
-                        <a14:foregroundMark x1="45111" y1="10889" x2="47444" y2="8889"/>
-                        <a14:foregroundMark x1="48889" y1="4889" x2="48889" y2="4889"/>
-                        <a14:foregroundMark x1="27333" y1="1556" x2="27333" y2="1556"/>
-                        <a14:foregroundMark x1="41667" y1="94667" x2="44111" y2="89778"/>
-                        <a14:foregroundMark x1="25889" y1="96333" x2="27222" y2="94778"/>
-                        <a14:foregroundMark x1="40000" y1="97667" x2="42444" y2="95222"/>
-                        <a14:foregroundMark x1="44444" y1="98778" x2="44444" y2="97333"/>
-                        <a14:backgroundMark x1="34667" y1="71000" x2="34667" y2="71000"/>
-                        <a14:backgroundMark x1="42556" y1="37222" x2="42556" y2="37222"/>
-                        <a14:backgroundMark x1="44889" y1="37556" x2="44889" y2="37556"/>
-                        <a14:backgroundMark x1="42556" y1="38556" x2="42556" y2="38556"/>
-                        <a14:backgroundMark x1="35111" y1="36667" x2="35111" y2="36667"/>
-                      </a14:backgroundRemoval>
-                    </a14:imgEffect>
-                  </a14:imgLayer>
-                </a14:imgProps>
-              </a:ext>
-            </a:extLst>
-          </a:blip>
-          <a:stretch>
-            <a:fillRect/>
-          </a:stretch>
-        </p:blipFill>
-        <p:spPr>
-          <a:xfrm flipH="1">
-            <a:off x="-419251" y="3372371"/>
-            <a:ext cx="2231923" cy="2231923"/>
-          </a:xfrm>
-          <a:prstGeom prst="rect">
-            <a:avLst/>
-          </a:prstGeom>
-        </p:spPr>
-      </p:pic>
       <p:pic>
         <p:nvPicPr>
           <p:cNvPr id="36" name="Рисунок 35"/>
@@ -12282,7 +12801,7 @@
           <p:nvPr/>
         </p:nvPicPr>
         <p:blipFill>
-          <a:blip r:embed="rId7">
+          <a:blip r:embed="rId4">
             <a:extLst>
               <a:ext uri="{28A0092B-C50C-407E-A947-70E740481C1C}">
                 <a14:useLocalDpi xmlns:a14="http://schemas.microsoft.com/office/drawing/2010/main" val="0"/>
@@ -12312,7 +12831,7 @@
           <p:nvPr/>
         </p:nvPicPr>
         <p:blipFill>
-          <a:blip r:embed="rId8" cstate="print">
+          <a:blip r:embed="rId5" cstate="print">
             <a:extLst>
               <a:ext uri="{28A0092B-C50C-407E-A947-70E740481C1C}">
                 <a14:useLocalDpi xmlns:a14="http://schemas.microsoft.com/office/drawing/2010/main" val="0"/>
@@ -12338,7 +12857,7 @@
           <p:cNvPr id="40" name="TextBox 39">
             <a:extLst>
               <a:ext uri="{FF2B5EF4-FFF2-40B4-BE49-F238E27FC236}">
-                <a16:creationId xmlns="" xmlns:a16="http://schemas.microsoft.com/office/drawing/2014/main" id="{F6EA0B60-FDC8-1E62-6192-E1695B3DAFE4}"/>
+                <a16:creationId xmlns:a16="http://schemas.microsoft.com/office/drawing/2014/main" xmlns="" id="{F6EA0B60-FDC8-1E62-6192-E1695B3DAFE4}"/>
               </a:ext>
             </a:extLst>
           </p:cNvPr>
@@ -12378,6 +12897,132 @@
               <a:latin typeface="Roboto" panose="02000000000000000000" pitchFamily="2" charset="0"/>
               <a:ea typeface="Roboto" panose="02000000000000000000" pitchFamily="2" charset="0"/>
             </a:endParaRPr>
+          </a:p>
+        </p:txBody>
+      </p:sp>
+      <p:pic>
+        <p:nvPicPr>
+          <p:cNvPr id="1027" name="Picture 3" descr="C:\Users\Михаил\Downloads\msg-4077270499-240360.jpg"/>
+          <p:cNvPicPr>
+            <a:picLocks noChangeAspect="1" noChangeArrowheads="1"/>
+          </p:cNvPicPr>
+          <p:nvPr/>
+        </p:nvPicPr>
+        <p:blipFill rotWithShape="1">
+          <a:blip r:embed="rId6">
+            <a:extLst>
+              <a:ext uri="{28A0092B-C50C-407E-A947-70E740481C1C}">
+                <a14:useLocalDpi xmlns:a14="http://schemas.microsoft.com/office/drawing/2010/main" val="0"/>
+              </a:ext>
+            </a:extLst>
+          </a:blip>
+          <a:srcRect l="7006" t="29316" r="21199" b="31807"/>
+          <a:stretch/>
+        </p:blipFill>
+        <p:spPr bwMode="auto">
+          <a:xfrm>
+            <a:off x="1006979" y="2060294"/>
+            <a:ext cx="2721705" cy="3159890"/>
+          </a:xfrm>
+          <a:prstGeom prst="rect">
+            <a:avLst/>
+          </a:prstGeom>
+          <a:noFill/>
+          <a:extLst>
+            <a:ext uri="{909E8E84-426E-40DD-AFC4-6F175D3DCCD1}">
+              <a14:hiddenFill xmlns:a14="http://schemas.microsoft.com/office/drawing/2010/main">
+                <a:solidFill>
+                  <a:srgbClr val="FFFFFF"/>
+                </a:solidFill>
+              </a14:hiddenFill>
+            </a:ext>
+          </a:extLst>
+        </p:spPr>
+      </p:pic>
+      <p:pic>
+        <p:nvPicPr>
+          <p:cNvPr id="1028" name="Picture 4" descr="C:\Users\Михаил\Downloads\msg-4077270499-240361.jpg"/>
+          <p:cNvPicPr>
+            <a:picLocks noChangeAspect="1" noChangeArrowheads="1"/>
+          </p:cNvPicPr>
+          <p:nvPr/>
+        </p:nvPicPr>
+        <p:blipFill rotWithShape="1">
+          <a:blip r:embed="rId7">
+            <a:extLst>
+              <a:ext uri="{28A0092B-C50C-407E-A947-70E740481C1C}">
+                <a14:useLocalDpi xmlns:a14="http://schemas.microsoft.com/office/drawing/2010/main" val="0"/>
+              </a:ext>
+            </a:extLst>
+          </a:blip>
+          <a:srcRect l="5576" t="29137" r="20587" b="32271"/>
+          <a:stretch/>
+        </p:blipFill>
+        <p:spPr bwMode="auto">
+          <a:xfrm>
+            <a:off x="5538656" y="1998811"/>
+            <a:ext cx="2799082" cy="3136739"/>
+          </a:xfrm>
+          <a:prstGeom prst="rect">
+            <a:avLst/>
+          </a:prstGeom>
+          <a:noFill/>
+          <a:extLst>
+            <a:ext uri="{909E8E84-426E-40DD-AFC4-6F175D3DCCD1}">
+              <a14:hiddenFill xmlns:a14="http://schemas.microsoft.com/office/drawing/2010/main">
+                <a:solidFill>
+                  <a:srgbClr val="FFFFFF"/>
+                </a:solidFill>
+              </a14:hiddenFill>
+            </a:ext>
+          </a:extLst>
+        </p:spPr>
+      </p:pic>
+      <p:sp>
+        <p:nvSpPr>
+          <p:cNvPr id="4" name="Стрелка вправо 3"/>
+          <p:cNvSpPr/>
+          <p:nvPr/>
+        </p:nvSpPr>
+        <p:spPr>
+          <a:xfrm>
+            <a:off x="4074289" y="3078868"/>
+            <a:ext cx="1296364" cy="561371"/>
+          </a:xfrm>
+          <a:prstGeom prst="rightArrow">
+            <a:avLst/>
+          </a:prstGeom>
+          <a:solidFill>
+            <a:srgbClr val="F1879B"/>
+          </a:solidFill>
+          <a:ln>
+            <a:solidFill>
+              <a:srgbClr val="F1879B"/>
+            </a:solidFill>
+          </a:ln>
+        </p:spPr>
+        <p:style>
+          <a:lnRef idx="2">
+            <a:schemeClr val="accent1">
+              <a:shade val="50000"/>
+            </a:schemeClr>
+          </a:lnRef>
+          <a:fillRef idx="1">
+            <a:schemeClr val="accent1"/>
+          </a:fillRef>
+          <a:effectRef idx="0">
+            <a:schemeClr val="accent1"/>
+          </a:effectRef>
+          <a:fontRef idx="minor">
+            <a:schemeClr val="lt1"/>
+          </a:fontRef>
+        </p:style>
+        <p:txBody>
+          <a:bodyPr rtlCol="0" anchor="ctr"/>
+          <a:lstStyle/>
+          <a:p>
+            <a:pPr algn="ctr"/>
+            <a:endParaRPr lang="ru-RU"/>
           </a:p>
         </p:txBody>
       </p:sp>
@@ -12421,12 +13066,55 @@
           <a:chExt cx="0" cy="0"/>
         </a:xfrm>
       </p:grpSpPr>
-      <p:sp>
-        <p:nvSpPr>
-          <p:cNvPr id="6" name="Прямоугольник: скругленные углы 5">
+      <p:cxnSp>
+        <p:nvCxnSpPr>
+          <p:cNvPr id="24" name="Прямая соединительная линия 23">
             <a:extLst>
               <a:ext uri="{FF2B5EF4-FFF2-40B4-BE49-F238E27FC236}">
-                <a16:creationId xmlns="" xmlns:a16="http://schemas.microsoft.com/office/drawing/2014/main" id="{07274652-D80D-0507-ADB0-4E7675E5DF34}"/>
+                <a16:creationId xmlns:a16="http://schemas.microsoft.com/office/drawing/2014/main" xmlns="" id="{A1B15326-EE2B-35D0-38E2-525871A98291}"/>
+              </a:ext>
+            </a:extLst>
+          </p:cNvPr>
+          <p:cNvCxnSpPr>
+            <a:cxnSpLocks/>
+          </p:cNvCxnSpPr>
+          <p:nvPr/>
+        </p:nvCxnSpPr>
+        <p:spPr>
+          <a:xfrm>
+            <a:off x="196645" y="5973720"/>
+            <a:ext cx="11757936" cy="0"/>
+          </a:xfrm>
+          <a:prstGeom prst="line">
+            <a:avLst/>
+          </a:prstGeom>
+          <a:ln>
+            <a:solidFill>
+              <a:srgbClr val="F1879B"/>
+            </a:solidFill>
+          </a:ln>
+        </p:spPr>
+        <p:style>
+          <a:lnRef idx="1">
+            <a:schemeClr val="accent1"/>
+          </a:lnRef>
+          <a:fillRef idx="0">
+            <a:schemeClr val="accent1"/>
+          </a:fillRef>
+          <a:effectRef idx="0">
+            <a:schemeClr val="accent1"/>
+          </a:effectRef>
+          <a:fontRef idx="minor">
+            <a:schemeClr val="tx1"/>
+          </a:fontRef>
+        </p:style>
+      </p:cxnSp>
+      <p:sp>
+        <p:nvSpPr>
+          <p:cNvPr id="20" name="Прямоугольник: скругленные углы 19">
+            <a:extLst>
+              <a:ext uri="{FF2B5EF4-FFF2-40B4-BE49-F238E27FC236}">
+                <a16:creationId xmlns:a16="http://schemas.microsoft.com/office/drawing/2014/main" xmlns="" id="{7200DFFF-91FA-508E-9108-5AEF5B743FDE}"/>
               </a:ext>
             </a:extLst>
           </p:cNvPr>
@@ -12435,8 +13123,8 @@
         </p:nvSpPr>
         <p:spPr>
           <a:xfrm>
-            <a:off x="1917291" y="325794"/>
-            <a:ext cx="10151808" cy="5487849"/>
+            <a:off x="275303" y="286467"/>
+            <a:ext cx="9615949" cy="5438685"/>
           </a:xfrm>
           <a:prstGeom prst="roundRect">
             <a:avLst>
@@ -12444,7 +13132,7 @@
             </a:avLst>
           </a:prstGeom>
           <a:solidFill>
-            <a:srgbClr val="F1879B"/>
+            <a:schemeClr val="tx1"/>
           </a:solidFill>
           <a:ln>
             <a:noFill/>
@@ -12480,20 +13168,30 @@
             <a:pPr algn="ctr"/>
             <a:endParaRPr lang="ru-RU" sz="2800" dirty="0">
               <a:solidFill>
-                <a:schemeClr val="tx1"/>
+                <a:srgbClr val="F56F9F"/>
               </a:solidFill>
               <a:latin typeface="Roboto" panose="02000000000000000000" pitchFamily="2" charset="0"/>
               <a:ea typeface="Roboto" panose="02000000000000000000" pitchFamily="2" charset="0"/>
             </a:endParaRPr>
           </a:p>
+          <a:p>
+            <a:pPr algn="ctr"/>
+            <a:endParaRPr lang="ru-RU" sz="2800" dirty="0">
+              <a:solidFill>
+                <a:srgbClr val="F56F9F"/>
+              </a:solidFill>
+              <a:latin typeface="Roboto" panose="02000000000000000000" pitchFamily="2" charset="0"/>
+              <a:ea typeface="Roboto" panose="02000000000000000000" pitchFamily="2" charset="0"/>
+            </a:endParaRPr>
+          </a:p>
         </p:txBody>
       </p:sp>
       <p:grpSp>
         <p:nvGrpSpPr>
-          <p:cNvPr id="28" name="Группа 27">
+          <p:cNvPr id="35" name="Группа 34">
             <a:extLst>
               <a:ext uri="{FF2B5EF4-FFF2-40B4-BE49-F238E27FC236}">
-                <a16:creationId xmlns="" xmlns:a16="http://schemas.microsoft.com/office/drawing/2014/main" id="{CAD0A39F-23D3-FB56-62C8-F0511870F31D}"/>
+                <a16:creationId xmlns:a16="http://schemas.microsoft.com/office/drawing/2014/main" xmlns="" id="{980679B7-9301-3C4D-279E-56AAABE5633D}"/>
               </a:ext>
             </a:extLst>
           </p:cNvPr>
@@ -12502,9 +13200,9 @@
         </p:nvGrpSpPr>
         <p:grpSpPr>
           <a:xfrm>
-            <a:off x="11436259" y="6125510"/>
+            <a:off x="11436259" y="6120980"/>
             <a:ext cx="343770" cy="582524"/>
-            <a:chOff x="11361525" y="6152957"/>
+            <a:chOff x="11436620" y="6175884"/>
             <a:chExt cx="343770" cy="582524"/>
           </a:xfrm>
         </p:grpSpPr>
@@ -12513,7 +13211,7 @@
             <p:cNvPr id="16" name="Прямоугольник: скругленные углы 15">
               <a:extLst>
                 <a:ext uri="{FF2B5EF4-FFF2-40B4-BE49-F238E27FC236}">
-                  <a16:creationId xmlns="" xmlns:a16="http://schemas.microsoft.com/office/drawing/2014/main" id="{A6C5BE62-1EE3-0784-DFC2-D1345A8905C6}"/>
+                  <a16:creationId xmlns:a16="http://schemas.microsoft.com/office/drawing/2014/main" xmlns="" id="{17DEE24E-AE5C-6060-1E4F-31183803773B}"/>
                 </a:ext>
               </a:extLst>
             </p:cNvPr>
@@ -12522,7 +13220,7 @@
           </p:nvSpPr>
           <p:spPr>
             <a:xfrm>
-              <a:off x="11424661" y="6152957"/>
+              <a:off x="11499756" y="6175884"/>
               <a:ext cx="280634" cy="582524"/>
             </a:xfrm>
             <a:prstGeom prst="roundRect">
@@ -12567,7 +13265,7 @@
             <p:cNvPr id="17" name="TextBox 16">
               <a:extLst>
                 <a:ext uri="{FF2B5EF4-FFF2-40B4-BE49-F238E27FC236}">
-                  <a16:creationId xmlns="" xmlns:a16="http://schemas.microsoft.com/office/drawing/2014/main" id="{B02AD2C9-93DE-7512-03C3-9D18BC285AFF}"/>
+                  <a16:creationId xmlns:a16="http://schemas.microsoft.com/office/drawing/2014/main" xmlns="" id="{B5A30E27-64DB-DB16-9268-DE079C27C899}"/>
                 </a:ext>
               </a:extLst>
             </p:cNvPr>
@@ -12576,7 +13274,7 @@
           </p:nvSpPr>
           <p:spPr>
             <a:xfrm>
-              <a:off x="11361525" y="6216742"/>
+              <a:off x="11436620" y="6239669"/>
               <a:ext cx="308376" cy="461665"/>
             </a:xfrm>
             <a:prstGeom prst="rect">
@@ -12595,7 +13293,7 @@
                   <a:latin typeface="FRM325x8" panose="02000603000000000000" pitchFamily="2" charset="0"/>
                   <a:ea typeface="FRM325x8" panose="02000603000000000000" pitchFamily="2" charset="0"/>
                 </a:rPr>
-                <a:t>6</a:t>
+                <a:t>5</a:t>
               </a:r>
               <a:endParaRPr lang="en-GB" dirty="0">
                 <a:latin typeface="FRM325x8" panose="02000603000000000000" pitchFamily="2" charset="0"/>
@@ -12607,10 +13305,10 @@
       </p:grpSp>
       <p:sp>
         <p:nvSpPr>
-          <p:cNvPr id="7" name="Прямоугольник: скругленные углы 6">
+          <p:cNvPr id="21" name="Прямоугольник: скругленные углы 20">
             <a:extLst>
               <a:ext uri="{FF2B5EF4-FFF2-40B4-BE49-F238E27FC236}">
-                <a16:creationId xmlns="" xmlns:a16="http://schemas.microsoft.com/office/drawing/2014/main" id="{34DD0CFE-70ED-685B-AC52-CA72A323CBFF}"/>
+                <a16:creationId xmlns:a16="http://schemas.microsoft.com/office/drawing/2014/main" xmlns="" id="{9E830177-FE7F-A014-F618-A1B53BCB47AC}"/>
               </a:ext>
             </a:extLst>
           </p:cNvPr>
@@ -12619,8 +13317,8 @@
         </p:nvSpPr>
         <p:spPr>
           <a:xfrm>
-            <a:off x="275303" y="3755941"/>
-            <a:ext cx="1494503" cy="2097030"/>
+            <a:off x="10068232" y="2959862"/>
+            <a:ext cx="2000865" cy="2834467"/>
           </a:xfrm>
           <a:prstGeom prst="roundRect">
             <a:avLst>
@@ -12628,7 +13326,7 @@
             </a:avLst>
           </a:prstGeom>
           <a:solidFill>
-            <a:schemeClr val="tx1"/>
+            <a:srgbClr val="F1879B"/>
           </a:solidFill>
           <a:ln>
             <a:noFill/>
@@ -12664,30 +13362,20 @@
             <a:pPr algn="ctr"/>
             <a:endParaRPr lang="ru-RU" sz="2800" dirty="0">
               <a:solidFill>
-                <a:srgbClr val="5FD0E3"/>
+                <a:schemeClr val="tx1"/>
               </a:solidFill>
               <a:latin typeface="Roboto" panose="02000000000000000000" pitchFamily="2" charset="0"/>
               <a:ea typeface="Roboto" panose="02000000000000000000" pitchFamily="2" charset="0"/>
             </a:endParaRPr>
           </a:p>
-          <a:p>
-            <a:pPr algn="ctr"/>
-            <a:endParaRPr lang="ru-RU" sz="2800" dirty="0">
-              <a:solidFill>
-                <a:srgbClr val="5FD0E3"/>
-              </a:solidFill>
-              <a:latin typeface="Roboto" panose="02000000000000000000" pitchFamily="2" charset="0"/>
-              <a:ea typeface="Roboto" panose="02000000000000000000" pitchFamily="2" charset="0"/>
-            </a:endParaRPr>
-          </a:p>
         </p:txBody>
       </p:sp>
       <p:pic>
         <p:nvPicPr>
-          <p:cNvPr id="15" name="Picture 2">
+          <p:cNvPr id="23" name="Picture 2">
             <a:extLst>
               <a:ext uri="{FF2B5EF4-FFF2-40B4-BE49-F238E27FC236}">
-                <a16:creationId xmlns="" xmlns:a16="http://schemas.microsoft.com/office/drawing/2014/main" id="{3FDB52F7-5DFD-037E-D81F-567D0B68E5EF}"/>
+                <a16:creationId xmlns:a16="http://schemas.microsoft.com/office/drawing/2014/main" xmlns="" id="{AB3CC263-3D6C-D0C5-45BE-2320ED5D5460}"/>
               </a:ext>
             </a:extLst>
           </p:cNvPr>
@@ -12754,7 +13442,7 @@
         </p:blipFill>
         <p:spPr bwMode="auto">
           <a:xfrm>
-            <a:off x="631874" y="4413776"/>
+            <a:off x="10677984" y="3995895"/>
             <a:ext cx="781360" cy="781360"/>
           </a:xfrm>
           <a:prstGeom prst="rect">
@@ -12772,55 +13460,12 @@
           </a:extLst>
         </p:spPr>
       </p:pic>
-      <p:cxnSp>
-        <p:nvCxnSpPr>
-          <p:cNvPr id="21" name="Прямая соединительная линия 20">
+      <p:sp>
+        <p:nvSpPr>
+          <p:cNvPr id="28" name="TextBox 27">
             <a:extLst>
               <a:ext uri="{FF2B5EF4-FFF2-40B4-BE49-F238E27FC236}">
-                <a16:creationId xmlns="" xmlns:a16="http://schemas.microsoft.com/office/drawing/2014/main" id="{9F275A0D-C3A4-58CF-1898-D1AD3984A293}"/>
-              </a:ext>
-            </a:extLst>
-          </p:cNvPr>
-          <p:cNvCxnSpPr>
-            <a:cxnSpLocks/>
-          </p:cNvCxnSpPr>
-          <p:nvPr/>
-        </p:nvCxnSpPr>
-        <p:spPr>
-          <a:xfrm>
-            <a:off x="196645" y="5973720"/>
-            <a:ext cx="11757936" cy="0"/>
-          </a:xfrm>
-          <a:prstGeom prst="line">
-            <a:avLst/>
-          </a:prstGeom>
-          <a:ln>
-            <a:solidFill>
-              <a:srgbClr val="5FD0E3"/>
-            </a:solidFill>
-          </a:ln>
-        </p:spPr>
-        <p:style>
-          <a:lnRef idx="1">
-            <a:schemeClr val="accent1"/>
-          </a:lnRef>
-          <a:fillRef idx="0">
-            <a:schemeClr val="accent1"/>
-          </a:fillRef>
-          <a:effectRef idx="0">
-            <a:schemeClr val="accent1"/>
-          </a:effectRef>
-          <a:fontRef idx="minor">
-            <a:schemeClr val="tx1"/>
-          </a:fontRef>
-        </p:style>
-      </p:cxnSp>
-      <p:sp>
-        <p:nvSpPr>
-          <p:cNvPr id="24" name="TextBox 23">
-            <a:extLst>
-              <a:ext uri="{FF2B5EF4-FFF2-40B4-BE49-F238E27FC236}">
-                <a16:creationId xmlns="" xmlns:a16="http://schemas.microsoft.com/office/drawing/2014/main" id="{15D5A8C8-12F2-C771-222D-16B9A0F64D72}"/>
+                <a16:creationId xmlns:a16="http://schemas.microsoft.com/office/drawing/2014/main" xmlns="" id="{72E7B982-4345-633F-713F-085BA4AFB56D}"/>
               </a:ext>
             </a:extLst>
           </p:cNvPr>
@@ -12853,10 +13498,10 @@
       </p:sp>
       <p:sp>
         <p:nvSpPr>
-          <p:cNvPr id="32" name="Прямоугольник: скругленные углы 31">
+          <p:cNvPr id="37" name="Прямоугольник: скругленные углы 36">
             <a:extLst>
               <a:ext uri="{FF2B5EF4-FFF2-40B4-BE49-F238E27FC236}">
-                <a16:creationId xmlns="" xmlns:a16="http://schemas.microsoft.com/office/drawing/2014/main" id="{8112D26B-1D46-298C-FE94-22AD364A1CCF}"/>
+                <a16:creationId xmlns:a16="http://schemas.microsoft.com/office/drawing/2014/main" xmlns="" id="{D57B2660-CFA6-C2FA-8D53-64FF3BC2BC97}"/>
               </a:ext>
             </a:extLst>
           </p:cNvPr>
@@ -12865,14 +13510,14 @@
         </p:nvSpPr>
         <p:spPr>
           <a:xfrm>
-            <a:off x="3915525" y="711006"/>
-            <a:ext cx="7907116" cy="1003128"/>
+            <a:off x="364700" y="636123"/>
+            <a:ext cx="8105705" cy="781360"/>
           </a:xfrm>
           <a:prstGeom prst="roundRect">
             <a:avLst/>
           </a:prstGeom>
           <a:solidFill>
-            <a:schemeClr val="tx1"/>
+            <a:srgbClr val="F1879B"/>
           </a:solidFill>
           <a:ln>
             <a:noFill/>
@@ -12908,7 +13553,7 @@
           <p:cNvPr id="2" name="Заголовок 1">
             <a:extLst>
               <a:ext uri="{FF2B5EF4-FFF2-40B4-BE49-F238E27FC236}">
-                <a16:creationId xmlns="" xmlns:a16="http://schemas.microsoft.com/office/drawing/2014/main" id="{516A5CB9-FF06-0C62-DEAA-549F466E5C7C}"/>
+                <a16:creationId xmlns:a16="http://schemas.microsoft.com/office/drawing/2014/main" xmlns="" id="{8FBE95CB-4884-EED8-34D3-41282E64547D}"/>
               </a:ext>
             </a:extLst>
           </p:cNvPr>
@@ -12921,8 +13566,8 @@
         </p:nvSpPr>
         <p:spPr>
           <a:xfrm>
-            <a:off x="7707861" y="549789"/>
-            <a:ext cx="3379839" cy="1325563"/>
+            <a:off x="1069172" y="586430"/>
+            <a:ext cx="3379839" cy="880746"/>
           </a:xfrm>
         </p:spPr>
         <p:txBody>
@@ -12930,17 +13575,14 @@
           <a:lstStyle/>
           <a:p>
             <a:r>
-              <a:rPr lang="ru-RU" dirty="0" smtClean="0">
-                <a:solidFill>
-                  <a:srgbClr val="F56F9F"/>
-                </a:solidFill>
+              <a:rPr lang="ru-RU" dirty="0">
                 <a:latin typeface="FRM325x8" panose="02000603000000000000" pitchFamily="2" charset="0"/>
                 <a:ea typeface="FRM325x8" panose="02000603000000000000" pitchFamily="2" charset="0"/>
               </a:rPr>
-              <a:t>Задача 2</a:t>
+              <a:t>Задача 1</a:t>
             </a:r>
             <a:r>
-              <a:rPr lang="ru-RU" dirty="0" smtClean="0">
+              <a:rPr lang="ru-RU" dirty="0">
                 <a:solidFill>
                   <a:srgbClr val="5FD0E3"/>
                 </a:solidFill>
@@ -12961,10 +13603,10 @@
       </p:sp>
       <p:pic>
         <p:nvPicPr>
-          <p:cNvPr id="14" name="Picture 2">
+          <p:cNvPr id="22" name="Picture 2">
             <a:extLst>
               <a:ext uri="{FF2B5EF4-FFF2-40B4-BE49-F238E27FC236}">
-                <a16:creationId xmlns="" xmlns:a16="http://schemas.microsoft.com/office/drawing/2014/main" id="{2E43CBCF-318C-3D99-C809-F72F569DC69C}"/>
+                <a16:creationId xmlns:a16="http://schemas.microsoft.com/office/drawing/2014/main" xmlns="" id="{385033C9-4BBA-89ED-5670-C4EB8B41176B}"/>
               </a:ext>
             </a:extLst>
           </p:cNvPr>
@@ -13031,7 +13673,7 @@
         </p:blipFill>
         <p:spPr bwMode="auto">
           <a:xfrm>
-            <a:off x="10998669" y="805470"/>
+            <a:off x="364700" y="610063"/>
             <a:ext cx="781360" cy="781360"/>
           </a:xfrm>
           <a:prstGeom prst="rect">
@@ -13051,10 +13693,10 @@
       </p:pic>
       <p:cxnSp>
         <p:nvCxnSpPr>
-          <p:cNvPr id="33" name="Прямая соединительная линия 32">
+          <p:cNvPr id="39" name="Прямая соединительная линия 38">
             <a:extLst>
               <a:ext uri="{FF2B5EF4-FFF2-40B4-BE49-F238E27FC236}">
-                <a16:creationId xmlns="" xmlns:a16="http://schemas.microsoft.com/office/drawing/2014/main" id="{89BD5D62-A6AD-DAAB-8E0E-1331DFD22567}"/>
+                <a16:creationId xmlns:a16="http://schemas.microsoft.com/office/drawing/2014/main" xmlns="" id="{799E04E1-3E30-42C4-FE2E-7A4526498DDF}"/>
               </a:ext>
             </a:extLst>
           </p:cNvPr>
@@ -13065,7 +13707,7 @@
         </p:nvCxnSpPr>
         <p:spPr>
           <a:xfrm>
-            <a:off x="7698009" y="885255"/>
+            <a:off x="4414686" y="722003"/>
             <a:ext cx="0" cy="633286"/>
           </a:xfrm>
           <a:prstGeom prst="line">
@@ -13073,7 +13715,7 @@
           </a:prstGeom>
           <a:ln w="15875">
             <a:solidFill>
-              <a:srgbClr val="F1879B"/>
+              <a:schemeClr val="tx1"/>
             </a:solidFill>
           </a:ln>
         </p:spPr>
@@ -13094,62 +13736,10 @@
       </p:cxnSp>
       <p:sp>
         <p:nvSpPr>
-          <p:cNvPr id="34" name="Прямоугольник: скругленные углы 33">
+          <p:cNvPr id="10" name="TextBox 9">
             <a:extLst>
               <a:ext uri="{FF2B5EF4-FFF2-40B4-BE49-F238E27FC236}">
-                <a16:creationId xmlns="" xmlns:a16="http://schemas.microsoft.com/office/drawing/2014/main" id="{26605739-DF49-A3E5-F97C-1478D72B29C4}"/>
-              </a:ext>
-            </a:extLst>
-          </p:cNvPr>
-          <p:cNvSpPr/>
-          <p:nvPr/>
-        </p:nvSpPr>
-        <p:spPr>
-          <a:xfrm>
-            <a:off x="-294968" y="422875"/>
-            <a:ext cx="88491" cy="126914"/>
-          </a:xfrm>
-          <a:prstGeom prst="roundRect">
-            <a:avLst/>
-          </a:prstGeom>
-          <a:solidFill>
-            <a:srgbClr val="5FD0E3"/>
-          </a:solidFill>
-          <a:ln>
-            <a:noFill/>
-          </a:ln>
-        </p:spPr>
-        <p:style>
-          <a:lnRef idx="2">
-            <a:schemeClr val="accent1">
-              <a:shade val="15000"/>
-            </a:schemeClr>
-          </a:lnRef>
-          <a:fillRef idx="1">
-            <a:schemeClr val="accent1"/>
-          </a:fillRef>
-          <a:effectRef idx="0">
-            <a:schemeClr val="accent1"/>
-          </a:effectRef>
-          <a:fontRef idx="minor">
-            <a:schemeClr val="lt1"/>
-          </a:fontRef>
-        </p:style>
-        <p:txBody>
-          <a:bodyPr rtlCol="0" anchor="ctr"/>
-          <a:lstStyle/>
-          <a:p>
-            <a:pPr algn="ctr"/>
-            <a:endParaRPr lang="en-GB"/>
-          </a:p>
-        </p:txBody>
-      </p:sp>
-      <p:sp>
-        <p:nvSpPr>
-          <p:cNvPr id="4" name="TextBox 3">
-            <a:extLst>
-              <a:ext uri="{FF2B5EF4-FFF2-40B4-BE49-F238E27FC236}">
-                <a16:creationId xmlns="" xmlns:a16="http://schemas.microsoft.com/office/drawing/2014/main" id="{6C83C06C-5FC9-0534-758E-A8728BAD6445}"/>
+                <a16:creationId xmlns:a16="http://schemas.microsoft.com/office/drawing/2014/main" xmlns="" id="{C7A62AEC-CA6F-EB09-5C07-129DD8CC78ED}"/>
               </a:ext>
             </a:extLst>
           </p:cNvPr>
@@ -13158,8 +13748,8 @@
         </p:nvSpPr>
         <p:spPr>
           <a:xfrm>
-            <a:off x="4077278" y="889404"/>
-            <a:ext cx="3610879" cy="646331"/>
+            <a:off x="4466173" y="853980"/>
+            <a:ext cx="4004232" cy="369332"/>
           </a:xfrm>
           <a:prstGeom prst="rect">
             <a:avLst/>
@@ -13174,329 +13764,31 @@
           <a:p>
             <a:r>
               <a:rPr lang="ru-RU" dirty="0" smtClean="0">
-                <a:solidFill>
-                  <a:srgbClr val="F56F9F"/>
-                </a:solidFill>
                 <a:latin typeface="Roboto" panose="02000000000000000000" pitchFamily="2" charset="0"/>
                 <a:ea typeface="Roboto" panose="02000000000000000000" pitchFamily="2" charset="0"/>
               </a:rPr>
-              <a:t>Задача отображения графиков и </a:t>
-            </a:r>
-            <a:r>
-              <a:rPr lang="ru-RU" dirty="0" err="1" smtClean="0">
-                <a:solidFill>
-                  <a:srgbClr val="F56F9F"/>
-                </a:solidFill>
-                <a:latin typeface="Roboto" panose="02000000000000000000" pitchFamily="2" charset="0"/>
-                <a:ea typeface="Roboto" panose="02000000000000000000" pitchFamily="2" charset="0"/>
-              </a:rPr>
-              <a:t>фронтэнда</a:t>
+              <a:t>написание алгоритма</a:t>
             </a:r>
             <a:endParaRPr lang="en-GB" dirty="0">
-              <a:solidFill>
-                <a:srgbClr val="F56F9F"/>
-              </a:solidFill>
               <a:latin typeface="Roboto" panose="02000000000000000000" pitchFamily="2" charset="0"/>
               <a:ea typeface="Roboto" panose="02000000000000000000" pitchFamily="2" charset="0"/>
             </a:endParaRPr>
           </a:p>
         </p:txBody>
       </p:sp>
-      <p:sp>
-        <p:nvSpPr>
-          <p:cNvPr id="8" name="Объект 2">
-            <a:extLst>
-              <a:ext uri="{FF2B5EF4-FFF2-40B4-BE49-F238E27FC236}">
-                <a16:creationId xmlns="" xmlns:a16="http://schemas.microsoft.com/office/drawing/2014/main" id="{39AEF874-5B91-5F50-D044-9464309390E1}"/>
-              </a:ext>
-            </a:extLst>
-          </p:cNvPr>
-          <p:cNvSpPr txBox="1">
-            <a:spLocks/>
-          </p:cNvSpPr>
-          <p:nvPr/>
-        </p:nvSpPr>
-        <p:spPr>
-          <a:xfrm>
-            <a:off x="7142657" y="1925088"/>
-            <a:ext cx="4679984" cy="1145796"/>
-          </a:xfrm>
-          <a:prstGeom prst="rect">
-            <a:avLst/>
-          </a:prstGeom>
-        </p:spPr>
-        <p:txBody>
-          <a:bodyPr vert="horz" lIns="91440" tIns="45720" rIns="91440" bIns="45720" rtlCol="0">
-            <a:normAutofit/>
-          </a:bodyPr>
-          <a:lstStyle>
-            <a:lvl1pPr marL="228600" indent="-228600" algn="l" defTabSz="914400" rtl="0" eaLnBrk="1" latinLnBrk="0" hangingPunct="1">
-              <a:lnSpc>
-                <a:spcPct val="90000"/>
-              </a:lnSpc>
-              <a:spcBef>
-                <a:spcPts val="1000"/>
-              </a:spcBef>
-              <a:buFont typeface="Arial" panose="020B0604020202020204" pitchFamily="34" charset="0"/>
-              <a:buChar char="•"/>
-              <a:defRPr sz="2800" kern="1200">
-                <a:solidFill>
-                  <a:schemeClr val="tx1"/>
-                </a:solidFill>
-                <a:latin typeface="+mn-lt"/>
-                <a:ea typeface="+mn-ea"/>
-                <a:cs typeface="+mn-cs"/>
-              </a:defRPr>
-            </a:lvl1pPr>
-            <a:lvl2pPr marL="685800" indent="-228600" algn="l" defTabSz="914400" rtl="0" eaLnBrk="1" latinLnBrk="0" hangingPunct="1">
-              <a:lnSpc>
-                <a:spcPct val="90000"/>
-              </a:lnSpc>
-              <a:spcBef>
-                <a:spcPts val="500"/>
-              </a:spcBef>
-              <a:buFont typeface="Arial" panose="020B0604020202020204" pitchFamily="34" charset="0"/>
-              <a:buChar char="•"/>
-              <a:defRPr sz="2400" kern="1200">
-                <a:solidFill>
-                  <a:schemeClr val="tx1"/>
-                </a:solidFill>
-                <a:latin typeface="+mn-lt"/>
-                <a:ea typeface="+mn-ea"/>
-                <a:cs typeface="+mn-cs"/>
-              </a:defRPr>
-            </a:lvl2pPr>
-            <a:lvl3pPr marL="1143000" indent="-228600" algn="l" defTabSz="914400" rtl="0" eaLnBrk="1" latinLnBrk="0" hangingPunct="1">
-              <a:lnSpc>
-                <a:spcPct val="90000"/>
-              </a:lnSpc>
-              <a:spcBef>
-                <a:spcPts val="500"/>
-              </a:spcBef>
-              <a:buFont typeface="Arial" panose="020B0604020202020204" pitchFamily="34" charset="0"/>
-              <a:buChar char="•"/>
-              <a:defRPr sz="2000" kern="1200">
-                <a:solidFill>
-                  <a:schemeClr val="tx1"/>
-                </a:solidFill>
-                <a:latin typeface="+mn-lt"/>
-                <a:ea typeface="+mn-ea"/>
-                <a:cs typeface="+mn-cs"/>
-              </a:defRPr>
-            </a:lvl3pPr>
-            <a:lvl4pPr marL="1600200" indent="-228600" algn="l" defTabSz="914400" rtl="0" eaLnBrk="1" latinLnBrk="0" hangingPunct="1">
-              <a:lnSpc>
-                <a:spcPct val="90000"/>
-              </a:lnSpc>
-              <a:spcBef>
-                <a:spcPts val="500"/>
-              </a:spcBef>
-              <a:buFont typeface="Arial" panose="020B0604020202020204" pitchFamily="34" charset="0"/>
-              <a:buChar char="•"/>
-              <a:defRPr sz="1800" kern="1200">
-                <a:solidFill>
-                  <a:schemeClr val="tx1"/>
-                </a:solidFill>
-                <a:latin typeface="+mn-lt"/>
-                <a:ea typeface="+mn-ea"/>
-                <a:cs typeface="+mn-cs"/>
-              </a:defRPr>
-            </a:lvl4pPr>
-            <a:lvl5pPr marL="2057400" indent="-228600" algn="l" defTabSz="914400" rtl="0" eaLnBrk="1" latinLnBrk="0" hangingPunct="1">
-              <a:lnSpc>
-                <a:spcPct val="90000"/>
-              </a:lnSpc>
-              <a:spcBef>
-                <a:spcPts val="500"/>
-              </a:spcBef>
-              <a:buFont typeface="Arial" panose="020B0604020202020204" pitchFamily="34" charset="0"/>
-              <a:buChar char="•"/>
-              <a:defRPr sz="1800" kern="1200">
-                <a:solidFill>
-                  <a:schemeClr val="tx1"/>
-                </a:solidFill>
-                <a:latin typeface="+mn-lt"/>
-                <a:ea typeface="+mn-ea"/>
-                <a:cs typeface="+mn-cs"/>
-              </a:defRPr>
-            </a:lvl5pPr>
-            <a:lvl6pPr marL="2514600" indent="-228600" algn="l" defTabSz="914400" rtl="0" eaLnBrk="1" latinLnBrk="0" hangingPunct="1">
-              <a:lnSpc>
-                <a:spcPct val="90000"/>
-              </a:lnSpc>
-              <a:spcBef>
-                <a:spcPts val="500"/>
-              </a:spcBef>
-              <a:buFont typeface="Arial" panose="020B0604020202020204" pitchFamily="34" charset="0"/>
-              <a:buChar char="•"/>
-              <a:defRPr sz="1800" kern="1200">
-                <a:solidFill>
-                  <a:schemeClr val="tx1"/>
-                </a:solidFill>
-                <a:latin typeface="+mn-lt"/>
-                <a:ea typeface="+mn-ea"/>
-                <a:cs typeface="+mn-cs"/>
-              </a:defRPr>
-            </a:lvl6pPr>
-            <a:lvl7pPr marL="2971800" indent="-228600" algn="l" defTabSz="914400" rtl="0" eaLnBrk="1" latinLnBrk="0" hangingPunct="1">
-              <a:lnSpc>
-                <a:spcPct val="90000"/>
-              </a:lnSpc>
-              <a:spcBef>
-                <a:spcPts val="500"/>
-              </a:spcBef>
-              <a:buFont typeface="Arial" panose="020B0604020202020204" pitchFamily="34" charset="0"/>
-              <a:buChar char="•"/>
-              <a:defRPr sz="1800" kern="1200">
-                <a:solidFill>
-                  <a:schemeClr val="tx1"/>
-                </a:solidFill>
-                <a:latin typeface="+mn-lt"/>
-                <a:ea typeface="+mn-ea"/>
-                <a:cs typeface="+mn-cs"/>
-              </a:defRPr>
-            </a:lvl7pPr>
-            <a:lvl8pPr marL="3429000" indent="-228600" algn="l" defTabSz="914400" rtl="0" eaLnBrk="1" latinLnBrk="0" hangingPunct="1">
-              <a:lnSpc>
-                <a:spcPct val="90000"/>
-              </a:lnSpc>
-              <a:spcBef>
-                <a:spcPts val="500"/>
-              </a:spcBef>
-              <a:buFont typeface="Arial" panose="020B0604020202020204" pitchFamily="34" charset="0"/>
-              <a:buChar char="•"/>
-              <a:defRPr sz="1800" kern="1200">
-                <a:solidFill>
-                  <a:schemeClr val="tx1"/>
-                </a:solidFill>
-                <a:latin typeface="+mn-lt"/>
-                <a:ea typeface="+mn-ea"/>
-                <a:cs typeface="+mn-cs"/>
-              </a:defRPr>
-            </a:lvl8pPr>
-            <a:lvl9pPr marL="3886200" indent="-228600" algn="l" defTabSz="914400" rtl="0" eaLnBrk="1" latinLnBrk="0" hangingPunct="1">
-              <a:lnSpc>
-                <a:spcPct val="90000"/>
-              </a:lnSpc>
-              <a:spcBef>
-                <a:spcPts val="500"/>
-              </a:spcBef>
-              <a:buFont typeface="Arial" panose="020B0604020202020204" pitchFamily="34" charset="0"/>
-              <a:buChar char="•"/>
-              <a:defRPr sz="1800" kern="1200">
-                <a:solidFill>
-                  <a:schemeClr val="tx1"/>
-                </a:solidFill>
-                <a:latin typeface="+mn-lt"/>
-                <a:ea typeface="+mn-ea"/>
-                <a:cs typeface="+mn-cs"/>
-              </a:defRPr>
-            </a:lvl9pPr>
-          </a:lstStyle>
-          <a:p>
-            <a:pPr marL="0" indent="0" algn="r">
-              <a:buFont typeface="Arial" panose="020B0604020202020204" pitchFamily="34" charset="0"/>
-              <a:buNone/>
-            </a:pPr>
-            <a:r>
-              <a:rPr lang="ru-RU" sz="2400" dirty="0"/>
-              <a:t>Определение расстояния между объектами на основе картинки (фото)</a:t>
-            </a:r>
-            <a:endParaRPr lang="en-GB" sz="2400" dirty="0"/>
-          </a:p>
-        </p:txBody>
-      </p:sp>
       <p:pic>
         <p:nvPicPr>
-          <p:cNvPr id="11" name="Рисунок 10">
-            <a:extLst>
-              <a:ext uri="{FF2B5EF4-FFF2-40B4-BE49-F238E27FC236}">
-                <a16:creationId xmlns="" xmlns:a16="http://schemas.microsoft.com/office/drawing/2014/main" id="{B3022A34-64D0-2CC2-4227-F3C774400F11}"/>
-              </a:ext>
-            </a:extLst>
-          </p:cNvPr>
+          <p:cNvPr id="36" name="Рисунок 35"/>
           <p:cNvPicPr>
             <a:picLocks noChangeAspect="1"/>
           </p:cNvPicPr>
           <p:nvPr/>
         </p:nvPicPr>
         <p:blipFill>
-          <a:blip r:embed="rId4"/>
-          <a:stretch>
-            <a:fillRect/>
-          </a:stretch>
-        </p:blipFill>
-        <p:spPr>
-          <a:xfrm>
-            <a:off x="2294220" y="1925426"/>
-            <a:ext cx="4601979" cy="2618745"/>
-          </a:xfrm>
-          <a:prstGeom prst="rect">
-            <a:avLst/>
-          </a:prstGeom>
-        </p:spPr>
-      </p:pic>
-      <p:pic>
-        <p:nvPicPr>
-          <p:cNvPr id="12" name="Рисунок 11">
-            <a:extLst>
-              <a:ext uri="{FF2B5EF4-FFF2-40B4-BE49-F238E27FC236}">
-                <a16:creationId xmlns="" xmlns:a16="http://schemas.microsoft.com/office/drawing/2014/main" id="{BC60F53C-B484-4673-1C7E-9B1EAC8D8133}"/>
-              </a:ext>
-            </a:extLst>
-          </p:cNvPr>
-          <p:cNvPicPr>
-            <a:picLocks noChangeAspect="1"/>
-          </p:cNvPicPr>
-          <p:nvPr/>
-        </p:nvPicPr>
-        <p:blipFill>
-          <a:blip r:embed="rId5"/>
-          <a:stretch>
-            <a:fillRect/>
-          </a:stretch>
-        </p:blipFill>
-        <p:spPr>
-          <a:xfrm>
-            <a:off x="7142657" y="3043106"/>
-            <a:ext cx="4601978" cy="2618744"/>
-          </a:xfrm>
-          <a:prstGeom prst="rect">
-            <a:avLst/>
-          </a:prstGeom>
-        </p:spPr>
-      </p:pic>
-      <p:pic>
-        <p:nvPicPr>
-          <p:cNvPr id="18" name="Рисунок 17">
-            <a:extLst>
-              <a:ext uri="{FF2B5EF4-FFF2-40B4-BE49-F238E27FC236}">
-                <a16:creationId xmlns="" xmlns:a16="http://schemas.microsoft.com/office/drawing/2014/main" id="{E7F664B6-5C31-78D8-9141-766A917ADFBE}"/>
-              </a:ext>
-            </a:extLst>
-          </p:cNvPr>
-          <p:cNvPicPr>
-            <a:picLocks noChangeAspect="1"/>
-          </p:cNvPicPr>
-          <p:nvPr/>
-        </p:nvPicPr>
-        <p:blipFill>
-          <a:blip r:embed="rId6">
-            <a:extLst>
-              <a:ext uri="{BEBA8EAE-BF5A-486C-A8C5-ECC9F3942E4B}">
-                <a14:imgProps xmlns:a14="http://schemas.microsoft.com/office/drawing/2010/main">
-                  <a14:imgLayer r:embed="rId7">
-                    <a14:imgEffect>
-                      <a14:backgroundRemoval t="4947" b="97995" l="9626" r="89840">
-                        <a14:foregroundMark x1="45053" y1="5080" x2="48663" y2="10160"/>
-                        <a14:foregroundMark x1="33556" y1="94519" x2="57086" y2="92781"/>
-                        <a14:foregroundMark x1="29813" y1="98529" x2="38636" y2="98930"/>
-                        <a14:foregroundMark x1="38636" y1="98930" x2="57487" y2="97193"/>
-                        <a14:foregroundMark x1="57487" y1="97193" x2="63102" y2="97995"/>
-                      </a14:backgroundRemoval>
-                    </a14:imgEffect>
-                  </a14:imgLayer>
-                </a14:imgProps>
+          <a:blip r:embed="rId4">
+            <a:extLst>
+              <a:ext uri="{28A0092B-C50C-407E-A947-70E740481C1C}">
+                <a14:useLocalDpi xmlns:a14="http://schemas.microsoft.com/office/drawing/2010/main" val="0"/>
               </a:ext>
             </a:extLst>
           </a:blip>
@@ -13506,8 +13798,8 @@
         </p:blipFill>
         <p:spPr>
           <a:xfrm>
-            <a:off x="-76908" y="1557018"/>
-            <a:ext cx="2198923" cy="2198923"/>
+            <a:off x="632714" y="6041218"/>
+            <a:ext cx="2059211" cy="816782"/>
           </a:xfrm>
           <a:prstGeom prst="rect">
             <a:avLst/>
@@ -13516,14 +13808,14 @@
       </p:pic>
       <p:pic>
         <p:nvPicPr>
-          <p:cNvPr id="35" name="Рисунок 34"/>
+          <p:cNvPr id="38" name="Рисунок 37"/>
           <p:cNvPicPr>
             <a:picLocks noChangeAspect="1"/>
           </p:cNvPicPr>
           <p:nvPr/>
         </p:nvPicPr>
         <p:blipFill>
-          <a:blip r:embed="rId8">
+          <a:blip r:embed="rId5" cstate="print">
             <a:extLst>
               <a:ext uri="{28A0092B-C50C-407E-A947-70E740481C1C}">
                 <a14:useLocalDpi xmlns:a14="http://schemas.microsoft.com/office/drawing/2010/main" val="0"/>
@@ -13536,8 +13828,8 @@
         </p:blipFill>
         <p:spPr>
           <a:xfrm>
-            <a:off x="632714" y="6041218"/>
-            <a:ext cx="2059211" cy="816782"/>
+            <a:off x="9402464" y="6108340"/>
+            <a:ext cx="695728" cy="695728"/>
           </a:xfrm>
           <a:prstGeom prst="rect">
             <a:avLst/>
@@ -13546,10 +13838,10 @@
       </p:pic>
       <p:sp>
         <p:nvSpPr>
-          <p:cNvPr id="36" name="TextBox 35">
+          <p:cNvPr id="40" name="TextBox 39">
             <a:extLst>
               <a:ext uri="{FF2B5EF4-FFF2-40B4-BE49-F238E27FC236}">
-                <a16:creationId xmlns="" xmlns:a16="http://schemas.microsoft.com/office/drawing/2014/main" id="{F6EA0B60-FDC8-1E62-6192-E1695B3DAFE4}"/>
+                <a16:creationId xmlns:a16="http://schemas.microsoft.com/office/drawing/2014/main" xmlns="" id="{F6EA0B60-FDC8-1E62-6192-E1695B3DAFE4}"/>
               </a:ext>
             </a:extLst>
           </p:cNvPr>
@@ -13592,40 +13884,159 @@
           </a:p>
         </p:txBody>
       </p:sp>
+      <p:sp>
+        <p:nvSpPr>
+          <p:cNvPr id="4" name="Стрелка вправо 3"/>
+          <p:cNvSpPr/>
+          <p:nvPr/>
+        </p:nvSpPr>
+        <p:spPr>
+          <a:xfrm>
+            <a:off x="4361670" y="3078868"/>
+            <a:ext cx="1296364" cy="561371"/>
+          </a:xfrm>
+          <a:prstGeom prst="rightArrow">
+            <a:avLst/>
+          </a:prstGeom>
+          <a:solidFill>
+            <a:srgbClr val="F1879B"/>
+          </a:solidFill>
+          <a:ln>
+            <a:solidFill>
+              <a:srgbClr val="F1879B"/>
+            </a:solidFill>
+          </a:ln>
+        </p:spPr>
+        <p:style>
+          <a:lnRef idx="2">
+            <a:schemeClr val="accent1">
+              <a:shade val="50000"/>
+            </a:schemeClr>
+          </a:lnRef>
+          <a:fillRef idx="1">
+            <a:schemeClr val="accent1"/>
+          </a:fillRef>
+          <a:effectRef idx="0">
+            <a:schemeClr val="accent1"/>
+          </a:effectRef>
+          <a:fontRef idx="minor">
+            <a:schemeClr val="lt1"/>
+          </a:fontRef>
+        </p:style>
+        <p:txBody>
+          <a:bodyPr rtlCol="0" anchor="ctr"/>
+          <a:lstStyle/>
+          <a:p>
+            <a:pPr algn="ctr"/>
+            <a:endParaRPr lang="ru-RU"/>
+          </a:p>
+        </p:txBody>
+      </p:sp>
       <p:pic>
         <p:nvPicPr>
-          <p:cNvPr id="37" name="Рисунок 36"/>
+          <p:cNvPr id="2050" name="Picture 2" descr="C:\Users\Михаил\Downloads\msg-4077270499-240362.jpg"/>
           <p:cNvPicPr>
-            <a:picLocks noChangeAspect="1"/>
+            <a:picLocks noChangeAspect="1" noChangeArrowheads="1"/>
           </p:cNvPicPr>
           <p:nvPr/>
         </p:nvPicPr>
-        <p:blipFill>
-          <a:blip r:embed="rId9" cstate="print">
+        <p:blipFill rotWithShape="1">
+          <a:blip r:embed="rId6">
             <a:extLst>
               <a:ext uri="{28A0092B-C50C-407E-A947-70E740481C1C}">
                 <a14:useLocalDpi xmlns:a14="http://schemas.microsoft.com/office/drawing/2010/main" val="0"/>
               </a:ext>
             </a:extLst>
           </a:blip>
-          <a:stretch>
-            <a:fillRect/>
-          </a:stretch>
+          <a:srcRect l="-7096" t="27128" r="-7096" b="27128"/>
+          <a:stretch/>
         </p:blipFill>
-        <p:spPr>
-          <a:xfrm>
-            <a:off x="9402464" y="6108340"/>
-            <a:ext cx="695728" cy="695728"/>
+        <p:spPr bwMode="auto">
+          <a:xfrm>
+            <a:off x="275303" y="2007085"/>
+            <a:ext cx="4328932" cy="3718067"/>
+          </a:xfrm>
+          <a:prstGeom prst="ellipse">
+            <a:avLst/>
+          </a:prstGeom>
+          <a:noFill/>
+          <a:extLst>
+            <a:ext uri="{909E8E84-426E-40DD-AFC4-6F175D3DCCD1}">
+              <a14:hiddenFill xmlns:a14="http://schemas.microsoft.com/office/drawing/2010/main">
+                <a:solidFill>
+                  <a:srgbClr val="FFFFFF"/>
+                </a:solidFill>
+              </a14:hiddenFill>
+            </a:ext>
+          </a:extLst>
+        </p:spPr>
+      </p:pic>
+      <p:pic>
+        <p:nvPicPr>
+          <p:cNvPr id="2051" name="Picture 3"/>
+          <p:cNvPicPr>
+            <a:picLocks noChangeAspect="1" noChangeArrowheads="1"/>
+          </p:cNvPicPr>
+          <p:nvPr/>
+        </p:nvPicPr>
+        <p:blipFill rotWithShape="1">
+          <a:blip r:embed="rId7">
+            <a:extLst>
+              <a:ext uri="{28A0092B-C50C-407E-A947-70E740481C1C}">
+                <a14:useLocalDpi xmlns:a14="http://schemas.microsoft.com/office/drawing/2010/main" val="0"/>
+              </a:ext>
+            </a:extLst>
+          </a:blip>
+          <a:srcRect l="5725" t="31186" r="20588" b="34407"/>
+          <a:stretch/>
+        </p:blipFill>
+        <p:spPr bwMode="auto">
+          <a:xfrm>
+            <a:off x="6234776" y="2241953"/>
+            <a:ext cx="2793477" cy="2796572"/>
           </a:xfrm>
           <a:prstGeom prst="rect">
             <a:avLst/>
           </a:prstGeom>
+          <a:noFill/>
+          <a:ln>
+            <a:noFill/>
+          </a:ln>
+          <a:effectLst/>
+          <a:extLst>
+            <a:ext uri="{909E8E84-426E-40DD-AFC4-6F175D3DCCD1}">
+              <a14:hiddenFill xmlns:a14="http://schemas.microsoft.com/office/drawing/2010/main">
+                <a:solidFill>
+                  <a:schemeClr val="accent1"/>
+                </a:solidFill>
+              </a14:hiddenFill>
+            </a:ext>
+            <a:ext uri="{91240B29-F687-4F45-9708-019B960494DF}">
+              <a14:hiddenLine xmlns:a14="http://schemas.microsoft.com/office/drawing/2010/main" w="9525">
+                <a:solidFill>
+                  <a:schemeClr val="tx1"/>
+                </a:solidFill>
+                <a:miter lim="800000"/>
+                <a:headEnd/>
+                <a:tailEnd/>
+              </a14:hiddenLine>
+            </a:ext>
+            <a:ext uri="{AF507438-7753-43E0-B8FC-AC1667EBCBE1}">
+              <a14:hiddenEffects xmlns:a14="http://schemas.microsoft.com/office/drawing/2010/main">
+                <a:effectLst>
+                  <a:outerShdw dist="35921" dir="2700000" algn="ctr" rotWithShape="0">
+                    <a:schemeClr val="bg2"/>
+                  </a:outerShdw>
+                </a:effectLst>
+              </a14:hiddenEffects>
+            </a:ext>
+          </a:extLst>
         </p:spPr>
       </p:pic>
     </p:spTree>
     <p:extLst>
       <p:ext uri="{BB962C8B-B14F-4D97-AF65-F5344CB8AC3E}">
-        <p14:creationId xmlns:p14="http://schemas.microsoft.com/office/powerpoint/2010/main" val="329969524"/>
+        <p14:creationId xmlns:p14="http://schemas.microsoft.com/office/powerpoint/2010/main" val="318898938"/>
       </p:ext>
     </p:extLst>
   </p:cSld>
@@ -13662,12 +14073,1042 @@
           <a:chExt cx="0" cy="0"/>
         </a:xfrm>
       </p:grpSpPr>
+      <p:cxnSp>
+        <p:nvCxnSpPr>
+          <p:cNvPr id="24" name="Прямая соединительная линия 23">
+            <a:extLst>
+              <a:ext uri="{FF2B5EF4-FFF2-40B4-BE49-F238E27FC236}">
+                <a16:creationId xmlns:a16="http://schemas.microsoft.com/office/drawing/2014/main" xmlns="" id="{A1B15326-EE2B-35D0-38E2-525871A98291}"/>
+              </a:ext>
+            </a:extLst>
+          </p:cNvPr>
+          <p:cNvCxnSpPr>
+            <a:cxnSpLocks/>
+          </p:cNvCxnSpPr>
+          <p:nvPr/>
+        </p:nvCxnSpPr>
+        <p:spPr>
+          <a:xfrm>
+            <a:off x="196645" y="5973720"/>
+            <a:ext cx="11757936" cy="0"/>
+          </a:xfrm>
+          <a:prstGeom prst="line">
+            <a:avLst/>
+          </a:prstGeom>
+          <a:ln>
+            <a:solidFill>
+              <a:srgbClr val="F1879B"/>
+            </a:solidFill>
+          </a:ln>
+        </p:spPr>
+        <p:style>
+          <a:lnRef idx="1">
+            <a:schemeClr val="accent1"/>
+          </a:lnRef>
+          <a:fillRef idx="0">
+            <a:schemeClr val="accent1"/>
+          </a:fillRef>
+          <a:effectRef idx="0">
+            <a:schemeClr val="accent1"/>
+          </a:effectRef>
+          <a:fontRef idx="minor">
+            <a:schemeClr val="tx1"/>
+          </a:fontRef>
+        </p:style>
+      </p:cxnSp>
+      <p:sp>
+        <p:nvSpPr>
+          <p:cNvPr id="20" name="Прямоугольник: скругленные углы 19">
+            <a:extLst>
+              <a:ext uri="{FF2B5EF4-FFF2-40B4-BE49-F238E27FC236}">
+                <a16:creationId xmlns:a16="http://schemas.microsoft.com/office/drawing/2014/main" xmlns="" id="{7200DFFF-91FA-508E-9108-5AEF5B743FDE}"/>
+              </a:ext>
+            </a:extLst>
+          </p:cNvPr>
+          <p:cNvSpPr/>
+          <p:nvPr/>
+        </p:nvSpPr>
+        <p:spPr>
+          <a:xfrm>
+            <a:off x="275303" y="286467"/>
+            <a:ext cx="9615949" cy="5438685"/>
+          </a:xfrm>
+          <a:prstGeom prst="roundRect">
+            <a:avLst>
+              <a:gd name="adj" fmla="val 9559"/>
+            </a:avLst>
+          </a:prstGeom>
+          <a:solidFill>
+            <a:schemeClr val="tx1"/>
+          </a:solidFill>
+          <a:ln>
+            <a:noFill/>
+          </a:ln>
+          <a:effectLst>
+            <a:outerShdw blurRad="63500" dist="76200" dir="2700000" algn="tl" rotWithShape="0">
+              <a:prstClr val="black">
+                <a:alpha val="50000"/>
+              </a:prstClr>
+            </a:outerShdw>
+          </a:effectLst>
+        </p:spPr>
+        <p:style>
+          <a:lnRef idx="2">
+            <a:schemeClr val="accent1">
+              <a:shade val="15000"/>
+            </a:schemeClr>
+          </a:lnRef>
+          <a:fillRef idx="1">
+            <a:schemeClr val="accent1"/>
+          </a:fillRef>
+          <a:effectRef idx="0">
+            <a:schemeClr val="accent1"/>
+          </a:effectRef>
+          <a:fontRef idx="minor">
+            <a:schemeClr val="lt1"/>
+          </a:fontRef>
+        </p:style>
+        <p:txBody>
+          <a:bodyPr rtlCol="0" anchor="ctr"/>
+          <a:lstStyle/>
+          <a:p>
+            <a:pPr algn="ctr"/>
+            <a:endParaRPr lang="ru-RU" sz="2800" dirty="0">
+              <a:solidFill>
+                <a:srgbClr val="F56F9F"/>
+              </a:solidFill>
+              <a:latin typeface="Roboto" panose="02000000000000000000" pitchFamily="2" charset="0"/>
+              <a:ea typeface="Roboto" panose="02000000000000000000" pitchFamily="2" charset="0"/>
+            </a:endParaRPr>
+          </a:p>
+          <a:p>
+            <a:pPr algn="ctr"/>
+            <a:endParaRPr lang="ru-RU" sz="2800" dirty="0">
+              <a:solidFill>
+                <a:srgbClr val="F56F9F"/>
+              </a:solidFill>
+              <a:latin typeface="Roboto" panose="02000000000000000000" pitchFamily="2" charset="0"/>
+              <a:ea typeface="Roboto" panose="02000000000000000000" pitchFamily="2" charset="0"/>
+            </a:endParaRPr>
+          </a:p>
+        </p:txBody>
+      </p:sp>
+      <p:grpSp>
+        <p:nvGrpSpPr>
+          <p:cNvPr id="35" name="Группа 34">
+            <a:extLst>
+              <a:ext uri="{FF2B5EF4-FFF2-40B4-BE49-F238E27FC236}">
+                <a16:creationId xmlns:a16="http://schemas.microsoft.com/office/drawing/2014/main" xmlns="" id="{980679B7-9301-3C4D-279E-56AAABE5633D}"/>
+              </a:ext>
+            </a:extLst>
+          </p:cNvPr>
+          <p:cNvGrpSpPr/>
+          <p:nvPr/>
+        </p:nvGrpSpPr>
+        <p:grpSpPr>
+          <a:xfrm>
+            <a:off x="11436259" y="6120980"/>
+            <a:ext cx="343770" cy="582524"/>
+            <a:chOff x="11436620" y="6175884"/>
+            <a:chExt cx="343770" cy="582524"/>
+          </a:xfrm>
+        </p:grpSpPr>
+        <p:sp>
+          <p:nvSpPr>
+            <p:cNvPr id="16" name="Прямоугольник: скругленные углы 15">
+              <a:extLst>
+                <a:ext uri="{FF2B5EF4-FFF2-40B4-BE49-F238E27FC236}">
+                  <a16:creationId xmlns:a16="http://schemas.microsoft.com/office/drawing/2014/main" xmlns="" id="{17DEE24E-AE5C-6060-1E4F-31183803773B}"/>
+                </a:ext>
+              </a:extLst>
+            </p:cNvPr>
+            <p:cNvSpPr/>
+            <p:nvPr/>
+          </p:nvSpPr>
+          <p:spPr>
+            <a:xfrm>
+              <a:off x="11499756" y="6175884"/>
+              <a:ext cx="280634" cy="582524"/>
+            </a:xfrm>
+            <a:prstGeom prst="roundRect">
+              <a:avLst>
+                <a:gd name="adj" fmla="val 50000"/>
+              </a:avLst>
+            </a:prstGeom>
+            <a:solidFill>
+              <a:srgbClr val="F1879B"/>
+            </a:solidFill>
+            <a:ln>
+              <a:noFill/>
+            </a:ln>
+          </p:spPr>
+          <p:style>
+            <a:lnRef idx="2">
+              <a:schemeClr val="accent1">
+                <a:shade val="15000"/>
+              </a:schemeClr>
+            </a:lnRef>
+            <a:fillRef idx="1">
+              <a:schemeClr val="accent1"/>
+            </a:fillRef>
+            <a:effectRef idx="0">
+              <a:schemeClr val="accent1"/>
+            </a:effectRef>
+            <a:fontRef idx="minor">
+              <a:schemeClr val="lt1"/>
+            </a:fontRef>
+          </p:style>
+          <p:txBody>
+            <a:bodyPr rtlCol="0" anchor="ctr"/>
+            <a:lstStyle/>
+            <a:p>
+              <a:pPr algn="ctr"/>
+              <a:endParaRPr lang="en-GB"/>
+            </a:p>
+          </p:txBody>
+        </p:sp>
+        <p:sp>
+          <p:nvSpPr>
+            <p:cNvPr id="17" name="TextBox 16">
+              <a:extLst>
+                <a:ext uri="{FF2B5EF4-FFF2-40B4-BE49-F238E27FC236}">
+                  <a16:creationId xmlns:a16="http://schemas.microsoft.com/office/drawing/2014/main" xmlns="" id="{B5A30E27-64DB-DB16-9268-DE079C27C899}"/>
+                </a:ext>
+              </a:extLst>
+            </p:cNvPr>
+            <p:cNvSpPr txBox="1"/>
+            <p:nvPr/>
+          </p:nvSpPr>
+          <p:spPr>
+            <a:xfrm>
+              <a:off x="11436620" y="6239669"/>
+              <a:ext cx="308376" cy="461665"/>
+            </a:xfrm>
+            <a:prstGeom prst="rect">
+              <a:avLst/>
+            </a:prstGeom>
+            <a:noFill/>
+          </p:spPr>
+          <p:txBody>
+            <a:bodyPr wrap="square" rtlCol="0">
+              <a:spAutoFit/>
+            </a:bodyPr>
+            <a:lstStyle/>
+            <a:p>
+              <a:r>
+                <a:rPr lang="ru-RU" sz="2400" dirty="0">
+                  <a:latin typeface="FRM325x8" panose="02000603000000000000" pitchFamily="2" charset="0"/>
+                  <a:ea typeface="FRM325x8" panose="02000603000000000000" pitchFamily="2" charset="0"/>
+                </a:rPr>
+                <a:t>5</a:t>
+              </a:r>
+              <a:endParaRPr lang="en-GB" dirty="0">
+                <a:latin typeface="FRM325x8" panose="02000603000000000000" pitchFamily="2" charset="0"/>
+                <a:ea typeface="FRM325x8" panose="02000603000000000000" pitchFamily="2" charset="0"/>
+              </a:endParaRPr>
+            </a:p>
+          </p:txBody>
+        </p:sp>
+      </p:grpSp>
+      <p:sp>
+        <p:nvSpPr>
+          <p:cNvPr id="21" name="Прямоугольник: скругленные углы 20">
+            <a:extLst>
+              <a:ext uri="{FF2B5EF4-FFF2-40B4-BE49-F238E27FC236}">
+                <a16:creationId xmlns:a16="http://schemas.microsoft.com/office/drawing/2014/main" xmlns="" id="{9E830177-FE7F-A014-F618-A1B53BCB47AC}"/>
+              </a:ext>
+            </a:extLst>
+          </p:cNvPr>
+          <p:cNvSpPr/>
+          <p:nvPr/>
+        </p:nvSpPr>
+        <p:spPr>
+          <a:xfrm>
+            <a:off x="10068232" y="2959862"/>
+            <a:ext cx="2000865" cy="2834467"/>
+          </a:xfrm>
+          <a:prstGeom prst="roundRect">
+            <a:avLst>
+              <a:gd name="adj" fmla="val 9559"/>
+            </a:avLst>
+          </a:prstGeom>
+          <a:solidFill>
+            <a:srgbClr val="F1879B"/>
+          </a:solidFill>
+          <a:ln>
+            <a:noFill/>
+          </a:ln>
+          <a:effectLst>
+            <a:outerShdw blurRad="63500" dist="76200" dir="2700000" algn="tl" rotWithShape="0">
+              <a:prstClr val="black">
+                <a:alpha val="50000"/>
+              </a:prstClr>
+            </a:outerShdw>
+          </a:effectLst>
+        </p:spPr>
+        <p:style>
+          <a:lnRef idx="2">
+            <a:schemeClr val="accent1">
+              <a:shade val="15000"/>
+            </a:schemeClr>
+          </a:lnRef>
+          <a:fillRef idx="1">
+            <a:schemeClr val="accent1"/>
+          </a:fillRef>
+          <a:effectRef idx="0">
+            <a:schemeClr val="accent1"/>
+          </a:effectRef>
+          <a:fontRef idx="minor">
+            <a:schemeClr val="lt1"/>
+          </a:fontRef>
+        </p:style>
+        <p:txBody>
+          <a:bodyPr rtlCol="0" anchor="ctr"/>
+          <a:lstStyle/>
+          <a:p>
+            <a:pPr algn="ctr"/>
+            <a:endParaRPr lang="ru-RU" sz="2800" dirty="0">
+              <a:solidFill>
+                <a:schemeClr val="tx1"/>
+              </a:solidFill>
+              <a:latin typeface="Roboto" panose="02000000000000000000" pitchFamily="2" charset="0"/>
+              <a:ea typeface="Roboto" panose="02000000000000000000" pitchFamily="2" charset="0"/>
+            </a:endParaRPr>
+          </a:p>
+        </p:txBody>
+      </p:sp>
+      <p:pic>
+        <p:nvPicPr>
+          <p:cNvPr id="23" name="Picture 2">
+            <a:extLst>
+              <a:ext uri="{FF2B5EF4-FFF2-40B4-BE49-F238E27FC236}">
+                <a16:creationId xmlns:a16="http://schemas.microsoft.com/office/drawing/2014/main" xmlns="" id="{AB3CC263-3D6C-D0C5-45BE-2320ED5D5460}"/>
+              </a:ext>
+            </a:extLst>
+          </p:cNvPr>
+          <p:cNvPicPr>
+            <a:picLocks noChangeAspect="1" noChangeArrowheads="1"/>
+          </p:cNvPicPr>
+          <p:nvPr/>
+        </p:nvPicPr>
+        <p:blipFill>
+          <a:blip r:embed="rId2" cstate="print">
+            <a:extLst>
+              <a:ext uri="{BEBA8EAE-BF5A-486C-A8C5-ECC9F3942E4B}">
+                <a14:imgProps xmlns:a14="http://schemas.microsoft.com/office/drawing/2010/main">
+                  <a14:imgLayer r:embed="rId3">
+                    <a14:imgEffect>
+                      <a14:backgroundRemoval t="10000" b="91198" l="9583" r="90000">
+                        <a14:foregroundMark x1="21042" y1="18073" x2="21042" y2="18073"/>
+                        <a14:foregroundMark x1="21198" y1="17917" x2="21198" y2="17917"/>
+                        <a14:foregroundMark x1="23906" y1="21510" x2="23906" y2="21510"/>
+                        <a14:foregroundMark x1="27917" y1="24531" x2="27917" y2="24531"/>
+                        <a14:foregroundMark x1="34375" y1="12604" x2="34375" y2="12604"/>
+                        <a14:foregroundMark x1="37552" y1="15625" x2="37552" y2="18229"/>
+                        <a14:foregroundMark x1="49583" y1="18229" x2="49115" y2="11458"/>
+                        <a14:foregroundMark x1="62031" y1="17083" x2="62031" y2="17083"/>
+                        <a14:foregroundMark x1="66042" y1="11771" x2="66042" y2="11771"/>
+                        <a14:foregroundMark x1="78125" y1="18802" x2="78125" y2="18802"/>
+                        <a14:foregroundMark x1="75104" y1="22083" x2="75104" y2="22083"/>
+                        <a14:foregroundMark x1="72344" y1="24375" x2="72344" y2="24375"/>
+                        <a14:foregroundMark x1="46563" y1="90885" x2="52604" y2="91198"/>
+                        <a14:foregroundMark x1="71510" y1="44010" x2="71510" y2="46719"/>
+                        <a14:foregroundMark x1="9583" y1="50469" x2="16875" y2="50469"/>
+                        <a14:foregroundMark x1="17760" y1="34271" x2="17760" y2="34271"/>
+                        <a14:foregroundMark x1="15469" y1="31094" x2="15469" y2="31094"/>
+                        <a14:foregroundMark x1="46719" y1="77865" x2="46719" y2="77865"/>
+                        <a14:foregroundMark x1="56146" y1="63073" x2="55885" y2="67396"/>
+                        <a14:foregroundMark x1="55573" y1="75104" x2="56458" y2="78438"/>
+                        <a14:foregroundMark x1="74948" y1="71823" x2="74948" y2="71823"/>
+                        <a14:foregroundMark x1="78385" y1="74688" x2="78385" y2="74688"/>
+                        <a14:foregroundMark x1="81250" y1="78438" x2="81250" y2="78438"/>
+                        <a14:foregroundMark x1="81823" y1="63646" x2="81823" y2="63646"/>
+                        <a14:foregroundMark x1="87708" y1="66250" x2="87708" y2="66250"/>
+                        <a14:foregroundMark x1="85833" y1="49740" x2="85833" y2="49740"/>
+                        <a14:foregroundMark x1="79844" y1="34427" x2="79844" y2="34427"/>
+                        <a14:foregroundMark x1="84688" y1="31094" x2="84688" y2="31094"/>
+                        <a14:foregroundMark x1="12031" y1="65365" x2="12031" y2="65365"/>
+                        <a14:foregroundMark x1="18594" y1="62917" x2="18594" y2="62917"/>
+                        <a14:foregroundMark x1="18021" y1="78698" x2="18021" y2="78698"/>
+                        <a14:foregroundMark x1="21302" y1="74844" x2="21302" y2="74844"/>
+                        <a14:foregroundMark x1="51302" y1="85469" x2="51302" y2="85469"/>
+                      </a14:backgroundRemoval>
+                    </a14:imgEffect>
+                  </a14:imgLayer>
+                </a14:imgProps>
+              </a:ext>
+              <a:ext uri="{28A0092B-C50C-407E-A947-70E740481C1C}">
+                <a14:useLocalDpi xmlns:a14="http://schemas.microsoft.com/office/drawing/2010/main" val="0"/>
+              </a:ext>
+            </a:extLst>
+          </a:blip>
+          <a:srcRect/>
+          <a:stretch>
+            <a:fillRect/>
+          </a:stretch>
+        </p:blipFill>
+        <p:spPr bwMode="auto">
+          <a:xfrm>
+            <a:off x="10677984" y="3995895"/>
+            <a:ext cx="781360" cy="781360"/>
+          </a:xfrm>
+          <a:prstGeom prst="rect">
+            <a:avLst/>
+          </a:prstGeom>
+          <a:noFill/>
+          <a:extLst>
+            <a:ext uri="{909E8E84-426E-40DD-AFC4-6F175D3DCCD1}">
+              <a14:hiddenFill xmlns:a14="http://schemas.microsoft.com/office/drawing/2010/main">
+                <a:solidFill>
+                  <a:srgbClr val="FFFFFF"/>
+                </a:solidFill>
+              </a14:hiddenFill>
+            </a:ext>
+          </a:extLst>
+        </p:spPr>
+      </p:pic>
+      <p:sp>
+        <p:nvSpPr>
+          <p:cNvPr id="28" name="TextBox 27">
+            <a:extLst>
+              <a:ext uri="{FF2B5EF4-FFF2-40B4-BE49-F238E27FC236}">
+                <a16:creationId xmlns:a16="http://schemas.microsoft.com/office/drawing/2014/main" xmlns="" id="{72E7B982-4345-633F-713F-085BA4AFB56D}"/>
+              </a:ext>
+            </a:extLst>
+          </p:cNvPr>
+          <p:cNvSpPr txBox="1"/>
+          <p:nvPr/>
+        </p:nvSpPr>
+        <p:spPr>
+          <a:xfrm>
+            <a:off x="8337738" y="6239031"/>
+            <a:ext cx="3098862" cy="369332"/>
+          </a:xfrm>
+          <a:prstGeom prst="rect">
+            <a:avLst/>
+          </a:prstGeom>
+          <a:noFill/>
+        </p:spPr>
+        <p:txBody>
+          <a:bodyPr wrap="square" rtlCol="0">
+            <a:spAutoFit/>
+          </a:bodyPr>
+          <a:lstStyle/>
+          <a:p>
+            <a:pPr algn="ctr"/>
+            <a:endParaRPr lang="en-GB" b="1" dirty="0">
+              <a:latin typeface="Roboto" panose="02000000000000000000" pitchFamily="2" charset="0"/>
+              <a:ea typeface="Roboto" panose="02000000000000000000" pitchFamily="2" charset="0"/>
+            </a:endParaRPr>
+          </a:p>
+        </p:txBody>
+      </p:sp>
+      <p:sp>
+        <p:nvSpPr>
+          <p:cNvPr id="37" name="Прямоугольник: скругленные углы 36">
+            <a:extLst>
+              <a:ext uri="{FF2B5EF4-FFF2-40B4-BE49-F238E27FC236}">
+                <a16:creationId xmlns:a16="http://schemas.microsoft.com/office/drawing/2014/main" xmlns="" id="{D57B2660-CFA6-C2FA-8D53-64FF3BC2BC97}"/>
+              </a:ext>
+            </a:extLst>
+          </p:cNvPr>
+          <p:cNvSpPr/>
+          <p:nvPr/>
+        </p:nvSpPr>
+        <p:spPr>
+          <a:xfrm>
+            <a:off x="364700" y="636123"/>
+            <a:ext cx="8105705" cy="781360"/>
+          </a:xfrm>
+          <a:prstGeom prst="roundRect">
+            <a:avLst/>
+          </a:prstGeom>
+          <a:solidFill>
+            <a:srgbClr val="F1879B"/>
+          </a:solidFill>
+          <a:ln>
+            <a:noFill/>
+          </a:ln>
+        </p:spPr>
+        <p:style>
+          <a:lnRef idx="2">
+            <a:schemeClr val="accent1">
+              <a:shade val="15000"/>
+            </a:schemeClr>
+          </a:lnRef>
+          <a:fillRef idx="1">
+            <a:schemeClr val="accent1"/>
+          </a:fillRef>
+          <a:effectRef idx="0">
+            <a:schemeClr val="accent1"/>
+          </a:effectRef>
+          <a:fontRef idx="minor">
+            <a:schemeClr val="lt1"/>
+          </a:fontRef>
+        </p:style>
+        <p:txBody>
+          <a:bodyPr rtlCol="0" anchor="ctr"/>
+          <a:lstStyle/>
+          <a:p>
+            <a:pPr algn="ctr"/>
+            <a:endParaRPr lang="en-GB"/>
+          </a:p>
+        </p:txBody>
+      </p:sp>
+      <p:sp>
+        <p:nvSpPr>
+          <p:cNvPr id="2" name="Заголовок 1">
+            <a:extLst>
+              <a:ext uri="{FF2B5EF4-FFF2-40B4-BE49-F238E27FC236}">
+                <a16:creationId xmlns:a16="http://schemas.microsoft.com/office/drawing/2014/main" xmlns="" id="{8FBE95CB-4884-EED8-34D3-41282E64547D}"/>
+              </a:ext>
+            </a:extLst>
+          </p:cNvPr>
+          <p:cNvSpPr>
+            <a:spLocks noGrp="1"/>
+          </p:cNvSpPr>
+          <p:nvPr>
+            <p:ph type="title"/>
+          </p:nvPr>
+        </p:nvSpPr>
+        <p:spPr>
+          <a:xfrm>
+            <a:off x="1069172" y="586430"/>
+            <a:ext cx="3379839" cy="880746"/>
+          </a:xfrm>
+        </p:spPr>
+        <p:txBody>
+          <a:bodyPr/>
+          <a:lstStyle/>
+          <a:p>
+            <a:r>
+              <a:rPr lang="ru-RU" dirty="0">
+                <a:latin typeface="FRM325x8" panose="02000603000000000000" pitchFamily="2" charset="0"/>
+                <a:ea typeface="FRM325x8" panose="02000603000000000000" pitchFamily="2" charset="0"/>
+              </a:rPr>
+              <a:t>Задача 1</a:t>
+            </a:r>
+            <a:r>
+              <a:rPr lang="ru-RU" dirty="0">
+                <a:solidFill>
+                  <a:srgbClr val="5FD0E3"/>
+                </a:solidFill>
+                <a:latin typeface="FRM325x8" panose="02000603000000000000" pitchFamily="2" charset="0"/>
+                <a:ea typeface="FRM325x8" panose="02000603000000000000" pitchFamily="2" charset="0"/>
+              </a:rPr>
+              <a:t> </a:t>
+            </a:r>
+            <a:endParaRPr lang="en-GB" dirty="0">
+              <a:solidFill>
+                <a:srgbClr val="5FD0E3"/>
+              </a:solidFill>
+              <a:latin typeface="FRM325x8" panose="02000603000000000000" pitchFamily="2" charset="0"/>
+              <a:ea typeface="FRM325x8" panose="02000603000000000000" pitchFamily="2" charset="0"/>
+            </a:endParaRPr>
+          </a:p>
+        </p:txBody>
+      </p:sp>
+      <p:pic>
+        <p:nvPicPr>
+          <p:cNvPr id="22" name="Picture 2">
+            <a:extLst>
+              <a:ext uri="{FF2B5EF4-FFF2-40B4-BE49-F238E27FC236}">
+                <a16:creationId xmlns:a16="http://schemas.microsoft.com/office/drawing/2014/main" xmlns="" id="{385033C9-4BBA-89ED-5670-C4EB8B41176B}"/>
+              </a:ext>
+            </a:extLst>
+          </p:cNvPr>
+          <p:cNvPicPr>
+            <a:picLocks noChangeAspect="1" noChangeArrowheads="1"/>
+          </p:cNvPicPr>
+          <p:nvPr/>
+        </p:nvPicPr>
+        <p:blipFill>
+          <a:blip r:embed="rId2" cstate="print">
+            <a:extLst>
+              <a:ext uri="{BEBA8EAE-BF5A-486C-A8C5-ECC9F3942E4B}">
+                <a14:imgProps xmlns:a14="http://schemas.microsoft.com/office/drawing/2010/main">
+                  <a14:imgLayer r:embed="rId3">
+                    <a14:imgEffect>
+                      <a14:backgroundRemoval t="10000" b="91198" l="9583" r="90000">
+                        <a14:foregroundMark x1="21042" y1="18073" x2="21042" y2="18073"/>
+                        <a14:foregroundMark x1="21198" y1="17917" x2="21198" y2="17917"/>
+                        <a14:foregroundMark x1="23906" y1="21510" x2="23906" y2="21510"/>
+                        <a14:foregroundMark x1="27917" y1="24531" x2="27917" y2="24531"/>
+                        <a14:foregroundMark x1="34375" y1="12604" x2="34375" y2="12604"/>
+                        <a14:foregroundMark x1="37552" y1="15625" x2="37552" y2="18229"/>
+                        <a14:foregroundMark x1="49583" y1="18229" x2="49115" y2="11458"/>
+                        <a14:foregroundMark x1="62031" y1="17083" x2="62031" y2="17083"/>
+                        <a14:foregroundMark x1="66042" y1="11771" x2="66042" y2="11771"/>
+                        <a14:foregroundMark x1="78125" y1="18802" x2="78125" y2="18802"/>
+                        <a14:foregroundMark x1="75104" y1="22083" x2="75104" y2="22083"/>
+                        <a14:foregroundMark x1="72344" y1="24375" x2="72344" y2="24375"/>
+                        <a14:foregroundMark x1="46563" y1="90885" x2="52604" y2="91198"/>
+                        <a14:foregroundMark x1="71510" y1="44010" x2="71510" y2="46719"/>
+                        <a14:foregroundMark x1="9583" y1="50469" x2="16875" y2="50469"/>
+                        <a14:foregroundMark x1="17760" y1="34271" x2="17760" y2="34271"/>
+                        <a14:foregroundMark x1="15469" y1="31094" x2="15469" y2="31094"/>
+                        <a14:foregroundMark x1="46719" y1="77865" x2="46719" y2="77865"/>
+                        <a14:foregroundMark x1="56146" y1="63073" x2="55885" y2="67396"/>
+                        <a14:foregroundMark x1="55573" y1="75104" x2="56458" y2="78438"/>
+                        <a14:foregroundMark x1="74948" y1="71823" x2="74948" y2="71823"/>
+                        <a14:foregroundMark x1="78385" y1="74688" x2="78385" y2="74688"/>
+                        <a14:foregroundMark x1="81250" y1="78438" x2="81250" y2="78438"/>
+                        <a14:foregroundMark x1="81823" y1="63646" x2="81823" y2="63646"/>
+                        <a14:foregroundMark x1="87708" y1="66250" x2="87708" y2="66250"/>
+                        <a14:foregroundMark x1="85833" y1="49740" x2="85833" y2="49740"/>
+                        <a14:foregroundMark x1="79844" y1="34427" x2="79844" y2="34427"/>
+                        <a14:foregroundMark x1="84688" y1="31094" x2="84688" y2="31094"/>
+                        <a14:foregroundMark x1="12031" y1="65365" x2="12031" y2="65365"/>
+                        <a14:foregroundMark x1="18594" y1="62917" x2="18594" y2="62917"/>
+                        <a14:foregroundMark x1="18021" y1="78698" x2="18021" y2="78698"/>
+                        <a14:foregroundMark x1="21302" y1="74844" x2="21302" y2="74844"/>
+                        <a14:foregroundMark x1="51302" y1="85469" x2="51302" y2="85469"/>
+                      </a14:backgroundRemoval>
+                    </a14:imgEffect>
+                  </a14:imgLayer>
+                </a14:imgProps>
+              </a:ext>
+              <a:ext uri="{28A0092B-C50C-407E-A947-70E740481C1C}">
+                <a14:useLocalDpi xmlns:a14="http://schemas.microsoft.com/office/drawing/2010/main" val="0"/>
+              </a:ext>
+            </a:extLst>
+          </a:blip>
+          <a:srcRect/>
+          <a:stretch>
+            <a:fillRect/>
+          </a:stretch>
+        </p:blipFill>
+        <p:spPr bwMode="auto">
+          <a:xfrm>
+            <a:off x="364700" y="610063"/>
+            <a:ext cx="781360" cy="781360"/>
+          </a:xfrm>
+          <a:prstGeom prst="rect">
+            <a:avLst/>
+          </a:prstGeom>
+          <a:noFill/>
+          <a:extLst>
+            <a:ext uri="{909E8E84-426E-40DD-AFC4-6F175D3DCCD1}">
+              <a14:hiddenFill xmlns:a14="http://schemas.microsoft.com/office/drawing/2010/main">
+                <a:solidFill>
+                  <a:srgbClr val="FFFFFF"/>
+                </a:solidFill>
+              </a14:hiddenFill>
+            </a:ext>
+          </a:extLst>
+        </p:spPr>
+      </p:pic>
+      <p:cxnSp>
+        <p:nvCxnSpPr>
+          <p:cNvPr id="39" name="Прямая соединительная линия 38">
+            <a:extLst>
+              <a:ext uri="{FF2B5EF4-FFF2-40B4-BE49-F238E27FC236}">
+                <a16:creationId xmlns:a16="http://schemas.microsoft.com/office/drawing/2014/main" xmlns="" id="{799E04E1-3E30-42C4-FE2E-7A4526498DDF}"/>
+              </a:ext>
+            </a:extLst>
+          </p:cNvPr>
+          <p:cNvCxnSpPr>
+            <a:cxnSpLocks/>
+          </p:cNvCxnSpPr>
+          <p:nvPr/>
+        </p:nvCxnSpPr>
+        <p:spPr>
+          <a:xfrm>
+            <a:off x="4414686" y="722003"/>
+            <a:ext cx="0" cy="633286"/>
+          </a:xfrm>
+          <a:prstGeom prst="line">
+            <a:avLst/>
+          </a:prstGeom>
+          <a:ln w="15875">
+            <a:solidFill>
+              <a:schemeClr val="tx1"/>
+            </a:solidFill>
+          </a:ln>
+        </p:spPr>
+        <p:style>
+          <a:lnRef idx="1">
+            <a:schemeClr val="accent1"/>
+          </a:lnRef>
+          <a:fillRef idx="0">
+            <a:schemeClr val="accent1"/>
+          </a:fillRef>
+          <a:effectRef idx="0">
+            <a:schemeClr val="accent1"/>
+          </a:effectRef>
+          <a:fontRef idx="minor">
+            <a:schemeClr val="tx1"/>
+          </a:fontRef>
+        </p:style>
+      </p:cxnSp>
+      <p:sp>
+        <p:nvSpPr>
+          <p:cNvPr id="10" name="TextBox 9">
+            <a:extLst>
+              <a:ext uri="{FF2B5EF4-FFF2-40B4-BE49-F238E27FC236}">
+                <a16:creationId xmlns:a16="http://schemas.microsoft.com/office/drawing/2014/main" xmlns="" id="{C7A62AEC-CA6F-EB09-5C07-129DD8CC78ED}"/>
+              </a:ext>
+            </a:extLst>
+          </p:cNvPr>
+          <p:cNvSpPr txBox="1"/>
+          <p:nvPr/>
+        </p:nvSpPr>
+        <p:spPr>
+          <a:xfrm>
+            <a:off x="4466173" y="853980"/>
+            <a:ext cx="4004232" cy="369332"/>
+          </a:xfrm>
+          <a:prstGeom prst="rect">
+            <a:avLst/>
+          </a:prstGeom>
+          <a:noFill/>
+        </p:spPr>
+        <p:txBody>
+          <a:bodyPr wrap="square" rtlCol="0">
+            <a:spAutoFit/>
+          </a:bodyPr>
+          <a:lstStyle/>
+          <a:p>
+            <a:r>
+              <a:rPr lang="ru-RU" dirty="0" smtClean="0">
+                <a:latin typeface="Roboto" panose="02000000000000000000" pitchFamily="2" charset="0"/>
+                <a:ea typeface="Roboto" panose="02000000000000000000" pitchFamily="2" charset="0"/>
+              </a:rPr>
+              <a:t>написание алгоритма</a:t>
+            </a:r>
+            <a:endParaRPr lang="en-GB" dirty="0">
+              <a:latin typeface="Roboto" panose="02000000000000000000" pitchFamily="2" charset="0"/>
+              <a:ea typeface="Roboto" panose="02000000000000000000" pitchFamily="2" charset="0"/>
+            </a:endParaRPr>
+          </a:p>
+        </p:txBody>
+      </p:sp>
+      <p:pic>
+        <p:nvPicPr>
+          <p:cNvPr id="36" name="Рисунок 35"/>
+          <p:cNvPicPr>
+            <a:picLocks noChangeAspect="1"/>
+          </p:cNvPicPr>
+          <p:nvPr/>
+        </p:nvPicPr>
+        <p:blipFill>
+          <a:blip r:embed="rId4">
+            <a:extLst>
+              <a:ext uri="{28A0092B-C50C-407E-A947-70E740481C1C}">
+                <a14:useLocalDpi xmlns:a14="http://schemas.microsoft.com/office/drawing/2010/main" val="0"/>
+              </a:ext>
+            </a:extLst>
+          </a:blip>
+          <a:stretch>
+            <a:fillRect/>
+          </a:stretch>
+        </p:blipFill>
+        <p:spPr>
+          <a:xfrm>
+            <a:off x="632714" y="6041218"/>
+            <a:ext cx="2059211" cy="816782"/>
+          </a:xfrm>
+          <a:prstGeom prst="rect">
+            <a:avLst/>
+          </a:prstGeom>
+        </p:spPr>
+      </p:pic>
+      <p:pic>
+        <p:nvPicPr>
+          <p:cNvPr id="38" name="Рисунок 37"/>
+          <p:cNvPicPr>
+            <a:picLocks noChangeAspect="1"/>
+          </p:cNvPicPr>
+          <p:nvPr/>
+        </p:nvPicPr>
+        <p:blipFill>
+          <a:blip r:embed="rId5" cstate="print">
+            <a:extLst>
+              <a:ext uri="{28A0092B-C50C-407E-A947-70E740481C1C}">
+                <a14:useLocalDpi xmlns:a14="http://schemas.microsoft.com/office/drawing/2010/main" val="0"/>
+              </a:ext>
+            </a:extLst>
+          </a:blip>
+          <a:stretch>
+            <a:fillRect/>
+          </a:stretch>
+        </p:blipFill>
+        <p:spPr>
+          <a:xfrm>
+            <a:off x="9402464" y="6108340"/>
+            <a:ext cx="695728" cy="695728"/>
+          </a:xfrm>
+          <a:prstGeom prst="rect">
+            <a:avLst/>
+          </a:prstGeom>
+        </p:spPr>
+      </p:pic>
+      <p:sp>
+        <p:nvSpPr>
+          <p:cNvPr id="40" name="TextBox 39">
+            <a:extLst>
+              <a:ext uri="{FF2B5EF4-FFF2-40B4-BE49-F238E27FC236}">
+                <a16:creationId xmlns:a16="http://schemas.microsoft.com/office/drawing/2014/main" xmlns="" id="{F6EA0B60-FDC8-1E62-6192-E1695B3DAFE4}"/>
+              </a:ext>
+            </a:extLst>
+          </p:cNvPr>
+          <p:cNvSpPr txBox="1"/>
+          <p:nvPr/>
+        </p:nvSpPr>
+        <p:spPr>
+          <a:xfrm>
+            <a:off x="10098192" y="6260783"/>
+            <a:ext cx="3098862" cy="369332"/>
+          </a:xfrm>
+          <a:prstGeom prst="rect">
+            <a:avLst/>
+          </a:prstGeom>
+          <a:noFill/>
+        </p:spPr>
+        <p:txBody>
+          <a:bodyPr wrap="square" rtlCol="0">
+            <a:spAutoFit/>
+          </a:bodyPr>
+          <a:lstStyle/>
+          <a:p>
+            <a:r>
+              <a:rPr lang="en-US" b="1" dirty="0" err="1" smtClean="0">
+                <a:solidFill>
+                  <a:schemeClr val="bg1"/>
+                </a:solidFill>
+                <a:latin typeface="Roboto" panose="02000000000000000000" pitchFamily="2" charset="0"/>
+                <a:ea typeface="Roboto" panose="02000000000000000000" pitchFamily="2" charset="0"/>
+              </a:rPr>
+              <a:t>KillNet</a:t>
+            </a:r>
+            <a:endParaRPr lang="en-GB" b="1" dirty="0">
+              <a:solidFill>
+                <a:schemeClr val="bg1"/>
+              </a:solidFill>
+              <a:latin typeface="Roboto" panose="02000000000000000000" pitchFamily="2" charset="0"/>
+              <a:ea typeface="Roboto" panose="02000000000000000000" pitchFamily="2" charset="0"/>
+            </a:endParaRPr>
+          </a:p>
+        </p:txBody>
+      </p:sp>
+      <p:sp>
+        <p:nvSpPr>
+          <p:cNvPr id="4" name="Стрелка вправо 3"/>
+          <p:cNvSpPr/>
+          <p:nvPr/>
+        </p:nvSpPr>
+        <p:spPr>
+          <a:xfrm>
+            <a:off x="4242292" y="3078868"/>
+            <a:ext cx="1296364" cy="561371"/>
+          </a:xfrm>
+          <a:prstGeom prst="rightArrow">
+            <a:avLst/>
+          </a:prstGeom>
+          <a:solidFill>
+            <a:srgbClr val="F1879B"/>
+          </a:solidFill>
+          <a:ln>
+            <a:solidFill>
+              <a:srgbClr val="F1879B"/>
+            </a:solidFill>
+          </a:ln>
+        </p:spPr>
+        <p:style>
+          <a:lnRef idx="2">
+            <a:schemeClr val="accent1">
+              <a:shade val="50000"/>
+            </a:schemeClr>
+          </a:lnRef>
+          <a:fillRef idx="1">
+            <a:schemeClr val="accent1"/>
+          </a:fillRef>
+          <a:effectRef idx="0">
+            <a:schemeClr val="accent1"/>
+          </a:effectRef>
+          <a:fontRef idx="minor">
+            <a:schemeClr val="lt1"/>
+          </a:fontRef>
+        </p:style>
+        <p:txBody>
+          <a:bodyPr rtlCol="0" anchor="ctr"/>
+          <a:lstStyle/>
+          <a:p>
+            <a:pPr algn="ctr"/>
+            <a:endParaRPr lang="ru-RU"/>
+          </a:p>
+        </p:txBody>
+      </p:sp>
+      <p:pic>
+        <p:nvPicPr>
+          <p:cNvPr id="2051" name="Picture 3"/>
+          <p:cNvPicPr>
+            <a:picLocks noChangeAspect="1" noChangeArrowheads="1"/>
+          </p:cNvPicPr>
+          <p:nvPr/>
+        </p:nvPicPr>
+        <p:blipFill rotWithShape="1">
+          <a:blip r:embed="rId6">
+            <a:extLst>
+              <a:ext uri="{28A0092B-C50C-407E-A947-70E740481C1C}">
+                <a14:useLocalDpi xmlns:a14="http://schemas.microsoft.com/office/drawing/2010/main" val="0"/>
+              </a:ext>
+            </a:extLst>
+          </a:blip>
+          <a:srcRect l="5725" t="31186" r="20588" b="34407"/>
+          <a:stretch/>
+        </p:blipFill>
+        <p:spPr bwMode="auto">
+          <a:xfrm>
+            <a:off x="1037743" y="2241953"/>
+            <a:ext cx="2793477" cy="2796572"/>
+          </a:xfrm>
+          <a:prstGeom prst="rect">
+            <a:avLst/>
+          </a:prstGeom>
+          <a:noFill/>
+          <a:ln>
+            <a:noFill/>
+          </a:ln>
+          <a:effectLst/>
+          <a:extLst>
+            <a:ext uri="{909E8E84-426E-40DD-AFC4-6F175D3DCCD1}">
+              <a14:hiddenFill xmlns:a14="http://schemas.microsoft.com/office/drawing/2010/main">
+                <a:solidFill>
+                  <a:schemeClr val="accent1"/>
+                </a:solidFill>
+              </a14:hiddenFill>
+            </a:ext>
+            <a:ext uri="{91240B29-F687-4F45-9708-019B960494DF}">
+              <a14:hiddenLine xmlns:a14="http://schemas.microsoft.com/office/drawing/2010/main" w="9525">
+                <a:solidFill>
+                  <a:schemeClr val="tx1"/>
+                </a:solidFill>
+                <a:miter lim="800000"/>
+                <a:headEnd/>
+                <a:tailEnd/>
+              </a14:hiddenLine>
+            </a:ext>
+            <a:ext uri="{AF507438-7753-43E0-B8FC-AC1667EBCBE1}">
+              <a14:hiddenEffects xmlns:a14="http://schemas.microsoft.com/office/drawing/2010/main">
+                <a:effectLst>
+                  <a:outerShdw dist="35921" dir="2700000" algn="ctr" rotWithShape="0">
+                    <a:schemeClr val="bg2"/>
+                  </a:outerShdw>
+                </a:effectLst>
+              </a14:hiddenEffects>
+            </a:ext>
+          </a:extLst>
+        </p:spPr>
+      </p:pic>
+      <p:pic>
+        <p:nvPicPr>
+          <p:cNvPr id="3074" name="Picture 2"/>
+          <p:cNvPicPr>
+            <a:picLocks noChangeAspect="1" noChangeArrowheads="1"/>
+          </p:cNvPicPr>
+          <p:nvPr/>
+        </p:nvPicPr>
+        <p:blipFill rotWithShape="1">
+          <a:blip r:embed="rId7">
+            <a:extLst>
+              <a:ext uri="{28A0092B-C50C-407E-A947-70E740481C1C}">
+                <a14:useLocalDpi xmlns:a14="http://schemas.microsoft.com/office/drawing/2010/main" val="0"/>
+              </a:ext>
+            </a:extLst>
+          </a:blip>
+          <a:srcRect l="7007" t="29051" r="22114" b="35475"/>
+          <a:stretch/>
+        </p:blipFill>
+        <p:spPr bwMode="auto">
+          <a:xfrm>
+            <a:off x="5650757" y="2077015"/>
+            <a:ext cx="2686981" cy="2883382"/>
+          </a:xfrm>
+          <a:prstGeom prst="rect">
+            <a:avLst/>
+          </a:prstGeom>
+          <a:noFill/>
+          <a:ln>
+            <a:noFill/>
+          </a:ln>
+          <a:effectLst/>
+          <a:extLst>
+            <a:ext uri="{909E8E84-426E-40DD-AFC4-6F175D3DCCD1}">
+              <a14:hiddenFill xmlns:a14="http://schemas.microsoft.com/office/drawing/2010/main">
+                <a:solidFill>
+                  <a:schemeClr val="accent1"/>
+                </a:solidFill>
+              </a14:hiddenFill>
+            </a:ext>
+            <a:ext uri="{91240B29-F687-4F45-9708-019B960494DF}">
+              <a14:hiddenLine xmlns:a14="http://schemas.microsoft.com/office/drawing/2010/main" w="9525">
+                <a:solidFill>
+                  <a:schemeClr val="tx1"/>
+                </a:solidFill>
+                <a:miter lim="800000"/>
+                <a:headEnd/>
+                <a:tailEnd/>
+              </a14:hiddenLine>
+            </a:ext>
+            <a:ext uri="{AF507438-7753-43E0-B8FC-AC1667EBCBE1}">
+              <a14:hiddenEffects xmlns:a14="http://schemas.microsoft.com/office/drawing/2010/main">
+                <a:effectLst>
+                  <a:outerShdw dist="35921" dir="2700000" algn="ctr" rotWithShape="0">
+                    <a:schemeClr val="bg2"/>
+                  </a:outerShdw>
+                </a:effectLst>
+              </a14:hiddenEffects>
+            </a:ext>
+          </a:extLst>
+        </p:spPr>
+      </p:pic>
+    </p:spTree>
+    <p:extLst>
+      <p:ext uri="{BB962C8B-B14F-4D97-AF65-F5344CB8AC3E}">
+        <p14:creationId xmlns:p14="http://schemas.microsoft.com/office/powerpoint/2010/main" val="3073076257"/>
+      </p:ext>
+    </p:extLst>
+  </p:cSld>
+  <p:clrMapOvr>
+    <a:masterClrMapping/>
+  </p:clrMapOvr>
+  <p:transition spd="slow">
+    <p:fade/>
+  </p:transition>
+  <p:timing>
+    <p:tnLst>
+      <p:par>
+        <p:cTn id="1" dur="indefinite" restart="never" nodeType="tmRoot"/>
+      </p:par>
+    </p:tnLst>
+  </p:timing>
+</p:sld>
+</file>
+
+<file path=ppt/slides/slide9.xml><?xml version="1.0" encoding="utf-8"?>
+<p:sld xmlns:a="http://schemas.openxmlformats.org/drawingml/2006/main" xmlns:r="http://schemas.openxmlformats.org/officeDocument/2006/relationships" xmlns:p="http://schemas.openxmlformats.org/presentationml/2006/main">
+  <p:cSld>
+    <p:spTree>
+      <p:nvGrpSpPr>
+        <p:cNvPr id="1" name=""/>
+        <p:cNvGrpSpPr/>
+        <p:nvPr/>
+      </p:nvGrpSpPr>
+      <p:grpSpPr>
+        <a:xfrm>
+          <a:off x="0" y="0"/>
+          <a:ext cx="0" cy="0"/>
+          <a:chOff x="0" y="0"/>
+          <a:chExt cx="0" cy="0"/>
+        </a:xfrm>
+      </p:grpSpPr>
       <p:grpSp>
         <p:nvGrpSpPr>
           <p:cNvPr id="1048" name="Группа 1047">
             <a:extLst>
               <a:ext uri="{FF2B5EF4-FFF2-40B4-BE49-F238E27FC236}">
-                <a16:creationId xmlns="" xmlns:a16="http://schemas.microsoft.com/office/drawing/2014/main" id="{8471C7CA-94C8-1873-35A8-9ED785B89D3E}"/>
+                <a16:creationId xmlns:a16="http://schemas.microsoft.com/office/drawing/2014/main" xmlns="" id="{8471C7CA-94C8-1873-35A8-9ED785B89D3E}"/>
               </a:ext>
             </a:extLst>
           </p:cNvPr>
@@ -13687,7 +15128,7 @@
             <p:cNvPr id="1049" name="Прямоугольник: скругленные углы 1048">
               <a:extLst>
                 <a:ext uri="{FF2B5EF4-FFF2-40B4-BE49-F238E27FC236}">
-                  <a16:creationId xmlns="" xmlns:a16="http://schemas.microsoft.com/office/drawing/2014/main" id="{5D984BC2-B7C1-0F37-A501-F2DCB00EF3A7}"/>
+                  <a16:creationId xmlns:a16="http://schemas.microsoft.com/office/drawing/2014/main" xmlns="" id="{5D984BC2-B7C1-0F37-A501-F2DCB00EF3A7}"/>
                 </a:ext>
               </a:extLst>
             </p:cNvPr>
@@ -13741,7 +15182,7 @@
             <p:cNvPr id="1050" name="TextBox 1049">
               <a:extLst>
                 <a:ext uri="{FF2B5EF4-FFF2-40B4-BE49-F238E27FC236}">
-                  <a16:creationId xmlns="" xmlns:a16="http://schemas.microsoft.com/office/drawing/2014/main" id="{D862A562-F75C-6799-2354-11834555C587}"/>
+                  <a16:creationId xmlns:a16="http://schemas.microsoft.com/office/drawing/2014/main" xmlns="" id="{D862A562-F75C-6799-2354-11834555C587}"/>
                 </a:ext>
               </a:extLst>
             </p:cNvPr>
@@ -13784,7 +15225,7 @@
           <p:cNvPr id="5" name="Прямоугольник: скругленные углы 4">
             <a:extLst>
               <a:ext uri="{FF2B5EF4-FFF2-40B4-BE49-F238E27FC236}">
-                <a16:creationId xmlns="" xmlns:a16="http://schemas.microsoft.com/office/drawing/2014/main" id="{81135EE4-F789-2C6D-29A7-E3D77D6FA1D6}"/>
+                <a16:creationId xmlns:a16="http://schemas.microsoft.com/office/drawing/2014/main" xmlns="" id="{81135EE4-F789-2C6D-29A7-E3D77D6FA1D6}"/>
               </a:ext>
             </a:extLst>
           </p:cNvPr>
@@ -13870,7 +15311,7 @@
           <p:cNvPr id="2" name="Заголовок 1">
             <a:extLst>
               <a:ext uri="{FF2B5EF4-FFF2-40B4-BE49-F238E27FC236}">
-                <a16:creationId xmlns="" xmlns:a16="http://schemas.microsoft.com/office/drawing/2014/main" id="{6B6E567A-EC54-E9C1-9A37-BFD5FBF0ED8C}"/>
+                <a16:creationId xmlns:a16="http://schemas.microsoft.com/office/drawing/2014/main" xmlns="" id="{6B6E567A-EC54-E9C1-9A37-BFD5FBF0ED8C}"/>
               </a:ext>
             </a:extLst>
           </p:cNvPr>
@@ -13916,7 +15357,7 @@
           <p:cNvPr id="1047" name="Группа 1046">
             <a:extLst>
               <a:ext uri="{FF2B5EF4-FFF2-40B4-BE49-F238E27FC236}">
-                <a16:creationId xmlns="" xmlns:a16="http://schemas.microsoft.com/office/drawing/2014/main" id="{81684110-1BDC-3302-8813-B1DF66A38308}"/>
+                <a16:creationId xmlns:a16="http://schemas.microsoft.com/office/drawing/2014/main" xmlns="" id="{81684110-1BDC-3302-8813-B1DF66A38308}"/>
               </a:ext>
             </a:extLst>
           </p:cNvPr>
@@ -13936,7 +15377,7 @@
             <p:cNvPr id="23" name="Прямоугольник: скругленные углы 22">
               <a:extLst>
                 <a:ext uri="{FF2B5EF4-FFF2-40B4-BE49-F238E27FC236}">
-                  <a16:creationId xmlns="" xmlns:a16="http://schemas.microsoft.com/office/drawing/2014/main" id="{28CE4416-DA2C-C8B9-2912-A5489F3FA8C3}"/>
+                  <a16:creationId xmlns:a16="http://schemas.microsoft.com/office/drawing/2014/main" xmlns="" id="{28CE4416-DA2C-C8B9-2912-A5489F3FA8C3}"/>
                 </a:ext>
               </a:extLst>
             </p:cNvPr>
@@ -13990,7 +15431,7 @@
             <p:cNvPr id="24" name="TextBox 23">
               <a:extLst>
                 <a:ext uri="{FF2B5EF4-FFF2-40B4-BE49-F238E27FC236}">
-                  <a16:creationId xmlns="" xmlns:a16="http://schemas.microsoft.com/office/drawing/2014/main" id="{CBBE7B73-32EC-16D5-0B7E-6D39FCF86224}"/>
+                  <a16:creationId xmlns:a16="http://schemas.microsoft.com/office/drawing/2014/main" xmlns="" id="{CBBE7B73-32EC-16D5-0B7E-6D39FCF86224}"/>
                 </a:ext>
               </a:extLst>
             </p:cNvPr>
@@ -14033,7 +15474,7 @@
           <p:cNvPr id="10" name="Прямая соединительная линия 9">
             <a:extLst>
               <a:ext uri="{FF2B5EF4-FFF2-40B4-BE49-F238E27FC236}">
-                <a16:creationId xmlns="" xmlns:a16="http://schemas.microsoft.com/office/drawing/2014/main" id="{B4CE4BAE-0045-131F-5DF9-2331CB7429D4}"/>
+                <a16:creationId xmlns:a16="http://schemas.microsoft.com/office/drawing/2014/main" xmlns="" id="{B4CE4BAE-0045-131F-5DF9-2331CB7429D4}"/>
               </a:ext>
             </a:extLst>
           </p:cNvPr>
@@ -14077,7 +15518,7 @@
           <p:cNvPr id="11" name="Прямая соединительная линия 10">
             <a:extLst>
               <a:ext uri="{FF2B5EF4-FFF2-40B4-BE49-F238E27FC236}">
-                <a16:creationId xmlns="" xmlns:a16="http://schemas.microsoft.com/office/drawing/2014/main" id="{D66C1081-9A77-6721-83AC-2901A3AE7B31}"/>
+                <a16:creationId xmlns:a16="http://schemas.microsoft.com/office/drawing/2014/main" xmlns="" id="{D66C1081-9A77-6721-83AC-2901A3AE7B31}"/>
               </a:ext>
             </a:extLst>
           </p:cNvPr>
@@ -14120,7 +15561,7 @@
           <p:cNvPr id="29" name="Прямая соединительная линия 28">
             <a:extLst>
               <a:ext uri="{FF2B5EF4-FFF2-40B4-BE49-F238E27FC236}">
-                <a16:creationId xmlns="" xmlns:a16="http://schemas.microsoft.com/office/drawing/2014/main" id="{0E305106-C399-3153-B829-64416A0E2371}"/>
+                <a16:creationId xmlns:a16="http://schemas.microsoft.com/office/drawing/2014/main" xmlns="" id="{0E305106-C399-3153-B829-64416A0E2371}"/>
               </a:ext>
             </a:extLst>
           </p:cNvPr>
@@ -14163,7 +15604,7 @@
           <p:cNvPr id="34" name="Прямая соединительная линия 33">
             <a:extLst>
               <a:ext uri="{FF2B5EF4-FFF2-40B4-BE49-F238E27FC236}">
-                <a16:creationId xmlns="" xmlns:a16="http://schemas.microsoft.com/office/drawing/2014/main" id="{90E7BA92-CD1D-FF00-4BF8-64778EB46ACE}"/>
+                <a16:creationId xmlns:a16="http://schemas.microsoft.com/office/drawing/2014/main" xmlns="" id="{90E7BA92-CD1D-FF00-4BF8-64778EB46ACE}"/>
               </a:ext>
             </a:extLst>
           </p:cNvPr>
@@ -14206,7 +15647,7 @@
           <p:cNvPr id="40" name="Блок-схема: узел 39">
             <a:extLst>
               <a:ext uri="{FF2B5EF4-FFF2-40B4-BE49-F238E27FC236}">
-                <a16:creationId xmlns="" xmlns:a16="http://schemas.microsoft.com/office/drawing/2014/main" id="{3363102C-76B8-51E3-9CB7-1D0E5271979E}"/>
+                <a16:creationId xmlns:a16="http://schemas.microsoft.com/office/drawing/2014/main" xmlns="" id="{3363102C-76B8-51E3-9CB7-1D0E5271979E}"/>
               </a:ext>
             </a:extLst>
           </p:cNvPr>
@@ -14258,7 +15699,7 @@
           <p:cNvPr id="41" name="Прямая соединительная линия 40">
             <a:extLst>
               <a:ext uri="{FF2B5EF4-FFF2-40B4-BE49-F238E27FC236}">
-                <a16:creationId xmlns="" xmlns:a16="http://schemas.microsoft.com/office/drawing/2014/main" id="{0928297F-D28D-5C41-4AE0-95944CBE02BD}"/>
+                <a16:creationId xmlns:a16="http://schemas.microsoft.com/office/drawing/2014/main" xmlns="" id="{0928297F-D28D-5C41-4AE0-95944CBE02BD}"/>
               </a:ext>
             </a:extLst>
           </p:cNvPr>
@@ -14301,7 +15742,7 @@
           <p:cNvPr id="49" name="Блок-схема: узел 48">
             <a:extLst>
               <a:ext uri="{FF2B5EF4-FFF2-40B4-BE49-F238E27FC236}">
-                <a16:creationId xmlns="" xmlns:a16="http://schemas.microsoft.com/office/drawing/2014/main" id="{FE2334CE-D7B7-4C29-8DE2-12EB50745FC2}"/>
+                <a16:creationId xmlns:a16="http://schemas.microsoft.com/office/drawing/2014/main" xmlns="" id="{FE2334CE-D7B7-4C29-8DE2-12EB50745FC2}"/>
               </a:ext>
             </a:extLst>
           </p:cNvPr>
@@ -14353,7 +15794,7 @@
           <p:cNvPr id="60" name="Прямая соединительная линия 59">
             <a:extLst>
               <a:ext uri="{FF2B5EF4-FFF2-40B4-BE49-F238E27FC236}">
-                <a16:creationId xmlns="" xmlns:a16="http://schemas.microsoft.com/office/drawing/2014/main" id="{32666EC6-A7F4-49C8-62C4-4E3C02875CAE}"/>
+                <a16:creationId xmlns:a16="http://schemas.microsoft.com/office/drawing/2014/main" xmlns="" id="{32666EC6-A7F4-49C8-62C4-4E3C02875CAE}"/>
               </a:ext>
             </a:extLst>
           </p:cNvPr>
@@ -14396,7 +15837,7 @@
           <p:cNvPr id="1036" name="Прямая соединительная линия 1035">
             <a:extLst>
               <a:ext uri="{FF2B5EF4-FFF2-40B4-BE49-F238E27FC236}">
-                <a16:creationId xmlns="" xmlns:a16="http://schemas.microsoft.com/office/drawing/2014/main" id="{C0482F19-ED5C-CD8D-F4B5-3A4E45D5D4A5}"/>
+                <a16:creationId xmlns:a16="http://schemas.microsoft.com/office/drawing/2014/main" xmlns="" id="{C0482F19-ED5C-CD8D-F4B5-3A4E45D5D4A5}"/>
               </a:ext>
             </a:extLst>
           </p:cNvPr>
@@ -14499,7 +15940,7 @@
           <p:cNvPr id="42" name="TextBox 41">
             <a:extLst>
               <a:ext uri="{FF2B5EF4-FFF2-40B4-BE49-F238E27FC236}">
-                <a16:creationId xmlns="" xmlns:a16="http://schemas.microsoft.com/office/drawing/2014/main" id="{F6EA0B60-FDC8-1E62-6192-E1695B3DAFE4}"/>
+                <a16:creationId xmlns:a16="http://schemas.microsoft.com/office/drawing/2014/main" xmlns="" id="{F6EA0B60-FDC8-1E62-6192-E1695B3DAFE4}"/>
               </a:ext>
             </a:extLst>
           </p:cNvPr>
@@ -14629,7 +16070,7 @@
           <p:cNvPr id="33" name="Прямая соединительная линия 32">
             <a:extLst>
               <a:ext uri="{FF2B5EF4-FFF2-40B4-BE49-F238E27FC236}">
-                <a16:creationId xmlns="" xmlns:a16="http://schemas.microsoft.com/office/drawing/2014/main" id="{0928297F-D28D-5C41-4AE0-95944CBE02BD}"/>
+                <a16:creationId xmlns:a16="http://schemas.microsoft.com/office/drawing/2014/main" xmlns="" id="{0928297F-D28D-5C41-4AE0-95944CBE02BD}"/>
               </a:ext>
             </a:extLst>
           </p:cNvPr>
@@ -14673,7 +16114,7 @@
           <p:cNvPr id="43" name="Прямая соединительная линия 42">
             <a:extLst>
               <a:ext uri="{FF2B5EF4-FFF2-40B4-BE49-F238E27FC236}">
-                <a16:creationId xmlns="" xmlns:a16="http://schemas.microsoft.com/office/drawing/2014/main" id="{0928297F-D28D-5C41-4AE0-95944CBE02BD}"/>
+                <a16:creationId xmlns:a16="http://schemas.microsoft.com/office/drawing/2014/main" xmlns="" id="{0928297F-D28D-5C41-4AE0-95944CBE02BD}"/>
               </a:ext>
             </a:extLst>
           </p:cNvPr>
@@ -15257,796 +16698,6 @@
 </p:sld>
 </file>
 
-<file path=ppt/slides/slide9.xml><?xml version="1.0" encoding="utf-8"?>
-<p:sld xmlns:a="http://schemas.openxmlformats.org/drawingml/2006/main" xmlns:r="http://schemas.openxmlformats.org/officeDocument/2006/relationships" xmlns:p="http://schemas.openxmlformats.org/presentationml/2006/main">
-  <p:cSld>
-    <p:spTree>
-      <p:nvGrpSpPr>
-        <p:cNvPr id="1" name=""/>
-        <p:cNvGrpSpPr/>
-        <p:nvPr/>
-      </p:nvGrpSpPr>
-      <p:grpSpPr>
-        <a:xfrm>
-          <a:off x="0" y="0"/>
-          <a:ext cx="0" cy="0"/>
-          <a:chOff x="0" y="0"/>
-          <a:chExt cx="0" cy="0"/>
-        </a:xfrm>
-      </p:grpSpPr>
-      <p:grpSp>
-        <p:nvGrpSpPr>
-          <p:cNvPr id="38" name="Группа 37">
-            <a:extLst>
-              <a:ext uri="{FF2B5EF4-FFF2-40B4-BE49-F238E27FC236}">
-                <a16:creationId xmlns="" xmlns:a16="http://schemas.microsoft.com/office/drawing/2014/main" id="{2704BA95-4C2D-B8FE-188E-3DB42E79507B}"/>
-              </a:ext>
-            </a:extLst>
-          </p:cNvPr>
-          <p:cNvGrpSpPr/>
-          <p:nvPr/>
-        </p:nvGrpSpPr>
-        <p:grpSpPr>
-          <a:xfrm>
-            <a:off x="11436259" y="6120980"/>
-            <a:ext cx="343770" cy="582524"/>
-            <a:chOff x="11353797" y="6160456"/>
-            <a:chExt cx="343770" cy="582524"/>
-          </a:xfrm>
-        </p:grpSpPr>
-        <p:sp>
-          <p:nvSpPr>
-            <p:cNvPr id="39" name="Прямоугольник: скругленные углы 38">
-              <a:extLst>
-                <a:ext uri="{FF2B5EF4-FFF2-40B4-BE49-F238E27FC236}">
-                  <a16:creationId xmlns="" xmlns:a16="http://schemas.microsoft.com/office/drawing/2014/main" id="{95935479-7163-07D2-0D3E-E07798A517B3}"/>
-                </a:ext>
-              </a:extLst>
-            </p:cNvPr>
-            <p:cNvSpPr/>
-            <p:nvPr/>
-          </p:nvSpPr>
-          <p:spPr>
-            <a:xfrm>
-              <a:off x="11416933" y="6160456"/>
-              <a:ext cx="280634" cy="582524"/>
-            </a:xfrm>
-            <a:prstGeom prst="roundRect">
-              <a:avLst>
-                <a:gd name="adj" fmla="val 50000"/>
-              </a:avLst>
-            </a:prstGeom>
-            <a:solidFill>
-              <a:srgbClr val="5FD0E3"/>
-            </a:solidFill>
-            <a:ln>
-              <a:noFill/>
-            </a:ln>
-          </p:spPr>
-          <p:style>
-            <a:lnRef idx="2">
-              <a:schemeClr val="accent1">
-                <a:shade val="15000"/>
-              </a:schemeClr>
-            </a:lnRef>
-            <a:fillRef idx="1">
-              <a:schemeClr val="accent1"/>
-            </a:fillRef>
-            <a:effectRef idx="0">
-              <a:schemeClr val="accent1"/>
-            </a:effectRef>
-            <a:fontRef idx="minor">
-              <a:schemeClr val="lt1"/>
-            </a:fontRef>
-          </p:style>
-          <p:txBody>
-            <a:bodyPr rtlCol="0" anchor="ctr"/>
-            <a:lstStyle/>
-            <a:p>
-              <a:pPr algn="ctr"/>
-              <a:endParaRPr lang="en-GB"/>
-            </a:p>
-          </p:txBody>
-        </p:sp>
-        <p:sp>
-          <p:nvSpPr>
-            <p:cNvPr id="40" name="TextBox 39">
-              <a:extLst>
-                <a:ext uri="{FF2B5EF4-FFF2-40B4-BE49-F238E27FC236}">
-                  <a16:creationId xmlns="" xmlns:a16="http://schemas.microsoft.com/office/drawing/2014/main" id="{26FD9EFD-D215-03B5-BD04-A9E393E75425}"/>
-                </a:ext>
-              </a:extLst>
-            </p:cNvPr>
-            <p:cNvSpPr txBox="1"/>
-            <p:nvPr/>
-          </p:nvSpPr>
-          <p:spPr>
-            <a:xfrm>
-              <a:off x="11353797" y="6224241"/>
-              <a:ext cx="308376" cy="461665"/>
-            </a:xfrm>
-            <a:prstGeom prst="rect">
-              <a:avLst/>
-            </a:prstGeom>
-            <a:noFill/>
-          </p:spPr>
-          <p:txBody>
-            <a:bodyPr wrap="square" rtlCol="0">
-              <a:spAutoFit/>
-            </a:bodyPr>
-            <a:lstStyle/>
-            <a:p>
-              <a:r>
-                <a:rPr lang="ru-RU" sz="2400" dirty="0">
-                  <a:latin typeface="FRM325x8" panose="02000603000000000000" pitchFamily="2" charset="0"/>
-                  <a:ea typeface="FRM325x8" panose="02000603000000000000" pitchFamily="2" charset="0"/>
-                </a:rPr>
-                <a:t>8</a:t>
-              </a:r>
-              <a:endParaRPr lang="en-GB" dirty="0">
-                <a:latin typeface="FRM325x8" panose="02000603000000000000" pitchFamily="2" charset="0"/>
-                <a:ea typeface="FRM325x8" panose="02000603000000000000" pitchFamily="2" charset="0"/>
-              </a:endParaRPr>
-            </a:p>
-          </p:txBody>
-        </p:sp>
-      </p:grpSp>
-      <p:sp>
-        <p:nvSpPr>
-          <p:cNvPr id="6" name="Прямоугольник: скругленные углы 5">
-            <a:extLst>
-              <a:ext uri="{FF2B5EF4-FFF2-40B4-BE49-F238E27FC236}">
-                <a16:creationId xmlns="" xmlns:a16="http://schemas.microsoft.com/office/drawing/2014/main" id="{208813F8-FFF5-C2D3-3060-618FD450BAEF}"/>
-              </a:ext>
-            </a:extLst>
-          </p:cNvPr>
-          <p:cNvSpPr/>
-          <p:nvPr/>
-        </p:nvSpPr>
-        <p:spPr>
-          <a:xfrm>
-            <a:off x="755380" y="2352482"/>
-            <a:ext cx="10515601" cy="2554480"/>
-          </a:xfrm>
-          <a:prstGeom prst="roundRect">
-            <a:avLst>
-              <a:gd name="adj" fmla="val 7657"/>
-            </a:avLst>
-          </a:prstGeom>
-          <a:solidFill>
-            <a:schemeClr val="bg1"/>
-          </a:solidFill>
-        </p:spPr>
-        <p:style>
-          <a:lnRef idx="2">
-            <a:schemeClr val="accent1">
-              <a:shade val="15000"/>
-            </a:schemeClr>
-          </a:lnRef>
-          <a:fillRef idx="1">
-            <a:schemeClr val="accent1"/>
-          </a:fillRef>
-          <a:effectRef idx="0">
-            <a:schemeClr val="accent1"/>
-          </a:effectRef>
-          <a:fontRef idx="minor">
-            <a:schemeClr val="lt1"/>
-          </a:fontRef>
-        </p:style>
-        <p:txBody>
-          <a:bodyPr rtlCol="0" anchor="ctr"/>
-          <a:lstStyle/>
-          <a:p>
-            <a:pPr algn="ctr"/>
-            <a:endParaRPr lang="en-GB"/>
-          </a:p>
-        </p:txBody>
-      </p:sp>
-      <p:sp>
-        <p:nvSpPr>
-          <p:cNvPr id="5" name="Прямоугольник: скругленные углы 4">
-            <a:extLst>
-              <a:ext uri="{FF2B5EF4-FFF2-40B4-BE49-F238E27FC236}">
-                <a16:creationId xmlns="" xmlns:a16="http://schemas.microsoft.com/office/drawing/2014/main" id="{28D94567-D23F-4FDD-56D3-96946E39BE7E}"/>
-              </a:ext>
-            </a:extLst>
-          </p:cNvPr>
-          <p:cNvSpPr/>
-          <p:nvPr/>
-        </p:nvSpPr>
-        <p:spPr>
-          <a:xfrm>
-            <a:off x="755380" y="964272"/>
-            <a:ext cx="6876725" cy="1171958"/>
-          </a:xfrm>
-          <a:prstGeom prst="roundRect">
-            <a:avLst/>
-          </a:prstGeom>
-          <a:solidFill>
-            <a:srgbClr val="F1879B"/>
-          </a:solidFill>
-        </p:spPr>
-        <p:style>
-          <a:lnRef idx="2">
-            <a:schemeClr val="accent1">
-              <a:shade val="15000"/>
-            </a:schemeClr>
-          </a:lnRef>
-          <a:fillRef idx="1">
-            <a:schemeClr val="accent1"/>
-          </a:fillRef>
-          <a:effectRef idx="0">
-            <a:schemeClr val="accent1"/>
-          </a:effectRef>
-          <a:fontRef idx="minor">
-            <a:schemeClr val="lt1"/>
-          </a:fontRef>
-        </p:style>
-        <p:txBody>
-          <a:bodyPr rtlCol="0" anchor="ctr"/>
-          <a:lstStyle/>
-          <a:p>
-            <a:pPr algn="ctr"/>
-            <a:endParaRPr lang="en-GB"/>
-          </a:p>
-        </p:txBody>
-      </p:sp>
-      <p:sp>
-        <p:nvSpPr>
-          <p:cNvPr id="2" name="Заголовок 1">
-            <a:extLst>
-              <a:ext uri="{FF2B5EF4-FFF2-40B4-BE49-F238E27FC236}">
-                <a16:creationId xmlns="" xmlns:a16="http://schemas.microsoft.com/office/drawing/2014/main" id="{0F86EC91-B376-0676-CA1C-349BCE7CAD68}"/>
-              </a:ext>
-            </a:extLst>
-          </p:cNvPr>
-          <p:cNvSpPr>
-            <a:spLocks noGrp="1"/>
-          </p:cNvSpPr>
-          <p:nvPr>
-            <p:ph type="title"/>
-          </p:nvPr>
-        </p:nvSpPr>
-        <p:spPr>
-          <a:xfrm>
-            <a:off x="798458" y="1087797"/>
-            <a:ext cx="6790567" cy="931671"/>
-          </a:xfrm>
-        </p:spPr>
-        <p:txBody>
-          <a:bodyPr/>
-          <a:lstStyle/>
-          <a:p>
-            <a:r>
-              <a:rPr lang="ru-RU" dirty="0">
-                <a:latin typeface="FRM325x8" panose="02000603000000000000" pitchFamily="2" charset="0"/>
-                <a:ea typeface="FRM325x8" panose="02000603000000000000" pitchFamily="2" charset="0"/>
-              </a:rPr>
-              <a:t>Масштабирование:</a:t>
-            </a:r>
-            <a:endParaRPr lang="en-GB" dirty="0">
-              <a:latin typeface="FRM325x8" panose="02000603000000000000" pitchFamily="2" charset="0"/>
-              <a:ea typeface="FRM325x8" panose="02000603000000000000" pitchFamily="2" charset="0"/>
-            </a:endParaRPr>
-          </a:p>
-        </p:txBody>
-      </p:sp>
-      <p:sp>
-        <p:nvSpPr>
-          <p:cNvPr id="3" name="Объект 2">
-            <a:extLst>
-              <a:ext uri="{FF2B5EF4-FFF2-40B4-BE49-F238E27FC236}">
-                <a16:creationId xmlns="" xmlns:a16="http://schemas.microsoft.com/office/drawing/2014/main" id="{4B1EF3BA-69B0-34FE-7B5E-92F8A4C29B93}"/>
-              </a:ext>
-            </a:extLst>
-          </p:cNvPr>
-          <p:cNvSpPr>
-            <a:spLocks noGrp="1"/>
-          </p:cNvSpPr>
-          <p:nvPr>
-            <p:ph idx="1"/>
-          </p:nvPr>
-        </p:nvSpPr>
-        <p:spPr>
-          <a:xfrm>
-            <a:off x="841538" y="2517798"/>
-            <a:ext cx="10282084" cy="2264594"/>
-          </a:xfrm>
-        </p:spPr>
-        <p:txBody>
-          <a:bodyPr/>
-          <a:lstStyle/>
-          <a:p>
-            <a:pPr marL="0" indent="0">
-              <a:buNone/>
-            </a:pPr>
-            <a:r>
-              <a:rPr lang="ru-RU" dirty="0"/>
-              <a:t>Наше решение совершенно автономно относительно </a:t>
-            </a:r>
-            <a:r>
-              <a:rPr lang="ru-RU" dirty="0" err="1" smtClean="0"/>
-              <a:t>датасета</a:t>
-            </a:r>
-            <a:r>
-              <a:rPr lang="ru-RU" dirty="0" smtClean="0"/>
-              <a:t>. </a:t>
-            </a:r>
-            <a:r>
-              <a:rPr lang="ru-RU" dirty="0"/>
-              <a:t>Также оно независимо от объектов, с которыми работает </a:t>
-            </a:r>
-            <a:r>
-              <a:rPr lang="ru-RU" dirty="0" smtClean="0"/>
-              <a:t>алгоритм.</a:t>
-            </a:r>
-          </a:p>
-          <a:p>
-            <a:pPr marL="0" indent="0">
-              <a:buNone/>
-            </a:pPr>
-            <a:endParaRPr lang="ru-RU" dirty="0"/>
-          </a:p>
-        </p:txBody>
-      </p:sp>
-      <p:grpSp>
-        <p:nvGrpSpPr>
-          <p:cNvPr id="37" name="Группа 36">
-            <a:extLst>
-              <a:ext uri="{FF2B5EF4-FFF2-40B4-BE49-F238E27FC236}">
-                <a16:creationId xmlns="" xmlns:a16="http://schemas.microsoft.com/office/drawing/2014/main" id="{5CDA5659-8227-8C07-F76C-71F970CEC76E}"/>
-              </a:ext>
-            </a:extLst>
-          </p:cNvPr>
-          <p:cNvGrpSpPr/>
-          <p:nvPr/>
-        </p:nvGrpSpPr>
-        <p:grpSpPr>
-          <a:xfrm>
-            <a:off x="11436259" y="6127533"/>
-            <a:ext cx="343770" cy="582524"/>
-            <a:chOff x="11353800" y="6164966"/>
-            <a:chExt cx="343770" cy="582524"/>
-          </a:xfrm>
-        </p:grpSpPr>
-        <p:sp>
-          <p:nvSpPr>
-            <p:cNvPr id="7" name="Прямоугольник: скругленные углы 6">
-              <a:extLst>
-                <a:ext uri="{FF2B5EF4-FFF2-40B4-BE49-F238E27FC236}">
-                  <a16:creationId xmlns="" xmlns:a16="http://schemas.microsoft.com/office/drawing/2014/main" id="{A77BE67F-C71D-AFE6-238A-7CB28FA59BC1}"/>
-                </a:ext>
-              </a:extLst>
-            </p:cNvPr>
-            <p:cNvSpPr/>
-            <p:nvPr/>
-          </p:nvSpPr>
-          <p:spPr>
-            <a:xfrm>
-              <a:off x="11416936" y="6164966"/>
-              <a:ext cx="280634" cy="582524"/>
-            </a:xfrm>
-            <a:prstGeom prst="roundRect">
-              <a:avLst>
-                <a:gd name="adj" fmla="val 50000"/>
-              </a:avLst>
-            </a:prstGeom>
-            <a:solidFill>
-              <a:srgbClr val="F1879B"/>
-            </a:solidFill>
-            <a:ln>
-              <a:noFill/>
-            </a:ln>
-          </p:spPr>
-          <p:style>
-            <a:lnRef idx="2">
-              <a:schemeClr val="accent1">
-                <a:shade val="15000"/>
-              </a:schemeClr>
-            </a:lnRef>
-            <a:fillRef idx="1">
-              <a:schemeClr val="accent1"/>
-            </a:fillRef>
-            <a:effectRef idx="0">
-              <a:schemeClr val="accent1"/>
-            </a:effectRef>
-            <a:fontRef idx="minor">
-              <a:schemeClr val="lt1"/>
-            </a:fontRef>
-          </p:style>
-          <p:txBody>
-            <a:bodyPr rtlCol="0" anchor="ctr"/>
-            <a:lstStyle/>
-            <a:p>
-              <a:pPr algn="ctr"/>
-              <a:endParaRPr lang="en-GB"/>
-            </a:p>
-          </p:txBody>
-        </p:sp>
-        <p:sp>
-          <p:nvSpPr>
-            <p:cNvPr id="8" name="TextBox 7">
-              <a:extLst>
-                <a:ext uri="{FF2B5EF4-FFF2-40B4-BE49-F238E27FC236}">
-                  <a16:creationId xmlns="" xmlns:a16="http://schemas.microsoft.com/office/drawing/2014/main" id="{CE76C7FA-2A65-E921-E3E5-6B7B24B747C8}"/>
-                </a:ext>
-              </a:extLst>
-            </p:cNvPr>
-            <p:cNvSpPr txBox="1"/>
-            <p:nvPr/>
-          </p:nvSpPr>
-          <p:spPr>
-            <a:xfrm>
-              <a:off x="11353800" y="6228751"/>
-              <a:ext cx="308376" cy="461665"/>
-            </a:xfrm>
-            <a:prstGeom prst="rect">
-              <a:avLst/>
-            </a:prstGeom>
-            <a:noFill/>
-          </p:spPr>
-          <p:txBody>
-            <a:bodyPr wrap="square" rtlCol="0">
-              <a:spAutoFit/>
-            </a:bodyPr>
-            <a:lstStyle/>
-            <a:p>
-              <a:r>
-                <a:rPr lang="ru-RU" sz="2400" dirty="0">
-                  <a:latin typeface="FRM325x8" panose="02000603000000000000" pitchFamily="2" charset="0"/>
-                  <a:ea typeface="FRM325x8" panose="02000603000000000000" pitchFamily="2" charset="0"/>
-                </a:rPr>
-                <a:t>9</a:t>
-              </a:r>
-              <a:endParaRPr lang="en-GB" dirty="0">
-                <a:latin typeface="FRM325x8" panose="02000603000000000000" pitchFamily="2" charset="0"/>
-                <a:ea typeface="FRM325x8" panose="02000603000000000000" pitchFamily="2" charset="0"/>
-              </a:endParaRPr>
-            </a:p>
-          </p:txBody>
-        </p:sp>
-      </p:grpSp>
-      <p:cxnSp>
-        <p:nvCxnSpPr>
-          <p:cNvPr id="27" name="Прямая соединительная линия 26">
-            <a:extLst>
-              <a:ext uri="{FF2B5EF4-FFF2-40B4-BE49-F238E27FC236}">
-                <a16:creationId xmlns="" xmlns:a16="http://schemas.microsoft.com/office/drawing/2014/main" id="{2269C903-7FD6-EE72-2DC1-B7F5700F8CAB}"/>
-              </a:ext>
-            </a:extLst>
-          </p:cNvPr>
-          <p:cNvCxnSpPr>
-            <a:cxnSpLocks/>
-          </p:cNvCxnSpPr>
-          <p:nvPr/>
-        </p:nvCxnSpPr>
-        <p:spPr>
-          <a:xfrm>
-            <a:off x="196645" y="5973720"/>
-            <a:ext cx="11757936" cy="0"/>
-          </a:xfrm>
-          <a:prstGeom prst="line">
-            <a:avLst/>
-          </a:prstGeom>
-          <a:ln>
-            <a:solidFill>
-              <a:srgbClr val="F1879B"/>
-            </a:solidFill>
-          </a:ln>
-        </p:spPr>
-        <p:style>
-          <a:lnRef idx="1">
-            <a:schemeClr val="accent1"/>
-          </a:lnRef>
-          <a:fillRef idx="0">
-            <a:schemeClr val="accent1"/>
-          </a:fillRef>
-          <a:effectRef idx="0">
-            <a:schemeClr val="accent1"/>
-          </a:effectRef>
-          <a:fontRef idx="minor">
-            <a:schemeClr val="tx1"/>
-          </a:fontRef>
-        </p:style>
-      </p:cxnSp>
-      <p:pic>
-        <p:nvPicPr>
-          <p:cNvPr id="22" name="Рисунок 21"/>
-          <p:cNvPicPr>
-            <a:picLocks noChangeAspect="1"/>
-          </p:cNvPicPr>
-          <p:nvPr/>
-        </p:nvPicPr>
-        <p:blipFill>
-          <a:blip r:embed="rId2">
-            <a:extLst>
-              <a:ext uri="{28A0092B-C50C-407E-A947-70E740481C1C}">
-                <a14:useLocalDpi xmlns:a14="http://schemas.microsoft.com/office/drawing/2010/main" val="0"/>
-              </a:ext>
-            </a:extLst>
-          </a:blip>
-          <a:stretch>
-            <a:fillRect/>
-          </a:stretch>
-        </p:blipFill>
-        <p:spPr>
-          <a:xfrm>
-            <a:off x="632714" y="6041218"/>
-            <a:ext cx="2059211" cy="816782"/>
-          </a:xfrm>
-          <a:prstGeom prst="rect">
-            <a:avLst/>
-          </a:prstGeom>
-        </p:spPr>
-      </p:pic>
-      <p:pic>
-        <p:nvPicPr>
-          <p:cNvPr id="23" name="Рисунок 22"/>
-          <p:cNvPicPr>
-            <a:picLocks noChangeAspect="1"/>
-          </p:cNvPicPr>
-          <p:nvPr/>
-        </p:nvPicPr>
-        <p:blipFill>
-          <a:blip r:embed="rId3" cstate="print">
-            <a:extLst>
-              <a:ext uri="{28A0092B-C50C-407E-A947-70E740481C1C}">
-                <a14:useLocalDpi xmlns:a14="http://schemas.microsoft.com/office/drawing/2010/main" val="0"/>
-              </a:ext>
-            </a:extLst>
-          </a:blip>
-          <a:stretch>
-            <a:fillRect/>
-          </a:stretch>
-        </p:blipFill>
-        <p:spPr>
-          <a:xfrm>
-            <a:off x="9402464" y="6108340"/>
-            <a:ext cx="695728" cy="695728"/>
-          </a:xfrm>
-          <a:prstGeom prst="rect">
-            <a:avLst/>
-          </a:prstGeom>
-        </p:spPr>
-      </p:pic>
-      <p:sp>
-        <p:nvSpPr>
-          <p:cNvPr id="24" name="TextBox 23">
-            <a:extLst>
-              <a:ext uri="{FF2B5EF4-FFF2-40B4-BE49-F238E27FC236}">
-                <a16:creationId xmlns="" xmlns:a16="http://schemas.microsoft.com/office/drawing/2014/main" id="{F6EA0B60-FDC8-1E62-6192-E1695B3DAFE4}"/>
-              </a:ext>
-            </a:extLst>
-          </p:cNvPr>
-          <p:cNvSpPr txBox="1"/>
-          <p:nvPr/>
-        </p:nvSpPr>
-        <p:spPr>
-          <a:xfrm>
-            <a:off x="10098192" y="6260783"/>
-            <a:ext cx="3098862" cy="369332"/>
-          </a:xfrm>
-          <a:prstGeom prst="rect">
-            <a:avLst/>
-          </a:prstGeom>
-          <a:noFill/>
-        </p:spPr>
-        <p:txBody>
-          <a:bodyPr wrap="square" rtlCol="0">
-            <a:spAutoFit/>
-          </a:bodyPr>
-          <a:lstStyle/>
-          <a:p>
-            <a:r>
-              <a:rPr lang="en-US" b="1" dirty="0" err="1" smtClean="0">
-                <a:solidFill>
-                  <a:schemeClr val="bg1"/>
-                </a:solidFill>
-                <a:latin typeface="Roboto" panose="02000000000000000000" pitchFamily="2" charset="0"/>
-                <a:ea typeface="Roboto" panose="02000000000000000000" pitchFamily="2" charset="0"/>
-              </a:rPr>
-              <a:t>KillNet</a:t>
-            </a:r>
-            <a:endParaRPr lang="en-GB" b="1" dirty="0">
-              <a:solidFill>
-                <a:schemeClr val="bg1"/>
-              </a:solidFill>
-              <a:latin typeface="Roboto" panose="02000000000000000000" pitchFamily="2" charset="0"/>
-              <a:ea typeface="Roboto" panose="02000000000000000000" pitchFamily="2" charset="0"/>
-            </a:endParaRPr>
-          </a:p>
-        </p:txBody>
-      </p:sp>
-    </p:spTree>
-    <p:extLst>
-      <p:ext uri="{BB962C8B-B14F-4D97-AF65-F5344CB8AC3E}">
-        <p14:creationId xmlns:p14="http://schemas.microsoft.com/office/powerpoint/2010/main" val="3302259962"/>
-      </p:ext>
-    </p:extLst>
-  </p:cSld>
-  <p:clrMapOvr>
-    <a:masterClrMapping/>
-  </p:clrMapOvr>
-  <p:timing>
-    <p:tnLst>
-      <p:par>
-        <p:cTn id="1" dur="indefinite" restart="never" nodeType="tmRoot">
-          <p:childTnLst>
-            <p:seq concurrent="1" nextAc="seek">
-              <p:cTn id="2" dur="indefinite" nodeType="mainSeq">
-                <p:childTnLst>
-                  <p:par>
-                    <p:cTn id="3" fill="hold">
-                      <p:stCondLst>
-                        <p:cond delay="indefinite"/>
-                      </p:stCondLst>
-                      <p:childTnLst>
-                        <p:par>
-                          <p:cTn id="4" fill="hold">
-                            <p:stCondLst>
-                              <p:cond delay="0"/>
-                            </p:stCondLst>
-                            <p:childTnLst>
-                              <p:par>
-                                <p:cTn id="5" presetID="2" presetClass="entr" presetSubtype="8" fill="hold" grpId="0" nodeType="clickEffect">
-                                  <p:stCondLst>
-                                    <p:cond delay="0"/>
-                                  </p:stCondLst>
-                                  <p:childTnLst>
-                                    <p:set>
-                                      <p:cBhvr>
-                                        <p:cTn id="6" dur="1" fill="hold">
-                                          <p:stCondLst>
-                                            <p:cond delay="0"/>
-                                          </p:stCondLst>
-                                        </p:cTn>
-                                        <p:tgtEl>
-                                          <p:spTgt spid="6"/>
-                                        </p:tgtEl>
-                                        <p:attrNameLst>
-                                          <p:attrName>style.visibility</p:attrName>
-                                        </p:attrNameLst>
-                                      </p:cBhvr>
-                                      <p:to>
-                                        <p:strVal val="visible"/>
-                                      </p:to>
-                                    </p:set>
-                                    <p:anim calcmode="lin" valueType="num">
-                                      <p:cBhvr additive="base">
-                                        <p:cTn id="7" dur="500" fill="hold"/>
-                                        <p:tgtEl>
-                                          <p:spTgt spid="6"/>
-                                        </p:tgtEl>
-                                        <p:attrNameLst>
-                                          <p:attrName>ppt_x</p:attrName>
-                                        </p:attrNameLst>
-                                      </p:cBhvr>
-                                      <p:tavLst>
-                                        <p:tav tm="0">
-                                          <p:val>
-                                            <p:strVal val="0-#ppt_w/2"/>
-                                          </p:val>
-                                        </p:tav>
-                                        <p:tav tm="100000">
-                                          <p:val>
-                                            <p:strVal val="#ppt_x"/>
-                                          </p:val>
-                                        </p:tav>
-                                      </p:tavLst>
-                                    </p:anim>
-                                    <p:anim calcmode="lin" valueType="num">
-                                      <p:cBhvr additive="base">
-                                        <p:cTn id="8" dur="500" fill="hold"/>
-                                        <p:tgtEl>
-                                          <p:spTgt spid="6"/>
-                                        </p:tgtEl>
-                                        <p:attrNameLst>
-                                          <p:attrName>ppt_y</p:attrName>
-                                        </p:attrNameLst>
-                                      </p:cBhvr>
-                                      <p:tavLst>
-                                        <p:tav tm="0">
-                                          <p:val>
-                                            <p:strVal val="#ppt_y"/>
-                                          </p:val>
-                                        </p:tav>
-                                        <p:tav tm="100000">
-                                          <p:val>
-                                            <p:strVal val="#ppt_y"/>
-                                          </p:val>
-                                        </p:tav>
-                                      </p:tavLst>
-                                    </p:anim>
-                                  </p:childTnLst>
-                                </p:cTn>
-                              </p:par>
-                            </p:childTnLst>
-                          </p:cTn>
-                        </p:par>
-                        <p:par>
-                          <p:cTn id="9" fill="hold">
-                            <p:stCondLst>
-                              <p:cond delay="500"/>
-                            </p:stCondLst>
-                            <p:childTnLst>
-                              <p:par>
-                                <p:cTn id="10" presetID="22" presetClass="entr" presetSubtype="1" fill="hold" grpId="0" nodeType="afterEffect">
-                                  <p:stCondLst>
-                                    <p:cond delay="0"/>
-                                  </p:stCondLst>
-                                  <p:childTnLst>
-                                    <p:set>
-                                      <p:cBhvr>
-                                        <p:cTn id="11" dur="1" fill="hold">
-                                          <p:stCondLst>
-                                            <p:cond delay="0"/>
-                                          </p:stCondLst>
-                                        </p:cTn>
-                                        <p:tgtEl>
-                                          <p:spTgt spid="3">
-                                            <p:txEl>
-                                              <p:pRg st="0" end="0"/>
-                                            </p:txEl>
-                                          </p:spTgt>
-                                        </p:tgtEl>
-                                        <p:attrNameLst>
-                                          <p:attrName>style.visibility</p:attrName>
-                                        </p:attrNameLst>
-                                      </p:cBhvr>
-                                      <p:to>
-                                        <p:strVal val="visible"/>
-                                      </p:to>
-                                    </p:set>
-                                    <p:animEffect transition="in" filter="wipe(up)">
-                                      <p:cBhvr>
-                                        <p:cTn id="12" dur="200"/>
-                                        <p:tgtEl>
-                                          <p:spTgt spid="3">
-                                            <p:txEl>
-                                              <p:pRg st="0" end="0"/>
-                                            </p:txEl>
-                                          </p:spTgt>
-                                        </p:tgtEl>
-                                      </p:cBhvr>
-                                    </p:animEffect>
-                                  </p:childTnLst>
-                                </p:cTn>
-                              </p:par>
-                            </p:childTnLst>
-                          </p:cTn>
-                        </p:par>
-                      </p:childTnLst>
-                    </p:cTn>
-                  </p:par>
-                </p:childTnLst>
-              </p:cTn>
-              <p:prevCondLst>
-                <p:cond evt="onPrev" delay="0">
-                  <p:tgtEl>
-                    <p:sldTgt/>
-                  </p:tgtEl>
-                </p:cond>
-              </p:prevCondLst>
-              <p:nextCondLst>
-                <p:cond evt="onNext" delay="0">
-                  <p:tgtEl>
-                    <p:sldTgt/>
-                  </p:tgtEl>
-                </p:cond>
-              </p:nextCondLst>
-            </p:seq>
-          </p:childTnLst>
-        </p:cTn>
-      </p:par>
-    </p:tnLst>
-    <p:bldLst>
-      <p:bldP spid="6" grpId="0" animBg="1"/>
-      <p:bldP spid="3" grpId="0" build="p"/>
-    </p:bldLst>
-  </p:timing>
-</p:sld>
-</file>
-
 <file path=ppt/theme/theme1.xml><?xml version="1.0" encoding="utf-8"?>
 <a:theme xmlns:a="http://schemas.openxmlformats.org/drawingml/2006/main" name="Тема Office">
   <a:themeElements>
@@ -16302,7 +16953,7 @@
   <a:extraClrSchemeLst/>
   <a:extLst>
     <a:ext uri="{05A4C25C-085E-4340-85A3-A5531E510DB2}">
-      <thm15:themeFamily xmlns="" xmlns:thm15="http://schemas.microsoft.com/office/thememl/2012/main" name="Office 2013 - 2022 Theme" id="{62F939B6-93AF-4DB8-9C6B-D6C7DFDC589F}" vid="{4A3C46E8-61CC-4603-A589-7422A47A8E4A}"/>
+      <thm15:themeFamily xmlns:thm15="http://schemas.microsoft.com/office/thememl/2012/main" xmlns="" name="Office 2013 - 2022 Theme" id="{62F939B6-93AF-4DB8-9C6B-D6C7DFDC589F}" vid="{4A3C46E8-61CC-4603-A589-7422A47A8E4A}"/>
     </a:ext>
   </a:extLst>
 </a:theme>
@@ -16597,7 +17248,7 @@
   <a:extraClrSchemeLst/>
   <a:extLst>
     <a:ext uri="{05A4C25C-085E-4340-85A3-A5531E510DB2}">
-      <thm15:themeFamily xmlns="" xmlns:thm15="http://schemas.microsoft.com/office/thememl/2012/main" name="Office Theme" id="{62F939B6-93AF-4DB8-9C6B-D6C7DFDC589F}" vid="{4A3C46E8-61CC-4603-A589-7422A47A8E4A}"/>
+      <thm15:themeFamily xmlns:thm15="http://schemas.microsoft.com/office/thememl/2012/main" xmlns="" name="Office Theme" id="{62F939B6-93AF-4DB8-9C6B-D6C7DFDC589F}" vid="{4A3C46E8-61CC-4603-A589-7422A47A8E4A}"/>
     </a:ext>
   </a:extLst>
 </a:theme>
